--- a/doc/2주차 스터디 vue react anguler.pptx
+++ b/doc/2주차 스터디 vue react anguler.pptx
@@ -110,6 +110,22 @@
       </a:defRPr>
     </a:lvl9pPr>
   </p:defaultTextStyle>
+  <p:extLst>
+    <p:ext uri="{EFAFB233-063F-42B5-8137-9DF3F51BA10A}">
+      <p15:sldGuideLst xmlns:p15="http://schemas.microsoft.com/office/powerpoint/2012/main">
+        <p15:guide id="1" orient="horz" pos="2160">
+          <p15:clr>
+            <a:srgbClr val="A4A3A4"/>
+          </p15:clr>
+        </p15:guide>
+        <p15:guide id="2" pos="2880">
+          <p15:clr>
+            <a:srgbClr val="A4A3A4"/>
+          </p15:clr>
+        </p15:guide>
+      </p15:sldGuideLst>
+    </p:ext>
+  </p:extLst>
 </p:presentation>
 </file>
 
@@ -295,7 +311,7 @@
             <a:fld id="{CD6DEE77-0C1D-458A-9EBD-426B5B8D0F81}" type="datetimeFigureOut">
               <a:rPr lang="ko-KR" altLang="en-US" smtClean="0"/>
               <a:pPr/>
-              <a:t>2019-07-18</a:t>
+              <a:t>2019-07-22</a:t>
             </a:fld>
             <a:endParaRPr lang="ko-KR" altLang="en-US"/>
           </a:p>
@@ -462,7 +478,7 @@
             <a:fld id="{CD6DEE77-0C1D-458A-9EBD-426B5B8D0F81}" type="datetimeFigureOut">
               <a:rPr lang="ko-KR" altLang="en-US" smtClean="0"/>
               <a:pPr/>
-              <a:t>2019-07-18</a:t>
+              <a:t>2019-07-22</a:t>
             </a:fld>
             <a:endParaRPr lang="ko-KR" altLang="en-US"/>
           </a:p>
@@ -639,7 +655,7 @@
             <a:fld id="{CD6DEE77-0C1D-458A-9EBD-426B5B8D0F81}" type="datetimeFigureOut">
               <a:rPr lang="ko-KR" altLang="en-US" smtClean="0"/>
               <a:pPr/>
-              <a:t>2019-07-18</a:t>
+              <a:t>2019-07-22</a:t>
             </a:fld>
             <a:endParaRPr lang="ko-KR" altLang="en-US"/>
           </a:p>
@@ -814,7 +830,7 @@
             <a:fld id="{CD6DEE77-0C1D-458A-9EBD-426B5B8D0F81}" type="datetimeFigureOut">
               <a:rPr lang="ko-KR" altLang="en-US" smtClean="0"/>
               <a:pPr/>
-              <a:t>2019-07-18</a:t>
+              <a:t>2019-07-22</a:t>
             </a:fld>
             <a:endParaRPr lang="ko-KR" altLang="en-US"/>
           </a:p>
@@ -1057,7 +1073,7 @@
             <a:fld id="{CD6DEE77-0C1D-458A-9EBD-426B5B8D0F81}" type="datetimeFigureOut">
               <a:rPr lang="ko-KR" altLang="en-US" smtClean="0"/>
               <a:pPr/>
-              <a:t>2019-07-18</a:t>
+              <a:t>2019-07-22</a:t>
             </a:fld>
             <a:endParaRPr lang="ko-KR" altLang="en-US"/>
           </a:p>
@@ -1342,7 +1358,7 @@
             <a:fld id="{CD6DEE77-0C1D-458A-9EBD-426B5B8D0F81}" type="datetimeFigureOut">
               <a:rPr lang="ko-KR" altLang="en-US" smtClean="0"/>
               <a:pPr/>
-              <a:t>2019-07-18</a:t>
+              <a:t>2019-07-22</a:t>
             </a:fld>
             <a:endParaRPr lang="ko-KR" altLang="en-US"/>
           </a:p>
@@ -1761,7 +1777,7 @@
             <a:fld id="{CD6DEE77-0C1D-458A-9EBD-426B5B8D0F81}" type="datetimeFigureOut">
               <a:rPr lang="ko-KR" altLang="en-US" smtClean="0"/>
               <a:pPr/>
-              <a:t>2019-07-18</a:t>
+              <a:t>2019-07-22</a:t>
             </a:fld>
             <a:endParaRPr lang="ko-KR" altLang="en-US"/>
           </a:p>
@@ -1876,7 +1892,7 @@
             <a:fld id="{CD6DEE77-0C1D-458A-9EBD-426B5B8D0F81}" type="datetimeFigureOut">
               <a:rPr lang="ko-KR" altLang="en-US" smtClean="0"/>
               <a:pPr/>
-              <a:t>2019-07-18</a:t>
+              <a:t>2019-07-22</a:t>
             </a:fld>
             <a:endParaRPr lang="ko-KR" altLang="en-US"/>
           </a:p>
@@ -1968,7 +1984,7 @@
             <a:fld id="{CD6DEE77-0C1D-458A-9EBD-426B5B8D0F81}" type="datetimeFigureOut">
               <a:rPr lang="ko-KR" altLang="en-US" smtClean="0"/>
               <a:pPr/>
-              <a:t>2019-07-18</a:t>
+              <a:t>2019-07-22</a:t>
             </a:fld>
             <a:endParaRPr lang="ko-KR" altLang="en-US"/>
           </a:p>
@@ -2242,7 +2258,7 @@
             <a:fld id="{CD6DEE77-0C1D-458A-9EBD-426B5B8D0F81}" type="datetimeFigureOut">
               <a:rPr lang="ko-KR" altLang="en-US" smtClean="0"/>
               <a:pPr/>
-              <a:t>2019-07-18</a:t>
+              <a:t>2019-07-22</a:t>
             </a:fld>
             <a:endParaRPr lang="ko-KR" altLang="en-US"/>
           </a:p>
@@ -2492,7 +2508,7 @@
             <a:fld id="{CD6DEE77-0C1D-458A-9EBD-426B5B8D0F81}" type="datetimeFigureOut">
               <a:rPr lang="ko-KR" altLang="en-US" smtClean="0"/>
               <a:pPr/>
-              <a:t>2019-07-18</a:t>
+              <a:t>2019-07-22</a:t>
             </a:fld>
             <a:endParaRPr lang="ko-KR" altLang="en-US"/>
           </a:p>
@@ -2702,7 +2718,7 @@
             <a:fld id="{CD6DEE77-0C1D-458A-9EBD-426B5B8D0F81}" type="datetimeFigureOut">
               <a:rPr lang="ko-KR" altLang="en-US" smtClean="0"/>
               <a:pPr/>
-              <a:t>2019-07-18</a:t>
+              <a:t>2019-07-22</a:t>
             </a:fld>
             <a:endParaRPr lang="ko-KR" altLang="en-US"/>
           </a:p>
@@ -3574,7 +3590,7 @@
           <a:p>
             <a:r>
               <a:rPr lang="en-US" altLang="ko-KR" sz="1500" dirty="0" smtClean="0"/>
-              <a:t>FRENT-END F/W ( Framework )</a:t>
+              <a:t>FRONT-END F/W ( Framework )</a:t>
             </a:r>
             <a:endParaRPr lang="ko-KR" altLang="en-US" sz="1500" dirty="0"/>
           </a:p>
@@ -3935,13 +3951,8 @@
             <a:pPr algn="ctr"/>
             <a:r>
               <a:rPr lang="en-US" altLang="ko-KR" dirty="0" smtClean="0"/>
-              <a:t>( Web Server </a:t>
-            </a:r>
-            <a:r>
-              <a:rPr lang="en-US" altLang="ko-KR" dirty="0" smtClean="0"/>
-              <a:t>)</a:t>
-            </a:r>
-            <a:endParaRPr lang="en-US" altLang="ko-KR" dirty="0" smtClean="0"/>
+              <a:t>( Web Server )</a:t>
+            </a:r>
           </a:p>
           <a:p>
             <a:pPr algn="ctr"/>
@@ -4526,12 +4537,8 @@
           <a:lstStyle/>
           <a:p>
             <a:r>
-              <a:rPr lang="en-US" altLang="ko-KR" sz="1500" dirty="0" err="1" smtClean="0"/>
-              <a:t>Frent</a:t>
-            </a:r>
-            <a:r>
               <a:rPr lang="en-US" altLang="ko-KR" sz="1500" dirty="0" smtClean="0"/>
-              <a:t> End Framework Architecture</a:t>
+              <a:t>Front End Framework Architecture</a:t>
             </a:r>
             <a:endParaRPr lang="ko-KR" altLang="en-US" sz="1500" dirty="0"/>
           </a:p>
@@ -5780,15 +5787,7 @@
           <a:p>
             <a:r>
               <a:rPr lang="en-US" altLang="ko-KR" sz="1500" dirty="0" smtClean="0"/>
-              <a:t>Architecture Compare The </a:t>
-            </a:r>
-            <a:r>
-              <a:rPr lang="en-US" altLang="ko-KR" sz="1500" dirty="0" err="1" smtClean="0"/>
-              <a:t>Frent</a:t>
-            </a:r>
-            <a:r>
-              <a:rPr lang="en-US" altLang="ko-KR" sz="1500" dirty="0" smtClean="0"/>
-              <a:t> End Framework</a:t>
+              <a:t>Architecture Compare The Front End Framework</a:t>
             </a:r>
             <a:endParaRPr lang="ko-KR" altLang="en-US" sz="1500" dirty="0"/>
           </a:p>
@@ -5832,7 +5831,13 @@
           <p:cNvGraphicFramePr>
             <a:graphicFrameLocks noGrp="1"/>
           </p:cNvGraphicFramePr>
-          <p:nvPr/>
+          <p:nvPr>
+            <p:extLst>
+              <p:ext uri="{D42A27DB-BD31-4B8C-83A1-F6EECF244321}">
+                <p14:modId xmlns:p14="http://schemas.microsoft.com/office/powerpoint/2010/main" val="356467597"/>
+              </p:ext>
+            </p:extLst>
+          </p:nvPr>
         </p:nvGraphicFramePr>
         <p:xfrm>
           <a:off x="611560" y="548680"/>
@@ -6237,7 +6242,7 @@
                       <a:pPr latinLnBrk="1"/>
                       <a:r>
                         <a:rPr lang="en-US" altLang="ko-KR" sz="1000" dirty="0" err="1" smtClean="0"/>
-                        <a:t>webPack</a:t>
+                        <a:t>WebPack</a:t>
                       </a:r>
                       <a:endParaRPr lang="ko-KR" altLang="en-US" sz="1000" dirty="0"/>
                     </a:p>
@@ -6561,13 +6566,8 @@
                       </a:r>
                       <a:r>
                         <a:rPr lang="en-US" altLang="ko-KR" sz="1000" baseline="0" dirty="0" smtClean="0"/>
-                        <a:t>:  </a:t>
-                      </a:r>
-                      <a:r>
-                        <a:rPr lang="en-US" altLang="ko-KR" sz="1000" baseline="0" dirty="0" smtClean="0"/>
-                        <a:t>Component Testing</a:t>
-                      </a:r>
-                      <a:endParaRPr lang="en-US" altLang="ko-KR" sz="1000" baseline="0" dirty="0" smtClean="0"/>
+                        <a:t>:  Component Testing</a:t>
+                      </a:r>
                     </a:p>
                     <a:p>
                       <a:pPr marL="0" marR="0" indent="0" algn="l" defTabSz="914400" rtl="0" eaLnBrk="1" fontAlgn="auto" latinLnBrk="1" hangingPunct="1">
@@ -7125,15 +7125,7 @@
           <a:p>
             <a:r>
               <a:rPr lang="en-US" altLang="ko-KR" sz="1500" dirty="0" smtClean="0"/>
-              <a:t>Architecture Compare The </a:t>
-            </a:r>
-            <a:r>
-              <a:rPr lang="en-US" altLang="ko-KR" sz="1500" dirty="0" err="1" smtClean="0"/>
-              <a:t>Frent</a:t>
-            </a:r>
-            <a:r>
-              <a:rPr lang="en-US" altLang="ko-KR" sz="1500" dirty="0" smtClean="0"/>
-              <a:t> End Framework</a:t>
+              <a:t>Architecture Compare The Front End Framework</a:t>
             </a:r>
             <a:endParaRPr lang="ko-KR" altLang="en-US" sz="1500" dirty="0"/>
           </a:p>
@@ -9062,12 +9054,12 @@
           <a:lstStyle/>
           <a:p>
             <a:r>
-              <a:rPr lang="en-US" altLang="ko-KR" sz="1500" dirty="0" err="1" smtClean="0"/>
-              <a:t>Frent</a:t>
+              <a:rPr lang="en-US" altLang="ko-KR" sz="1500" smtClean="0"/>
+              <a:t>Front </a:t>
             </a:r>
             <a:r>
               <a:rPr lang="en-US" altLang="ko-KR" sz="1500" dirty="0" smtClean="0"/>
-              <a:t> End Framework Source Line Compare</a:t>
+              <a:t>End Framework Source Line Compare</a:t>
             </a:r>
             <a:endParaRPr lang="ko-KR" altLang="en-US" sz="1500" dirty="0"/>
           </a:p>

--- a/doc/2주차 스터디 vue react anguler.pptx
+++ b/doc/2주차 스터디 vue react anguler.pptx
@@ -167,10 +167,9 @@
           <a:lstStyle/>
           <a:p>
             <a:r>
-              <a:rPr lang="ko-KR" altLang="en-US" smtClean="0"/>
+              <a:rPr lang="ko-KR" altLang="en-US"/>
               <a:t>마스터 제목 스타일 편집</a:t>
             </a:r>
-            <a:endParaRPr lang="ko-KR" altLang="en-US"/>
           </a:p>
         </p:txBody>
       </p:sp>
@@ -286,10 +285,9 @@
           </a:lstStyle>
           <a:p>
             <a:r>
-              <a:rPr lang="ko-KR" altLang="en-US" smtClean="0"/>
+              <a:rPr lang="ko-KR" altLang="en-US"/>
               <a:t>마스터 부제목 스타일 편집</a:t>
             </a:r>
-            <a:endParaRPr lang="ko-KR" altLang="en-US"/>
           </a:p>
         </p:txBody>
       </p:sp>
@@ -311,7 +309,7 @@
             <a:fld id="{CD6DEE77-0C1D-458A-9EBD-426B5B8D0F81}" type="datetimeFigureOut">
               <a:rPr lang="ko-KR" altLang="en-US" smtClean="0"/>
               <a:pPr/>
-              <a:t>2019-07-22</a:t>
+              <a:t>2019-07-24</a:t>
             </a:fld>
             <a:endParaRPr lang="ko-KR" altLang="en-US"/>
           </a:p>
@@ -401,10 +399,9 @@
           <a:lstStyle/>
           <a:p>
             <a:r>
-              <a:rPr lang="ko-KR" altLang="en-US" smtClean="0"/>
+              <a:rPr lang="ko-KR" altLang="en-US"/>
               <a:t>마스터 제목 스타일 편집</a:t>
             </a:r>
-            <a:endParaRPr lang="ko-KR" altLang="en-US"/>
           </a:p>
         </p:txBody>
       </p:sp>
@@ -425,38 +422,37 @@
           <a:p>
             <a:pPr lvl="0"/>
             <a:r>
-              <a:rPr lang="ko-KR" altLang="en-US" smtClean="0"/>
+              <a:rPr lang="ko-KR" altLang="en-US"/>
               <a:t>마스터 텍스트 스타일을 편집합니다</a:t>
             </a:r>
           </a:p>
           <a:p>
             <a:pPr lvl="1"/>
             <a:r>
-              <a:rPr lang="ko-KR" altLang="en-US" smtClean="0"/>
+              <a:rPr lang="ko-KR" altLang="en-US"/>
               <a:t>둘째 수준</a:t>
             </a:r>
           </a:p>
           <a:p>
             <a:pPr lvl="2"/>
             <a:r>
-              <a:rPr lang="ko-KR" altLang="en-US" smtClean="0"/>
+              <a:rPr lang="ko-KR" altLang="en-US"/>
               <a:t>셋째 수준</a:t>
             </a:r>
           </a:p>
           <a:p>
             <a:pPr lvl="3"/>
             <a:r>
-              <a:rPr lang="ko-KR" altLang="en-US" smtClean="0"/>
+              <a:rPr lang="ko-KR" altLang="en-US"/>
               <a:t>넷째 수준</a:t>
             </a:r>
           </a:p>
           <a:p>
             <a:pPr lvl="4"/>
             <a:r>
-              <a:rPr lang="ko-KR" altLang="en-US" smtClean="0"/>
+              <a:rPr lang="ko-KR" altLang="en-US"/>
               <a:t>다섯째 수준</a:t>
             </a:r>
-            <a:endParaRPr lang="ko-KR" altLang="en-US"/>
           </a:p>
         </p:txBody>
       </p:sp>
@@ -478,7 +474,7 @@
             <a:fld id="{CD6DEE77-0C1D-458A-9EBD-426B5B8D0F81}" type="datetimeFigureOut">
               <a:rPr lang="ko-KR" altLang="en-US" smtClean="0"/>
               <a:pPr/>
-              <a:t>2019-07-22</a:t>
+              <a:t>2019-07-24</a:t>
             </a:fld>
             <a:endParaRPr lang="ko-KR" altLang="en-US"/>
           </a:p>
@@ -573,10 +569,9 @@
           <a:lstStyle/>
           <a:p>
             <a:r>
-              <a:rPr lang="ko-KR" altLang="en-US" smtClean="0"/>
+              <a:rPr lang="ko-KR" altLang="en-US"/>
               <a:t>마스터 제목 스타일 편집</a:t>
             </a:r>
-            <a:endParaRPr lang="ko-KR" altLang="en-US"/>
           </a:p>
         </p:txBody>
       </p:sp>
@@ -602,38 +597,37 @@
           <a:p>
             <a:pPr lvl="0"/>
             <a:r>
-              <a:rPr lang="ko-KR" altLang="en-US" smtClean="0"/>
+              <a:rPr lang="ko-KR" altLang="en-US"/>
               <a:t>마스터 텍스트 스타일을 편집합니다</a:t>
             </a:r>
           </a:p>
           <a:p>
             <a:pPr lvl="1"/>
             <a:r>
-              <a:rPr lang="ko-KR" altLang="en-US" smtClean="0"/>
+              <a:rPr lang="ko-KR" altLang="en-US"/>
               <a:t>둘째 수준</a:t>
             </a:r>
           </a:p>
           <a:p>
             <a:pPr lvl="2"/>
             <a:r>
-              <a:rPr lang="ko-KR" altLang="en-US" smtClean="0"/>
+              <a:rPr lang="ko-KR" altLang="en-US"/>
               <a:t>셋째 수준</a:t>
             </a:r>
           </a:p>
           <a:p>
             <a:pPr lvl="3"/>
             <a:r>
-              <a:rPr lang="ko-KR" altLang="en-US" smtClean="0"/>
+              <a:rPr lang="ko-KR" altLang="en-US"/>
               <a:t>넷째 수준</a:t>
             </a:r>
           </a:p>
           <a:p>
             <a:pPr lvl="4"/>
             <a:r>
-              <a:rPr lang="ko-KR" altLang="en-US" smtClean="0"/>
+              <a:rPr lang="ko-KR" altLang="en-US"/>
               <a:t>다섯째 수준</a:t>
             </a:r>
-            <a:endParaRPr lang="ko-KR" altLang="en-US"/>
           </a:p>
         </p:txBody>
       </p:sp>
@@ -655,7 +649,7 @@
             <a:fld id="{CD6DEE77-0C1D-458A-9EBD-426B5B8D0F81}" type="datetimeFigureOut">
               <a:rPr lang="ko-KR" altLang="en-US" smtClean="0"/>
               <a:pPr/>
-              <a:t>2019-07-22</a:t>
+              <a:t>2019-07-24</a:t>
             </a:fld>
             <a:endParaRPr lang="ko-KR" altLang="en-US"/>
           </a:p>
@@ -753,10 +747,9 @@
           <a:lstStyle/>
           <a:p>
             <a:r>
-              <a:rPr lang="ko-KR" altLang="en-US" smtClean="0"/>
+              <a:rPr lang="ko-KR" altLang="en-US"/>
               <a:t>마스터 제목 스타일 편집</a:t>
             </a:r>
-            <a:endParaRPr lang="ko-KR" altLang="en-US"/>
           </a:p>
         </p:txBody>
       </p:sp>
@@ -777,38 +770,37 @@
           <a:p>
             <a:pPr lvl="0"/>
             <a:r>
-              <a:rPr lang="ko-KR" altLang="en-US" dirty="0" smtClean="0"/>
+              <a:rPr lang="ko-KR" altLang="en-US" dirty="0"/>
               <a:t>마스터 텍스트 스타일을 편집합니다</a:t>
             </a:r>
           </a:p>
           <a:p>
             <a:pPr lvl="1"/>
             <a:r>
-              <a:rPr lang="ko-KR" altLang="en-US" dirty="0" smtClean="0"/>
+              <a:rPr lang="ko-KR" altLang="en-US" dirty="0"/>
               <a:t>둘째 수준</a:t>
             </a:r>
           </a:p>
           <a:p>
             <a:pPr lvl="2"/>
             <a:r>
-              <a:rPr lang="ko-KR" altLang="en-US" dirty="0" smtClean="0"/>
+              <a:rPr lang="ko-KR" altLang="en-US" dirty="0"/>
               <a:t>셋째 수준</a:t>
             </a:r>
           </a:p>
           <a:p>
             <a:pPr lvl="3"/>
             <a:r>
-              <a:rPr lang="ko-KR" altLang="en-US" dirty="0" smtClean="0"/>
+              <a:rPr lang="ko-KR" altLang="en-US" dirty="0"/>
               <a:t>넷째 수준</a:t>
             </a:r>
           </a:p>
           <a:p>
             <a:pPr lvl="4"/>
             <a:r>
-              <a:rPr lang="ko-KR" altLang="en-US" dirty="0" smtClean="0"/>
+              <a:rPr lang="ko-KR" altLang="en-US" dirty="0"/>
               <a:t>다섯째 수준</a:t>
             </a:r>
-            <a:endParaRPr lang="ko-KR" altLang="en-US" dirty="0"/>
           </a:p>
         </p:txBody>
       </p:sp>
@@ -830,7 +822,7 @@
             <a:fld id="{CD6DEE77-0C1D-458A-9EBD-426B5B8D0F81}" type="datetimeFigureOut">
               <a:rPr lang="ko-KR" altLang="en-US" smtClean="0"/>
               <a:pPr/>
-              <a:t>2019-07-22</a:t>
+              <a:t>2019-07-24</a:t>
             </a:fld>
             <a:endParaRPr lang="ko-KR" altLang="en-US"/>
           </a:p>
@@ -929,10 +921,9 @@
           </a:lstStyle>
           <a:p>
             <a:r>
-              <a:rPr lang="ko-KR" altLang="en-US" smtClean="0"/>
+              <a:rPr lang="ko-KR" altLang="en-US"/>
               <a:t>마스터 제목 스타일 편집</a:t>
             </a:r>
-            <a:endParaRPr lang="ko-KR" altLang="en-US"/>
           </a:p>
         </p:txBody>
       </p:sp>
@@ -1049,7 +1040,7 @@
           <a:p>
             <a:pPr lvl="0"/>
             <a:r>
-              <a:rPr lang="ko-KR" altLang="en-US" smtClean="0"/>
+              <a:rPr lang="ko-KR" altLang="en-US"/>
               <a:t>마스터 텍스트 스타일을 편집합니다</a:t>
             </a:r>
           </a:p>
@@ -1073,7 +1064,7 @@
             <a:fld id="{CD6DEE77-0C1D-458A-9EBD-426B5B8D0F81}" type="datetimeFigureOut">
               <a:rPr lang="ko-KR" altLang="en-US" smtClean="0"/>
               <a:pPr/>
-              <a:t>2019-07-22</a:t>
+              <a:t>2019-07-24</a:t>
             </a:fld>
             <a:endParaRPr lang="ko-KR" altLang="en-US"/>
           </a:p>
@@ -1163,10 +1154,9 @@
           <a:lstStyle/>
           <a:p>
             <a:r>
-              <a:rPr lang="ko-KR" altLang="en-US" smtClean="0"/>
+              <a:rPr lang="ko-KR" altLang="en-US"/>
               <a:t>마스터 제목 스타일 편집</a:t>
             </a:r>
-            <a:endParaRPr lang="ko-KR" altLang="en-US"/>
           </a:p>
         </p:txBody>
       </p:sp>
@@ -1220,38 +1210,37 @@
           <a:p>
             <a:pPr lvl="0"/>
             <a:r>
-              <a:rPr lang="ko-KR" altLang="en-US" smtClean="0"/>
+              <a:rPr lang="ko-KR" altLang="en-US"/>
               <a:t>마스터 텍스트 스타일을 편집합니다</a:t>
             </a:r>
           </a:p>
           <a:p>
             <a:pPr lvl="1"/>
             <a:r>
-              <a:rPr lang="ko-KR" altLang="en-US" smtClean="0"/>
+              <a:rPr lang="ko-KR" altLang="en-US"/>
               <a:t>둘째 수준</a:t>
             </a:r>
           </a:p>
           <a:p>
             <a:pPr lvl="2"/>
             <a:r>
-              <a:rPr lang="ko-KR" altLang="en-US" smtClean="0"/>
+              <a:rPr lang="ko-KR" altLang="en-US"/>
               <a:t>셋째 수준</a:t>
             </a:r>
           </a:p>
           <a:p>
             <a:pPr lvl="3"/>
             <a:r>
-              <a:rPr lang="ko-KR" altLang="en-US" smtClean="0"/>
+              <a:rPr lang="ko-KR" altLang="en-US"/>
               <a:t>넷째 수준</a:t>
             </a:r>
           </a:p>
           <a:p>
             <a:pPr lvl="4"/>
             <a:r>
-              <a:rPr lang="ko-KR" altLang="en-US" smtClean="0"/>
+              <a:rPr lang="ko-KR" altLang="en-US"/>
               <a:t>다섯째 수준</a:t>
             </a:r>
-            <a:endParaRPr lang="ko-KR" altLang="en-US"/>
           </a:p>
         </p:txBody>
       </p:sp>
@@ -1305,38 +1294,37 @@
           <a:p>
             <a:pPr lvl="0"/>
             <a:r>
-              <a:rPr lang="ko-KR" altLang="en-US" smtClean="0"/>
+              <a:rPr lang="ko-KR" altLang="en-US"/>
               <a:t>마스터 텍스트 스타일을 편집합니다</a:t>
             </a:r>
           </a:p>
           <a:p>
             <a:pPr lvl="1"/>
             <a:r>
-              <a:rPr lang="ko-KR" altLang="en-US" smtClean="0"/>
+              <a:rPr lang="ko-KR" altLang="en-US"/>
               <a:t>둘째 수준</a:t>
             </a:r>
           </a:p>
           <a:p>
             <a:pPr lvl="2"/>
             <a:r>
-              <a:rPr lang="ko-KR" altLang="en-US" smtClean="0"/>
+              <a:rPr lang="ko-KR" altLang="en-US"/>
               <a:t>셋째 수준</a:t>
             </a:r>
           </a:p>
           <a:p>
             <a:pPr lvl="3"/>
             <a:r>
-              <a:rPr lang="ko-KR" altLang="en-US" smtClean="0"/>
+              <a:rPr lang="ko-KR" altLang="en-US"/>
               <a:t>넷째 수준</a:t>
             </a:r>
           </a:p>
           <a:p>
             <a:pPr lvl="4"/>
             <a:r>
-              <a:rPr lang="ko-KR" altLang="en-US" smtClean="0"/>
+              <a:rPr lang="ko-KR" altLang="en-US"/>
               <a:t>다섯째 수준</a:t>
             </a:r>
-            <a:endParaRPr lang="ko-KR" altLang="en-US"/>
           </a:p>
         </p:txBody>
       </p:sp>
@@ -1358,7 +1346,7 @@
             <a:fld id="{CD6DEE77-0C1D-458A-9EBD-426B5B8D0F81}" type="datetimeFigureOut">
               <a:rPr lang="ko-KR" altLang="en-US" smtClean="0"/>
               <a:pPr/>
-              <a:t>2019-07-22</a:t>
+              <a:t>2019-07-24</a:t>
             </a:fld>
             <a:endParaRPr lang="ko-KR" altLang="en-US"/>
           </a:p>
@@ -1452,10 +1440,9 @@
           </a:lstStyle>
           <a:p>
             <a:r>
-              <a:rPr lang="ko-KR" altLang="en-US" smtClean="0"/>
+              <a:rPr lang="ko-KR" altLang="en-US"/>
               <a:t>마스터 제목 스타일 편집</a:t>
             </a:r>
-            <a:endParaRPr lang="ko-KR" altLang="en-US"/>
           </a:p>
         </p:txBody>
       </p:sp>
@@ -1518,7 +1505,7 @@
           <a:p>
             <a:pPr lvl="0"/>
             <a:r>
-              <a:rPr lang="ko-KR" altLang="en-US" smtClean="0"/>
+              <a:rPr lang="ko-KR" altLang="en-US"/>
               <a:t>마스터 텍스트 스타일을 편집합니다</a:t>
             </a:r>
           </a:p>
@@ -1574,38 +1561,37 @@
           <a:p>
             <a:pPr lvl="0"/>
             <a:r>
-              <a:rPr lang="ko-KR" altLang="en-US" smtClean="0"/>
+              <a:rPr lang="ko-KR" altLang="en-US"/>
               <a:t>마스터 텍스트 스타일을 편집합니다</a:t>
             </a:r>
           </a:p>
           <a:p>
             <a:pPr lvl="1"/>
             <a:r>
-              <a:rPr lang="ko-KR" altLang="en-US" smtClean="0"/>
+              <a:rPr lang="ko-KR" altLang="en-US"/>
               <a:t>둘째 수준</a:t>
             </a:r>
           </a:p>
           <a:p>
             <a:pPr lvl="2"/>
             <a:r>
-              <a:rPr lang="ko-KR" altLang="en-US" smtClean="0"/>
+              <a:rPr lang="ko-KR" altLang="en-US"/>
               <a:t>셋째 수준</a:t>
             </a:r>
           </a:p>
           <a:p>
             <a:pPr lvl="3"/>
             <a:r>
-              <a:rPr lang="ko-KR" altLang="en-US" smtClean="0"/>
+              <a:rPr lang="ko-KR" altLang="en-US"/>
               <a:t>넷째 수준</a:t>
             </a:r>
           </a:p>
           <a:p>
             <a:pPr lvl="4"/>
             <a:r>
-              <a:rPr lang="ko-KR" altLang="en-US" smtClean="0"/>
+              <a:rPr lang="ko-KR" altLang="en-US"/>
               <a:t>다섯째 수준</a:t>
             </a:r>
-            <a:endParaRPr lang="ko-KR" altLang="en-US"/>
           </a:p>
         </p:txBody>
       </p:sp>
@@ -1668,7 +1654,7 @@
           <a:p>
             <a:pPr lvl="0"/>
             <a:r>
-              <a:rPr lang="ko-KR" altLang="en-US" smtClean="0"/>
+              <a:rPr lang="ko-KR" altLang="en-US"/>
               <a:t>마스터 텍스트 스타일을 편집합니다</a:t>
             </a:r>
           </a:p>
@@ -1724,38 +1710,37 @@
           <a:p>
             <a:pPr lvl="0"/>
             <a:r>
-              <a:rPr lang="ko-KR" altLang="en-US" smtClean="0"/>
+              <a:rPr lang="ko-KR" altLang="en-US"/>
               <a:t>마스터 텍스트 스타일을 편집합니다</a:t>
             </a:r>
           </a:p>
           <a:p>
             <a:pPr lvl="1"/>
             <a:r>
-              <a:rPr lang="ko-KR" altLang="en-US" smtClean="0"/>
+              <a:rPr lang="ko-KR" altLang="en-US"/>
               <a:t>둘째 수준</a:t>
             </a:r>
           </a:p>
           <a:p>
             <a:pPr lvl="2"/>
             <a:r>
-              <a:rPr lang="ko-KR" altLang="en-US" smtClean="0"/>
+              <a:rPr lang="ko-KR" altLang="en-US"/>
               <a:t>셋째 수준</a:t>
             </a:r>
           </a:p>
           <a:p>
             <a:pPr lvl="3"/>
             <a:r>
-              <a:rPr lang="ko-KR" altLang="en-US" smtClean="0"/>
+              <a:rPr lang="ko-KR" altLang="en-US"/>
               <a:t>넷째 수준</a:t>
             </a:r>
           </a:p>
           <a:p>
             <a:pPr lvl="4"/>
             <a:r>
-              <a:rPr lang="ko-KR" altLang="en-US" smtClean="0"/>
+              <a:rPr lang="ko-KR" altLang="en-US"/>
               <a:t>다섯째 수준</a:t>
             </a:r>
-            <a:endParaRPr lang="ko-KR" altLang="en-US"/>
           </a:p>
         </p:txBody>
       </p:sp>
@@ -1777,7 +1762,7 @@
             <a:fld id="{CD6DEE77-0C1D-458A-9EBD-426B5B8D0F81}" type="datetimeFigureOut">
               <a:rPr lang="ko-KR" altLang="en-US" smtClean="0"/>
               <a:pPr/>
-              <a:t>2019-07-22</a:t>
+              <a:t>2019-07-24</a:t>
             </a:fld>
             <a:endParaRPr lang="ko-KR" altLang="en-US"/>
           </a:p>
@@ -1867,10 +1852,9 @@
           <a:lstStyle/>
           <a:p>
             <a:r>
-              <a:rPr lang="ko-KR" altLang="en-US" smtClean="0"/>
+              <a:rPr lang="ko-KR" altLang="en-US"/>
               <a:t>마스터 제목 스타일 편집</a:t>
             </a:r>
-            <a:endParaRPr lang="ko-KR" altLang="en-US"/>
           </a:p>
         </p:txBody>
       </p:sp>
@@ -1892,7 +1876,7 @@
             <a:fld id="{CD6DEE77-0C1D-458A-9EBD-426B5B8D0F81}" type="datetimeFigureOut">
               <a:rPr lang="ko-KR" altLang="en-US" smtClean="0"/>
               <a:pPr/>
-              <a:t>2019-07-22</a:t>
+              <a:t>2019-07-24</a:t>
             </a:fld>
             <a:endParaRPr lang="ko-KR" altLang="en-US"/>
           </a:p>
@@ -1984,7 +1968,7 @@
             <a:fld id="{CD6DEE77-0C1D-458A-9EBD-426B5B8D0F81}" type="datetimeFigureOut">
               <a:rPr lang="ko-KR" altLang="en-US" smtClean="0"/>
               <a:pPr/>
-              <a:t>2019-07-22</a:t>
+              <a:t>2019-07-24</a:t>
             </a:fld>
             <a:endParaRPr lang="ko-KR" altLang="en-US"/>
           </a:p>
@@ -2083,10 +2067,9 @@
           </a:lstStyle>
           <a:p>
             <a:r>
-              <a:rPr lang="ko-KR" altLang="en-US" smtClean="0"/>
+              <a:rPr lang="ko-KR" altLang="en-US"/>
               <a:t>마스터 제목 스타일 편집</a:t>
             </a:r>
-            <a:endParaRPr lang="ko-KR" altLang="en-US"/>
           </a:p>
         </p:txBody>
       </p:sp>
@@ -2140,38 +2123,37 @@
           <a:p>
             <a:pPr lvl="0"/>
             <a:r>
-              <a:rPr lang="ko-KR" altLang="en-US" smtClean="0"/>
+              <a:rPr lang="ko-KR" altLang="en-US"/>
               <a:t>마스터 텍스트 스타일을 편집합니다</a:t>
             </a:r>
           </a:p>
           <a:p>
             <a:pPr lvl="1"/>
             <a:r>
-              <a:rPr lang="ko-KR" altLang="en-US" smtClean="0"/>
+              <a:rPr lang="ko-KR" altLang="en-US"/>
               <a:t>둘째 수준</a:t>
             </a:r>
           </a:p>
           <a:p>
             <a:pPr lvl="2"/>
             <a:r>
-              <a:rPr lang="ko-KR" altLang="en-US" smtClean="0"/>
+              <a:rPr lang="ko-KR" altLang="en-US"/>
               <a:t>셋째 수준</a:t>
             </a:r>
           </a:p>
           <a:p>
             <a:pPr lvl="3"/>
             <a:r>
-              <a:rPr lang="ko-KR" altLang="en-US" smtClean="0"/>
+              <a:rPr lang="ko-KR" altLang="en-US"/>
               <a:t>넷째 수준</a:t>
             </a:r>
           </a:p>
           <a:p>
             <a:pPr lvl="4"/>
             <a:r>
-              <a:rPr lang="ko-KR" altLang="en-US" smtClean="0"/>
+              <a:rPr lang="ko-KR" altLang="en-US"/>
               <a:t>다섯째 수준</a:t>
             </a:r>
-            <a:endParaRPr lang="ko-KR" altLang="en-US"/>
           </a:p>
         </p:txBody>
       </p:sp>
@@ -2234,7 +2216,7 @@
           <a:p>
             <a:pPr lvl="0"/>
             <a:r>
-              <a:rPr lang="ko-KR" altLang="en-US" smtClean="0"/>
+              <a:rPr lang="ko-KR" altLang="en-US"/>
               <a:t>마스터 텍스트 스타일을 편집합니다</a:t>
             </a:r>
           </a:p>
@@ -2258,7 +2240,7 @@
             <a:fld id="{CD6DEE77-0C1D-458A-9EBD-426B5B8D0F81}" type="datetimeFigureOut">
               <a:rPr lang="ko-KR" altLang="en-US" smtClean="0"/>
               <a:pPr/>
-              <a:t>2019-07-22</a:t>
+              <a:t>2019-07-24</a:t>
             </a:fld>
             <a:endParaRPr lang="ko-KR" altLang="en-US"/>
           </a:p>
@@ -2357,10 +2339,9 @@
           </a:lstStyle>
           <a:p>
             <a:r>
-              <a:rPr lang="ko-KR" altLang="en-US" smtClean="0"/>
+              <a:rPr lang="ko-KR" altLang="en-US"/>
               <a:t>마스터 제목 스타일 편집</a:t>
             </a:r>
-            <a:endParaRPr lang="ko-KR" altLang="en-US"/>
           </a:p>
         </p:txBody>
       </p:sp>
@@ -2484,7 +2465,7 @@
           <a:p>
             <a:pPr lvl="0"/>
             <a:r>
-              <a:rPr lang="ko-KR" altLang="en-US" smtClean="0"/>
+              <a:rPr lang="ko-KR" altLang="en-US"/>
               <a:t>마스터 텍스트 스타일을 편집합니다</a:t>
             </a:r>
           </a:p>
@@ -2508,7 +2489,7 @@
             <a:fld id="{CD6DEE77-0C1D-458A-9EBD-426B5B8D0F81}" type="datetimeFigureOut">
               <a:rPr lang="ko-KR" altLang="en-US" smtClean="0"/>
               <a:pPr/>
-              <a:t>2019-07-22</a:t>
+              <a:t>2019-07-24</a:t>
             </a:fld>
             <a:endParaRPr lang="ko-KR" altLang="en-US"/>
           </a:p>
@@ -2613,10 +2594,9 @@
           <a:lstStyle/>
           <a:p>
             <a:r>
-              <a:rPr lang="ko-KR" altLang="en-US" smtClean="0"/>
+              <a:rPr lang="ko-KR" altLang="en-US"/>
               <a:t>마스터 제목 스타일 편집</a:t>
             </a:r>
-            <a:endParaRPr lang="ko-KR" altLang="en-US"/>
           </a:p>
         </p:txBody>
       </p:sp>
@@ -2647,38 +2627,37 @@
           <a:p>
             <a:pPr lvl="0"/>
             <a:r>
-              <a:rPr lang="ko-KR" altLang="en-US" smtClean="0"/>
+              <a:rPr lang="ko-KR" altLang="en-US"/>
               <a:t>마스터 텍스트 스타일을 편집합니다</a:t>
             </a:r>
           </a:p>
           <a:p>
             <a:pPr lvl="1"/>
             <a:r>
-              <a:rPr lang="ko-KR" altLang="en-US" smtClean="0"/>
+              <a:rPr lang="ko-KR" altLang="en-US"/>
               <a:t>둘째 수준</a:t>
             </a:r>
           </a:p>
           <a:p>
             <a:pPr lvl="2"/>
             <a:r>
-              <a:rPr lang="ko-KR" altLang="en-US" smtClean="0"/>
+              <a:rPr lang="ko-KR" altLang="en-US"/>
               <a:t>셋째 수준</a:t>
             </a:r>
           </a:p>
           <a:p>
             <a:pPr lvl="3"/>
             <a:r>
-              <a:rPr lang="ko-KR" altLang="en-US" smtClean="0"/>
+              <a:rPr lang="ko-KR" altLang="en-US"/>
               <a:t>넷째 수준</a:t>
             </a:r>
           </a:p>
           <a:p>
             <a:pPr lvl="4"/>
             <a:r>
-              <a:rPr lang="ko-KR" altLang="en-US" smtClean="0"/>
+              <a:rPr lang="ko-KR" altLang="en-US"/>
               <a:t>다섯째 수준</a:t>
             </a:r>
-            <a:endParaRPr lang="ko-KR" altLang="en-US"/>
           </a:p>
         </p:txBody>
       </p:sp>
@@ -2718,7 +2697,7 @@
             <a:fld id="{CD6DEE77-0C1D-458A-9EBD-426B5B8D0F81}" type="datetimeFigureOut">
               <a:rPr lang="ko-KR" altLang="en-US" smtClean="0"/>
               <a:pPr/>
-              <a:t>2019-07-22</a:t>
+              <a:t>2019-07-24</a:t>
             </a:fld>
             <a:endParaRPr lang="ko-KR" altLang="en-US"/>
           </a:p>
@@ -3172,7 +3151,7 @@
           <a:p>
             <a:pPr marL="342900" indent="-342900" algn="ctr"/>
             <a:r>
-              <a:rPr lang="en-US" altLang="ko-KR" sz="5000" dirty="0" smtClean="0"/>
+              <a:rPr lang="en-US" altLang="ko-KR" sz="5000" dirty="0"/>
               <a:t>ANGULER VS REACT VS VUE</a:t>
             </a:r>
           </a:p>
@@ -3183,13 +3162,6 @@
   <p:clrMapOvr>
     <a:masterClrMapping/>
   </p:clrMapOvr>
-  <p:timing>
-    <p:tnLst>
-      <p:par>
-        <p:cTn id="1" dur="indefinite" restart="never" nodeType="tmRoot"/>
-      </p:par>
-    </p:tnLst>
-  </p:timing>
 </p:sld>
 </file>
 
@@ -3247,21 +3219,21 @@
           <a:lstStyle/>
           <a:p>
             <a:r>
-              <a:rPr lang="ko-KR" altLang="en-US" dirty="0" smtClean="0">
+              <a:rPr lang="ko-KR" altLang="en-US" dirty="0">
                 <a:solidFill>
                   <a:schemeClr val="tx1"/>
                 </a:solidFill>
               </a:rPr>
               <a:t>그 외 고려할 것들</a:t>
             </a:r>
-            <a:endParaRPr lang="en-US" altLang="ko-KR" dirty="0" smtClean="0">
+            <a:endParaRPr lang="en-US" altLang="ko-KR" dirty="0">
               <a:solidFill>
                 <a:schemeClr val="tx1"/>
               </a:solidFill>
             </a:endParaRPr>
           </a:p>
           <a:p>
-            <a:endParaRPr lang="en-US" altLang="ko-KR" dirty="0" smtClean="0">
+            <a:endParaRPr lang="en-US" altLang="ko-KR" dirty="0">
               <a:solidFill>
                 <a:schemeClr val="tx1"/>
               </a:solidFill>
@@ -3269,7 +3241,7 @@
           </a:p>
           <a:p>
             <a:pPr algn="ctr"/>
-            <a:endParaRPr lang="en-US" altLang="ko-KR" dirty="0" smtClean="0">
+            <a:endParaRPr lang="en-US" altLang="ko-KR" dirty="0">
               <a:solidFill>
                 <a:schemeClr val="tx1"/>
               </a:solidFill>
@@ -3277,7 +3249,7 @@
           </a:p>
           <a:p>
             <a:pPr algn="ctr"/>
-            <a:endParaRPr lang="en-US" altLang="ko-KR" dirty="0" smtClean="0">
+            <a:endParaRPr lang="en-US" altLang="ko-KR" dirty="0">
               <a:solidFill>
                 <a:schemeClr val="tx1"/>
               </a:solidFill>
@@ -3285,7 +3257,7 @@
           </a:p>
           <a:p>
             <a:pPr algn="ctr"/>
-            <a:endParaRPr lang="en-US" altLang="ko-KR" dirty="0" smtClean="0">
+            <a:endParaRPr lang="en-US" altLang="ko-KR" dirty="0">
               <a:solidFill>
                 <a:schemeClr val="tx1"/>
               </a:solidFill>
@@ -3293,7 +3265,7 @@
           </a:p>
           <a:p>
             <a:pPr algn="ctr"/>
-            <a:endParaRPr lang="en-US" altLang="ko-KR" dirty="0" smtClean="0">
+            <a:endParaRPr lang="en-US" altLang="ko-KR" dirty="0">
               <a:solidFill>
                 <a:schemeClr val="tx1"/>
               </a:solidFill>
@@ -3346,10 +3318,9 @@
           <a:p>
             <a:pPr algn="ctr"/>
             <a:r>
-              <a:rPr lang="ko-KR" altLang="en-US" sz="1000" dirty="0" smtClean="0"/>
+              <a:rPr lang="ko-KR" altLang="en-US" sz="1000" dirty="0"/>
               <a:t>비용</a:t>
             </a:r>
-            <a:endParaRPr lang="ko-KR" altLang="en-US" sz="1000" dirty="0"/>
           </a:p>
         </p:txBody>
       </p:sp>
@@ -3376,63 +3347,54 @@
           <a:p>
             <a:pPr marL="342900" indent="-342900"/>
             <a:r>
-              <a:rPr lang="en-US" altLang="ko-KR" dirty="0" smtClean="0"/>
+              <a:rPr lang="en-US" altLang="ko-KR" dirty="0"/>
               <a:t>F/W </a:t>
             </a:r>
             <a:r>
-              <a:rPr lang="ko-KR" altLang="en-US" dirty="0" smtClean="0"/>
+              <a:rPr lang="ko-KR" altLang="en-US" dirty="0"/>
               <a:t>선정 시 필요한 요건</a:t>
             </a:r>
-            <a:endParaRPr lang="en-US" altLang="ko-KR" dirty="0" smtClean="0"/>
+            <a:endParaRPr lang="en-US" altLang="ko-KR" dirty="0"/>
           </a:p>
           <a:p>
             <a:pPr marL="342900" indent="-342900">
               <a:buAutoNum type="arabicPeriod"/>
             </a:pPr>
             <a:r>
-              <a:rPr lang="ko-KR" altLang="en-US" dirty="0" smtClean="0"/>
-              <a:t>든든한 </a:t>
-            </a:r>
-            <a:r>
               <a:rPr lang="ko-KR" altLang="en-US" dirty="0"/>
-              <a:t>커뮤니티와 생태계가 있을 것</a:t>
-            </a:r>
-            <a:r>
-              <a:rPr lang="en-US" altLang="ko-KR" dirty="0" smtClean="0"/>
+              <a:t>든든한 커뮤니티와 생태계가 있을 것</a:t>
+            </a:r>
+            <a:r>
+              <a:rPr lang="en-US" altLang="ko-KR" dirty="0"/>
               <a:t>. (</a:t>
             </a:r>
             <a:r>
-              <a:rPr lang="ko-KR" altLang="en-US" dirty="0" smtClean="0"/>
+              <a:rPr lang="ko-KR" altLang="en-US" dirty="0"/>
               <a:t>신기술 적용 가능 여부</a:t>
             </a:r>
             <a:r>
-              <a:rPr lang="en-US" altLang="ko-KR" dirty="0" smtClean="0"/>
+              <a:rPr lang="en-US" altLang="ko-KR" dirty="0"/>
               <a:t>)</a:t>
             </a:r>
-            <a:endParaRPr lang="en-US" altLang="ko-KR" dirty="0"/>
           </a:p>
           <a:p>
             <a:pPr marL="342900" indent="-342900">
               <a:buAutoNum type="arabicPeriod"/>
             </a:pPr>
             <a:r>
-              <a:rPr lang="ko-KR" altLang="en-US" dirty="0" smtClean="0"/>
-              <a:t>문서화가 </a:t>
-            </a:r>
-            <a:r>
               <a:rPr lang="ko-KR" altLang="en-US" dirty="0"/>
-              <a:t>잘되어있을 것</a:t>
-            </a:r>
-            <a:r>
-              <a:rPr lang="en-US" altLang="ko-KR" dirty="0" smtClean="0"/>
+              <a:t>문서화가 잘되어있을 것</a:t>
+            </a:r>
+            <a:r>
+              <a:rPr lang="en-US" altLang="ko-KR" dirty="0"/>
               <a:t>. (</a:t>
             </a:r>
             <a:r>
-              <a:rPr lang="ko-KR" altLang="en-US" dirty="0" smtClean="0"/>
+              <a:rPr lang="ko-KR" altLang="en-US" dirty="0"/>
               <a:t>신기술 적용 가능 여부</a:t>
             </a:r>
             <a:r>
-              <a:rPr lang="en-US" altLang="ko-KR" dirty="0" smtClean="0"/>
+              <a:rPr lang="en-US" altLang="ko-KR" dirty="0"/>
               <a:t>) </a:t>
             </a:r>
           </a:p>
@@ -3441,7 +3403,7 @@
               <a:buAutoNum type="arabicPeriod"/>
             </a:pPr>
             <a:r>
-              <a:rPr lang="ko-KR" altLang="en-US" dirty="0" smtClean="0"/>
+              <a:rPr lang="ko-KR" altLang="en-US" dirty="0"/>
               <a:t>많은 </a:t>
             </a:r>
             <a:r>
@@ -3453,15 +3415,15 @@
               <a:t> 있을 것</a:t>
             </a:r>
             <a:r>
-              <a:rPr lang="en-US" altLang="ko-KR" dirty="0" smtClean="0"/>
+              <a:rPr lang="en-US" altLang="ko-KR" dirty="0"/>
               <a:t>. (</a:t>
             </a:r>
             <a:r>
-              <a:rPr lang="ko-KR" altLang="en-US" dirty="0" smtClean="0"/>
+              <a:rPr lang="ko-KR" altLang="en-US" dirty="0"/>
               <a:t>비용</a:t>
             </a:r>
             <a:r>
-              <a:rPr lang="en-US" altLang="ko-KR" dirty="0" smtClean="0"/>
+              <a:rPr lang="en-US" altLang="ko-KR" dirty="0"/>
               <a:t>)</a:t>
             </a:r>
           </a:p>
@@ -3470,12 +3432,8 @@
               <a:buAutoNum type="arabicPeriod"/>
             </a:pPr>
             <a:r>
-              <a:rPr lang="ko-KR" altLang="en-US" dirty="0" smtClean="0"/>
-              <a:t>낮은 </a:t>
-            </a:r>
-            <a:r>
               <a:rPr lang="ko-KR" altLang="en-US" dirty="0"/>
-              <a:t>러닝커브</a:t>
+              <a:t>낮은 러닝커브</a:t>
             </a:r>
             <a:r>
               <a:rPr lang="en-US" altLang="ko-KR" dirty="0"/>
@@ -3486,31 +3444,31 @@
               <a:t>실무에 바로 적용</a:t>
             </a:r>
             <a:r>
-              <a:rPr lang="en-US" altLang="ko-KR" dirty="0" smtClean="0"/>
+              <a:rPr lang="en-US" altLang="ko-KR" dirty="0"/>
               <a:t>) (</a:t>
             </a:r>
             <a:r>
-              <a:rPr lang="ko-KR" altLang="en-US" dirty="0" smtClean="0"/>
+              <a:rPr lang="ko-KR" altLang="en-US" dirty="0"/>
               <a:t>비용</a:t>
             </a:r>
             <a:r>
-              <a:rPr lang="en-US" altLang="ko-KR" dirty="0" smtClean="0"/>
+              <a:rPr lang="en-US" altLang="ko-KR" dirty="0"/>
               <a:t>) ( </a:t>
             </a:r>
             <a:r>
-              <a:rPr lang="ko-KR" altLang="en-US" dirty="0" err="1" smtClean="0"/>
+              <a:rPr lang="ko-KR" altLang="en-US" dirty="0" err="1"/>
               <a:t>프로토</a:t>
             </a:r>
             <a:r>
-              <a:rPr lang="ko-KR" altLang="en-US" dirty="0" smtClean="0"/>
+              <a:rPr lang="ko-KR" altLang="en-US" dirty="0"/>
               <a:t> 타이핑으로 </a:t>
             </a:r>
             <a:r>
-              <a:rPr lang="ko-KR" altLang="en-US" dirty="0" err="1" smtClean="0"/>
+              <a:rPr lang="ko-KR" altLang="en-US" dirty="0" err="1"/>
               <a:t>해결하기도함</a:t>
             </a:r>
             <a:r>
-              <a:rPr lang="en-US" altLang="ko-KR" dirty="0" smtClean="0"/>
+              <a:rPr lang="en-US" altLang="ko-KR" dirty="0"/>
               <a:t>. )</a:t>
             </a:r>
           </a:p>
@@ -3519,19 +3477,19 @@
               <a:buAutoNum type="arabicPeriod"/>
             </a:pPr>
             <a:r>
-              <a:rPr lang="ko-KR" altLang="en-US" dirty="0" smtClean="0"/>
+              <a:rPr lang="ko-KR" altLang="en-US" dirty="0"/>
               <a:t>높은 생산성 </a:t>
             </a:r>
             <a:r>
-              <a:rPr lang="en-US" altLang="ko-KR" dirty="0" smtClean="0"/>
+              <a:rPr lang="en-US" altLang="ko-KR" dirty="0"/>
               <a:t>(</a:t>
             </a:r>
             <a:r>
-              <a:rPr lang="ko-KR" altLang="en-US" dirty="0" smtClean="0"/>
+              <a:rPr lang="ko-KR" altLang="en-US" dirty="0"/>
               <a:t>비용</a:t>
             </a:r>
             <a:r>
-              <a:rPr lang="en-US" altLang="ko-KR" dirty="0" smtClean="0"/>
+              <a:rPr lang="en-US" altLang="ko-KR" dirty="0"/>
               <a:t>)</a:t>
             </a:r>
           </a:p>
@@ -3540,7 +3498,7 @@
               <a:buAutoNum type="arabicPeriod"/>
             </a:pPr>
             <a:r>
-              <a:rPr lang="ko-KR" altLang="en-US" dirty="0" err="1" smtClean="0"/>
+              <a:rPr lang="ko-KR" altLang="en-US" dirty="0" err="1"/>
               <a:t>반응형</a:t>
             </a:r>
             <a:r>
@@ -3552,15 +3510,15 @@
               <a:t>을 지원할 것</a:t>
             </a:r>
             <a:r>
-              <a:rPr lang="en-US" altLang="ko-KR" dirty="0" smtClean="0"/>
+              <a:rPr lang="en-US" altLang="ko-KR" dirty="0"/>
               <a:t>. (</a:t>
             </a:r>
             <a:r>
-              <a:rPr lang="ko-KR" altLang="en-US" dirty="0" smtClean="0"/>
+              <a:rPr lang="ko-KR" altLang="en-US" dirty="0"/>
               <a:t>신기술 적용 가능 여부</a:t>
             </a:r>
             <a:r>
-              <a:rPr lang="en-US" altLang="ko-KR" dirty="0" smtClean="0"/>
+              <a:rPr lang="en-US" altLang="ko-KR" dirty="0"/>
               <a:t>)</a:t>
             </a:r>
             <a:endParaRPr lang="ko-KR" altLang="en-US" dirty="0"/>
@@ -3589,7 +3547,7 @@
           <a:lstStyle/>
           <a:p>
             <a:r>
-              <a:rPr lang="en-US" altLang="ko-KR" sz="1500" dirty="0" smtClean="0"/>
+              <a:rPr lang="en-US" altLang="ko-KR" sz="1500" dirty="0"/>
               <a:t>FRONT-END F/W ( Framework )</a:t>
             </a:r>
             <a:endParaRPr lang="ko-KR" altLang="en-US" sz="1500" dirty="0"/>
@@ -3619,29 +3577,28 @@
           <a:p>
             <a:pPr marL="342900" indent="-342900"/>
             <a:r>
-              <a:rPr lang="en-US" altLang="ko-KR" dirty="0" smtClean="0"/>
+              <a:rPr lang="en-US" altLang="ko-KR" dirty="0"/>
               <a:t>F/W </a:t>
             </a:r>
             <a:r>
-              <a:rPr lang="ko-KR" altLang="en-US" dirty="0" smtClean="0"/>
+              <a:rPr lang="ko-KR" altLang="en-US" dirty="0"/>
               <a:t>비교 하는 이유는 무엇일까</a:t>
             </a:r>
             <a:r>
-              <a:rPr lang="en-US" altLang="ko-KR" dirty="0" smtClean="0"/>
+              <a:rPr lang="en-US" altLang="ko-KR" dirty="0"/>
               <a:t>?</a:t>
             </a:r>
           </a:p>
           <a:p>
             <a:pPr marL="342900" indent="-342900"/>
             <a:r>
-              <a:rPr lang="en-US" altLang="ko-KR" dirty="0" smtClean="0"/>
+              <a:rPr lang="en-US" altLang="ko-KR" dirty="0"/>
               <a:t> </a:t>
             </a:r>
             <a:r>
-              <a:rPr lang="ko-KR" altLang="en-US" dirty="0" smtClean="0"/>
+              <a:rPr lang="ko-KR" altLang="en-US" dirty="0"/>
               <a:t>기능 요건 별로 필요한 기술이 다르기 때문</a:t>
             </a:r>
-            <a:endParaRPr lang="ko-KR" altLang="en-US" dirty="0"/>
           </a:p>
         </p:txBody>
       </p:sp>
@@ -3682,10 +3639,9 @@
           <a:p>
             <a:pPr algn="ctr"/>
             <a:r>
-              <a:rPr lang="ko-KR" altLang="en-US" sz="1000" dirty="0" smtClean="0"/>
+              <a:rPr lang="ko-KR" altLang="en-US" sz="1000" dirty="0"/>
               <a:t>성능</a:t>
             </a:r>
-            <a:endParaRPr lang="ko-KR" altLang="en-US" sz="1000" dirty="0"/>
           </a:p>
         </p:txBody>
       </p:sp>
@@ -3726,10 +3682,9 @@
           <a:p>
             <a:pPr algn="ctr"/>
             <a:r>
-              <a:rPr lang="ko-KR" altLang="en-US" sz="1000" dirty="0" smtClean="0"/>
+              <a:rPr lang="ko-KR" altLang="en-US" sz="1000" dirty="0"/>
               <a:t>신기술 적용 가능 여부</a:t>
             </a:r>
-            <a:endParaRPr lang="ko-KR" altLang="en-US" sz="1000" dirty="0"/>
           </a:p>
         </p:txBody>
       </p:sp>
@@ -3770,10 +3725,9 @@
           <a:p>
             <a:pPr algn="ctr"/>
             <a:r>
-              <a:rPr lang="ko-KR" altLang="en-US" sz="1000" dirty="0" smtClean="0"/>
+              <a:rPr lang="ko-KR" altLang="en-US" sz="1000" dirty="0"/>
               <a:t>규모</a:t>
             </a:r>
-            <a:endParaRPr lang="ko-KR" altLang="en-US" sz="1000" dirty="0"/>
           </a:p>
         </p:txBody>
       </p:sp>
@@ -3814,10 +3768,9 @@
           <a:p>
             <a:pPr algn="ctr"/>
             <a:r>
-              <a:rPr lang="ko-KR" altLang="en-US" sz="1000" dirty="0" smtClean="0"/>
+              <a:rPr lang="ko-KR" altLang="en-US" sz="1000" dirty="0"/>
               <a:t>요구사항</a:t>
             </a:r>
-            <a:endParaRPr lang="ko-KR" altLang="en-US" sz="1000" dirty="0"/>
           </a:p>
         </p:txBody>
       </p:sp>
@@ -3858,11 +3811,11 @@
           <a:p>
             <a:pPr algn="ctr"/>
             <a:r>
-              <a:rPr lang="ko-KR" altLang="en-US" sz="1000" dirty="0" smtClean="0"/>
+              <a:rPr lang="ko-KR" altLang="en-US" sz="1000" dirty="0"/>
               <a:t>기타 등등</a:t>
             </a:r>
             <a:r>
-              <a:rPr lang="en-US" altLang="ko-KR" sz="1000" dirty="0" smtClean="0"/>
+              <a:rPr lang="en-US" altLang="ko-KR" sz="1000" dirty="0"/>
               <a:t>..</a:t>
             </a:r>
             <a:endParaRPr lang="ko-KR" altLang="en-US" sz="1000" dirty="0"/>
@@ -3874,13 +3827,6 @@
   <p:clrMapOvr>
     <a:masterClrMapping/>
   </p:clrMapOvr>
-  <p:timing>
-    <p:tnLst>
-      <p:par>
-        <p:cTn id="1" dur="indefinite" restart="never" nodeType="tmRoot"/>
-      </p:par>
-    </p:tnLst>
-  </p:timing>
 </p:sld>
 </file>
 
@@ -3938,57 +3884,57 @@
           <a:p>
             <a:pPr algn="ctr"/>
             <a:r>
-              <a:rPr lang="en-US" altLang="ko-KR" dirty="0" smtClean="0"/>
+              <a:rPr lang="en-US" altLang="ko-KR" dirty="0"/>
               <a:t>Node </a:t>
             </a:r>
             <a:r>
-              <a:rPr lang="en-US" altLang="ko-KR" dirty="0" err="1" smtClean="0"/>
+              <a:rPr lang="en-US" altLang="ko-KR" dirty="0" err="1"/>
               <a:t>js</a:t>
             </a:r>
-            <a:endParaRPr lang="en-US" altLang="ko-KR" dirty="0" smtClean="0"/>
+            <a:endParaRPr lang="en-US" altLang="ko-KR" dirty="0"/>
           </a:p>
           <a:p>
             <a:pPr algn="ctr"/>
             <a:r>
-              <a:rPr lang="en-US" altLang="ko-KR" dirty="0" smtClean="0"/>
+              <a:rPr lang="en-US" altLang="ko-KR" dirty="0"/>
               <a:t>( Web Server )</a:t>
             </a:r>
           </a:p>
           <a:p>
             <a:pPr algn="ctr"/>
-            <a:endParaRPr lang="en-US" altLang="ko-KR" dirty="0" smtClean="0"/>
+            <a:endParaRPr lang="en-US" altLang="ko-KR" dirty="0"/>
           </a:p>
           <a:p>
             <a:pPr algn="ctr"/>
-            <a:endParaRPr lang="en-US" altLang="ko-KR" dirty="0" smtClean="0"/>
+            <a:endParaRPr lang="en-US" altLang="ko-KR" dirty="0"/>
           </a:p>
           <a:p>
             <a:pPr algn="ctr"/>
-            <a:endParaRPr lang="en-US" altLang="ko-KR" dirty="0" smtClean="0"/>
+            <a:endParaRPr lang="en-US" altLang="ko-KR" dirty="0"/>
           </a:p>
           <a:p>
             <a:pPr algn="ctr"/>
-            <a:endParaRPr lang="en-US" altLang="ko-KR" dirty="0" smtClean="0"/>
+            <a:endParaRPr lang="en-US" altLang="ko-KR" dirty="0"/>
           </a:p>
           <a:p>
             <a:pPr algn="ctr"/>
-            <a:endParaRPr lang="en-US" altLang="ko-KR" dirty="0" smtClean="0"/>
+            <a:endParaRPr lang="en-US" altLang="ko-KR" dirty="0"/>
           </a:p>
           <a:p>
             <a:pPr algn="ctr"/>
-            <a:endParaRPr lang="en-US" altLang="ko-KR" dirty="0" smtClean="0"/>
+            <a:endParaRPr lang="en-US" altLang="ko-KR" dirty="0"/>
           </a:p>
           <a:p>
             <a:pPr algn="ctr"/>
-            <a:endParaRPr lang="en-US" altLang="ko-KR" dirty="0" smtClean="0"/>
+            <a:endParaRPr lang="en-US" altLang="ko-KR" dirty="0"/>
           </a:p>
           <a:p>
             <a:pPr algn="ctr"/>
-            <a:endParaRPr lang="en-US" altLang="ko-KR" dirty="0" smtClean="0"/>
+            <a:endParaRPr lang="en-US" altLang="ko-KR" dirty="0"/>
           </a:p>
           <a:p>
             <a:pPr algn="ctr"/>
-            <a:endParaRPr lang="en-US" altLang="ko-KR" dirty="0" smtClean="0"/>
+            <a:endParaRPr lang="en-US" altLang="ko-KR" dirty="0"/>
           </a:p>
           <a:p>
             <a:pPr algn="ctr"/>
@@ -4033,14 +3979,14 @@
           <a:p>
             <a:pPr algn="ctr"/>
             <a:r>
-              <a:rPr lang="en-US" altLang="ko-KR" dirty="0" smtClean="0"/>
+              <a:rPr lang="en-US" altLang="ko-KR" dirty="0"/>
               <a:t>Web pack</a:t>
             </a:r>
           </a:p>
           <a:p>
             <a:pPr algn="ctr"/>
             <a:r>
-              <a:rPr lang="en-US" altLang="ko-KR" dirty="0" smtClean="0"/>
+              <a:rPr lang="en-US" altLang="ko-KR" dirty="0"/>
               <a:t>(compress &amp; compile)</a:t>
             </a:r>
             <a:endParaRPr lang="ko-KR" altLang="en-US" dirty="0"/>
@@ -4084,7 +4030,7 @@
           <a:p>
             <a:pPr algn="ctr"/>
             <a:r>
-              <a:rPr lang="en-US" altLang="ko-KR" dirty="0" smtClean="0"/>
+              <a:rPr lang="en-US" altLang="ko-KR" dirty="0"/>
               <a:t>Visual Studio</a:t>
             </a:r>
             <a:endParaRPr lang="ko-KR" altLang="en-US" dirty="0"/>
@@ -4128,7 +4074,7 @@
           <a:p>
             <a:pPr algn="ctr"/>
             <a:r>
-              <a:rPr lang="en-US" altLang="ko-KR" dirty="0" smtClean="0"/>
+              <a:rPr lang="en-US" altLang="ko-KR" dirty="0"/>
               <a:t>developer</a:t>
             </a:r>
             <a:endParaRPr lang="ko-KR" altLang="en-US" dirty="0"/>
@@ -4208,7 +4154,7 @@
           <a:p>
             <a:pPr algn="ctr"/>
             <a:r>
-              <a:rPr lang="en-US" altLang="ko-KR" dirty="0" smtClean="0"/>
+              <a:rPr lang="en-US" altLang="ko-KR" dirty="0"/>
               <a:t>result</a:t>
             </a:r>
             <a:endParaRPr lang="ko-KR" altLang="en-US" dirty="0"/>
@@ -4346,7 +4292,7 @@
           <a:lstStyle/>
           <a:p>
             <a:r>
-              <a:rPr lang="en-US" altLang="ko-KR" dirty="0" smtClean="0"/>
+              <a:rPr lang="en-US" altLang="ko-KR" dirty="0"/>
               <a:t>IDE</a:t>
             </a:r>
             <a:endParaRPr lang="ko-KR" altLang="en-US" dirty="0"/>
@@ -4376,7 +4322,7 @@
           <a:lstStyle/>
           <a:p>
             <a:r>
-              <a:rPr lang="en-US" altLang="ko-KR" dirty="0" smtClean="0"/>
+              <a:rPr lang="en-US" altLang="ko-KR" dirty="0"/>
               <a:t>SOURCE</a:t>
             </a:r>
             <a:endParaRPr lang="ko-KR" altLang="en-US" dirty="0"/>
@@ -4420,7 +4366,7 @@
           <a:p>
             <a:pPr algn="ctr"/>
             <a:r>
-              <a:rPr lang="en-US" altLang="ko-KR" dirty="0" smtClean="0"/>
+              <a:rPr lang="en-US" altLang="ko-KR" dirty="0"/>
               <a:t>VUE</a:t>
             </a:r>
             <a:endParaRPr lang="ko-KR" altLang="en-US" dirty="0"/>
@@ -4464,7 +4410,7 @@
           <a:p>
             <a:pPr algn="ctr"/>
             <a:r>
-              <a:rPr lang="en-US" altLang="ko-KR" dirty="0" smtClean="0"/>
+              <a:rPr lang="en-US" altLang="ko-KR" dirty="0"/>
               <a:t>React</a:t>
             </a:r>
             <a:endParaRPr lang="ko-KR" altLang="en-US" dirty="0"/>
@@ -4508,7 +4454,7 @@
           <a:p>
             <a:pPr algn="ctr"/>
             <a:r>
-              <a:rPr lang="en-US" altLang="ko-KR" dirty="0" err="1" smtClean="0"/>
+              <a:rPr lang="en-US" altLang="ko-KR" dirty="0" err="1"/>
               <a:t>Anguler</a:t>
             </a:r>
             <a:endParaRPr lang="ko-KR" altLang="en-US" dirty="0"/>
@@ -4537,7 +4483,7 @@
           <a:lstStyle/>
           <a:p>
             <a:r>
-              <a:rPr lang="en-US" altLang="ko-KR" sz="1500" dirty="0" smtClean="0"/>
+              <a:rPr lang="en-US" altLang="ko-KR" sz="1500" dirty="0"/>
               <a:t>Front End Framework Architecture</a:t>
             </a:r>
             <a:endParaRPr lang="ko-KR" altLang="en-US" sz="1500" dirty="0"/>
@@ -4566,32 +4512,32 @@
           <a:lstStyle/>
           <a:p>
             <a:r>
-              <a:rPr lang="en-US" altLang="ko-KR" dirty="0" smtClean="0"/>
+              <a:rPr lang="en-US" altLang="ko-KR" dirty="0"/>
               <a:t>Front End F/W </a:t>
             </a:r>
             <a:r>
-              <a:rPr lang="ko-KR" altLang="en-US" dirty="0" smtClean="0"/>
+              <a:rPr lang="ko-KR" altLang="en-US" dirty="0"/>
               <a:t>다운로드 수 통계 자료</a:t>
             </a:r>
-            <a:endParaRPr lang="en-US" altLang="ko-KR" dirty="0" smtClean="0"/>
-          </a:p>
-          <a:p>
-            <a:r>
-              <a:rPr lang="en-US" altLang="ko-KR" dirty="0" smtClean="0">
+            <a:endParaRPr lang="en-US" altLang="ko-KR" dirty="0"/>
+          </a:p>
+          <a:p>
+            <a:r>
+              <a:rPr lang="en-US" altLang="ko-KR" dirty="0">
                 <a:hlinkClick r:id="rId2"/>
               </a:rPr>
               <a:t>https://2017.stateofjs.com/2017/front-end/results/</a:t>
             </a:r>
-            <a:endParaRPr lang="en-US" altLang="ko-KR" dirty="0" smtClean="0"/>
-          </a:p>
-          <a:p>
-            <a:r>
-              <a:rPr lang="en-US" altLang="ko-KR" dirty="0" smtClean="0">
+            <a:endParaRPr lang="en-US" altLang="ko-KR" dirty="0"/>
+          </a:p>
+          <a:p>
+            <a:r>
+              <a:rPr lang="en-US" altLang="ko-KR" dirty="0">
                 <a:hlinkClick r:id="rId3"/>
               </a:rPr>
               <a:t>https://2018.stateofjs.com/data-layer/overview/</a:t>
             </a:r>
-            <a:endParaRPr lang="en-US" altLang="ko-KR" dirty="0" smtClean="0"/>
+            <a:endParaRPr lang="en-US" altLang="ko-KR" dirty="0"/>
           </a:p>
         </p:txBody>
       </p:sp>
@@ -4618,7 +4564,7 @@
           <a:lstStyle/>
           <a:p>
             <a:r>
-              <a:rPr lang="en-US" altLang="ko-KR" dirty="0" smtClean="0"/>
+              <a:rPr lang="en-US" altLang="ko-KR" dirty="0"/>
               <a:t>Support Tool</a:t>
             </a:r>
             <a:endParaRPr lang="ko-KR" altLang="en-US" dirty="0"/>
@@ -4630,13 +4576,6 @@
   <p:clrMapOvr>
     <a:masterClrMapping/>
   </p:clrMapOvr>
-  <p:timing>
-    <p:tnLst>
-      <p:par>
-        <p:cTn id="1" dur="indefinite" restart="never" nodeType="tmRoot"/>
-      </p:par>
-    </p:tnLst>
-  </p:timing>
 </p:sld>
 </file>
 
@@ -4663,7 +4602,13 @@
           <p:cNvGraphicFramePr>
             <a:graphicFrameLocks noGrp="1"/>
           </p:cNvGraphicFramePr>
-          <p:nvPr/>
+          <p:nvPr>
+            <p:extLst>
+              <p:ext uri="{D42A27DB-BD31-4B8C-83A1-F6EECF244321}">
+                <p14:modId xmlns:p14="http://schemas.microsoft.com/office/powerpoint/2010/main" val="1197505281"/>
+              </p:ext>
+            </p:extLst>
+          </p:nvPr>
         </p:nvGraphicFramePr>
         <p:xfrm>
           <a:off x="611560" y="548680"/>
@@ -4676,10 +4621,34 @@
                 <a:tableStyleId>{5C22544A-7EE6-4342-B048-85BDC9FD1C3A}</a:tableStyleId>
               </a:tblPr>
               <a:tblGrid>
-                <a:gridCol w="2151974"/>
-                <a:gridCol w="1808466"/>
-                <a:gridCol w="1980220"/>
-                <a:gridCol w="1980220"/>
+                <a:gridCol w="2151974">
+                  <a:extLst>
+                    <a:ext uri="{9D8B030D-6E8A-4147-A177-3AD203B41FA5}">
+                      <a16:colId xmlns:a16="http://schemas.microsoft.com/office/drawing/2014/main" val="20000"/>
+                    </a:ext>
+                  </a:extLst>
+                </a:gridCol>
+                <a:gridCol w="1808466">
+                  <a:extLst>
+                    <a:ext uri="{9D8B030D-6E8A-4147-A177-3AD203B41FA5}">
+                      <a16:colId xmlns:a16="http://schemas.microsoft.com/office/drawing/2014/main" val="20001"/>
+                    </a:ext>
+                  </a:extLst>
+                </a:gridCol>
+                <a:gridCol w="1980220">
+                  <a:extLst>
+                    <a:ext uri="{9D8B030D-6E8A-4147-A177-3AD203B41FA5}">
+                      <a16:colId xmlns:a16="http://schemas.microsoft.com/office/drawing/2014/main" val="20002"/>
+                    </a:ext>
+                  </a:extLst>
+                </a:gridCol>
+                <a:gridCol w="1980220">
+                  <a:extLst>
+                    <a:ext uri="{9D8B030D-6E8A-4147-A177-3AD203B41FA5}">
+                      <a16:colId xmlns:a16="http://schemas.microsoft.com/office/drawing/2014/main" val="20003"/>
+                    </a:ext>
+                  </a:extLst>
+                </a:gridCol>
               </a:tblGrid>
               <a:tr h="370840">
                 <a:tc>
@@ -4700,11 +4669,11 @@
                     <a:p>
                       <a:pPr latinLnBrk="1"/>
                       <a:r>
-                        <a:rPr lang="en-US" altLang="ko-KR" dirty="0" err="1" smtClean="0"/>
+                        <a:rPr lang="en-US" altLang="ko-KR" dirty="0" err="1"/>
                         <a:t>Anguler</a:t>
                       </a:r>
                       <a:r>
-                        <a:rPr lang="en-US" altLang="ko-KR" dirty="0" smtClean="0"/>
+                        <a:rPr lang="en-US" altLang="ko-KR" dirty="0"/>
                         <a:t> JS</a:t>
                       </a:r>
                       <a:endParaRPr lang="ko-KR" altLang="en-US" dirty="0"/>
@@ -4719,7 +4688,7 @@
                     <a:p>
                       <a:pPr latinLnBrk="1"/>
                       <a:r>
-                        <a:rPr lang="en-US" altLang="ko-KR" dirty="0" smtClean="0"/>
+                        <a:rPr lang="en-US" altLang="ko-KR" dirty="0"/>
                         <a:t>React JS</a:t>
                       </a:r>
                       <a:endParaRPr lang="ko-KR" altLang="en-US" dirty="0"/>
@@ -4734,11 +4703,11 @@
                     <a:p>
                       <a:pPr latinLnBrk="1"/>
                       <a:r>
-                        <a:rPr lang="en-US" altLang="ko-KR" dirty="0" err="1" smtClean="0"/>
+                        <a:rPr lang="en-US" altLang="ko-KR" dirty="0" err="1"/>
                         <a:t>Vue</a:t>
                       </a:r>
                       <a:r>
-                        <a:rPr lang="en-US" altLang="ko-KR" dirty="0" smtClean="0"/>
+                        <a:rPr lang="en-US" altLang="ko-KR" dirty="0"/>
                         <a:t> JS</a:t>
                       </a:r>
                       <a:endParaRPr lang="ko-KR" altLang="en-US" dirty="0"/>
@@ -4746,6 +4715,11 @@
                   </a:txBody>
                   <a:tcPr/>
                 </a:tc>
+                <a:extLst>
+                  <a:ext uri="{0D108BD9-81ED-4DB2-BD59-A6C34878D82A}">
+                    <a16:rowId xmlns:a16="http://schemas.microsoft.com/office/drawing/2014/main" val="10000"/>
+                  </a:ext>
+                </a:extLst>
               </a:tr>
               <a:tr h="637272">
                 <a:tc>
@@ -4755,7 +4729,7 @@
                     <a:p>
                       <a:pPr latinLnBrk="1"/>
                       <a:r>
-                        <a:rPr lang="en-US" altLang="ko-KR" sz="1500" dirty="0" smtClean="0"/>
+                        <a:rPr lang="en-US" altLang="ko-KR" sz="1500" dirty="0"/>
                         <a:t>Manufacturer</a:t>
                       </a:r>
                       <a:endParaRPr lang="ko-KR" altLang="en-US" sz="1500" dirty="0"/>
@@ -4791,20 +4765,20 @@
                     <a:lstStyle/>
                     <a:p>
                       <a:pPr latinLnBrk="1"/>
-                      <a:endParaRPr lang="en-US" altLang="ko-KR" dirty="0" smtClean="0"/>
+                      <a:endParaRPr lang="en-US" altLang="ko-KR" dirty="0"/>
                     </a:p>
                     <a:p>
                       <a:pPr latinLnBrk="1"/>
-                      <a:endParaRPr lang="en-US" altLang="ko-KR" sz="1000" dirty="0" smtClean="0"/>
+                      <a:endParaRPr lang="en-US" altLang="ko-KR" sz="1000" dirty="0"/>
                     </a:p>
                     <a:p>
                       <a:pPr latinLnBrk="1"/>
                       <a:r>
-                        <a:rPr lang="en-US" altLang="ko-KR" sz="1000" dirty="0" smtClean="0"/>
+                        <a:rPr lang="en-US" altLang="ko-KR" sz="1000" dirty="0"/>
                         <a:t>Evan</a:t>
                       </a:r>
                       <a:r>
-                        <a:rPr lang="en-US" altLang="ko-KR" sz="1000" baseline="0" dirty="0" smtClean="0"/>
+                        <a:rPr lang="en-US" altLang="ko-KR" sz="1000" baseline="0" dirty="0"/>
                         <a:t> you</a:t>
                       </a:r>
                       <a:endParaRPr lang="ko-KR" altLang="en-US" sz="1000" dirty="0"/>
@@ -4812,6 +4786,11 @@
                   </a:txBody>
                   <a:tcPr/>
                 </a:tc>
+                <a:extLst>
+                  <a:ext uri="{0D108BD9-81ED-4DB2-BD59-A6C34878D82A}">
+                    <a16:rowId xmlns:a16="http://schemas.microsoft.com/office/drawing/2014/main" val="10001"/>
+                  </a:ext>
+                </a:extLst>
               </a:tr>
               <a:tr h="370840">
                 <a:tc>
@@ -4821,11 +4800,11 @@
                     <a:p>
                       <a:pPr latinLnBrk="1"/>
                       <a:r>
-                        <a:rPr lang="en-US" altLang="ko-KR" sz="1500" dirty="0" smtClean="0"/>
+                        <a:rPr lang="en-US" altLang="ko-KR" sz="1500" dirty="0"/>
                         <a:t>Release</a:t>
                       </a:r>
                       <a:r>
-                        <a:rPr lang="en-US" altLang="ko-KR" sz="1500" baseline="0" dirty="0" smtClean="0"/>
+                        <a:rPr lang="en-US" altLang="ko-KR" sz="1500" baseline="0" dirty="0"/>
                         <a:t> Year</a:t>
                       </a:r>
                       <a:endParaRPr lang="ko-KR" altLang="en-US" sz="1500" dirty="0"/>
@@ -4840,41 +4819,41 @@
                     <a:p>
                       <a:pPr latinLnBrk="1"/>
                       <a:r>
-                        <a:rPr lang="en-US" altLang="ko-KR" sz="1000" dirty="0" smtClean="0"/>
+                        <a:rPr lang="en-US" altLang="ko-KR" sz="1000" dirty="0"/>
                         <a:t>2010</a:t>
                       </a:r>
                       <a:r>
-                        <a:rPr lang="en-US" altLang="ko-KR" sz="1000" baseline="0" dirty="0" smtClean="0"/>
+                        <a:rPr lang="en-US" altLang="ko-KR" sz="1000" baseline="0" dirty="0"/>
                         <a:t> (</a:t>
                       </a:r>
                       <a:r>
-                        <a:rPr lang="en-US" altLang="ko-KR" sz="1000" baseline="0" dirty="0" err="1" smtClean="0"/>
+                        <a:rPr lang="en-US" altLang="ko-KR" sz="1000" baseline="0" dirty="0" err="1"/>
                         <a:t>Anguler</a:t>
                       </a:r>
                       <a:r>
-                        <a:rPr lang="en-US" altLang="ko-KR" sz="1000" baseline="0" dirty="0" smtClean="0"/>
+                        <a:rPr lang="en-US" altLang="ko-KR" sz="1000" baseline="0" dirty="0"/>
                         <a:t> JS)</a:t>
                       </a:r>
                     </a:p>
                     <a:p>
                       <a:pPr latinLnBrk="1"/>
                       <a:r>
-                        <a:rPr lang="en-US" altLang="ko-KR" sz="1000" baseline="0" dirty="0" smtClean="0"/>
+                        <a:rPr lang="en-US" altLang="ko-KR" sz="1000" baseline="0" dirty="0"/>
                         <a:t>2016</a:t>
                       </a:r>
                     </a:p>
                     <a:p>
                       <a:pPr latinLnBrk="1"/>
                       <a:r>
-                        <a:rPr lang="en-US" altLang="ko-KR" sz="1000" baseline="0" dirty="0" smtClean="0"/>
+                        <a:rPr lang="en-US" altLang="ko-KR" sz="1000" baseline="0" dirty="0"/>
                         <a:t>(</a:t>
                       </a:r>
                       <a:r>
-                        <a:rPr lang="en-US" altLang="ko-KR" sz="1000" baseline="0" dirty="0" err="1" smtClean="0"/>
+                        <a:rPr lang="en-US" altLang="ko-KR" sz="1000" baseline="0" dirty="0" err="1"/>
                         <a:t>Anguler</a:t>
                       </a:r>
                       <a:r>
-                        <a:rPr lang="en-US" altLang="ko-KR" sz="1000" baseline="0" dirty="0" smtClean="0"/>
+                        <a:rPr lang="en-US" altLang="ko-KR" sz="1000" baseline="0" dirty="0"/>
                         <a:t> 2+)</a:t>
                       </a:r>
                       <a:endParaRPr lang="ko-KR" altLang="en-US" sz="1000" dirty="0"/>
@@ -4905,10 +4884,10 @@
                         <a:defRPr/>
                       </a:pPr>
                       <a:r>
-                        <a:rPr lang="en-US" altLang="ko-KR" sz="1000" dirty="0" smtClean="0"/>
+                        <a:rPr lang="en-US" altLang="ko-KR" sz="1000" dirty="0"/>
                         <a:t>2013</a:t>
                       </a:r>
-                      <a:endParaRPr lang="ko-KR" altLang="en-US" sz="1000" dirty="0" smtClean="0"/>
+                      <a:endParaRPr lang="ko-KR" altLang="en-US" sz="1000" dirty="0"/>
                     </a:p>
                   </a:txBody>
                   <a:tcPr/>
@@ -4920,7 +4899,7 @@
                     <a:p>
                       <a:pPr latinLnBrk="1"/>
                       <a:r>
-                        <a:rPr lang="en-US" altLang="ko-KR" sz="1000" dirty="0" smtClean="0"/>
+                        <a:rPr lang="en-US" altLang="ko-KR" sz="1000" dirty="0"/>
                         <a:t>2014</a:t>
                       </a:r>
                       <a:endParaRPr lang="ko-KR" altLang="en-US" sz="1000" dirty="0"/>
@@ -4928,6 +4907,11 @@
                   </a:txBody>
                   <a:tcPr/>
                 </a:tc>
+                <a:extLst>
+                  <a:ext uri="{0D108BD9-81ED-4DB2-BD59-A6C34878D82A}">
+                    <a16:rowId xmlns:a16="http://schemas.microsoft.com/office/drawing/2014/main" val="10002"/>
+                  </a:ext>
+                </a:extLst>
               </a:tr>
               <a:tr h="370840">
                 <a:tc>
@@ -4937,7 +4921,7 @@
                     <a:p>
                       <a:pPr latinLnBrk="1"/>
                       <a:r>
-                        <a:rPr lang="en-US" altLang="ko-KR" sz="1500" dirty="0" smtClean="0"/>
+                        <a:rPr lang="en-US" altLang="ko-KR" sz="1500" dirty="0"/>
                         <a:t>Usage</a:t>
                       </a:r>
                       <a:endParaRPr lang="ko-KR" altLang="en-US" sz="1500" dirty="0"/>
@@ -4952,7 +4936,7 @@
                     <a:p>
                       <a:pPr latinLnBrk="1"/>
                       <a:r>
-                        <a:rPr lang="en-US" altLang="ko-KR" sz="1000" b="0" i="0" kern="1200" dirty="0" smtClean="0">
+                        <a:rPr lang="en-US" altLang="ko-KR" sz="1000" b="0" i="0" kern="1200" dirty="0">
                           <a:solidFill>
                             <a:schemeClr val="dk1"/>
                           </a:solidFill>
@@ -4963,7 +4947,7 @@
                         <a:t>Forbes, </a:t>
                       </a:r>
                       <a:r>
-                        <a:rPr lang="en-US" altLang="ko-KR" sz="1000" b="0" i="0" kern="1200" dirty="0" err="1" smtClean="0">
+                        <a:rPr lang="en-US" altLang="ko-KR" sz="1000" b="0" i="0" kern="1200" dirty="0" err="1">
                           <a:solidFill>
                             <a:schemeClr val="dk1"/>
                           </a:solidFill>
@@ -4974,7 +4958,7 @@
                         <a:t>WhatsApp</a:t>
                       </a:r>
                       <a:r>
-                        <a:rPr lang="en-US" altLang="ko-KR" sz="1000" b="0" i="0" kern="1200" dirty="0" smtClean="0">
+                        <a:rPr lang="en-US" altLang="ko-KR" sz="1000" b="0" i="0" kern="1200" dirty="0">
                           <a:solidFill>
                             <a:schemeClr val="dk1"/>
                           </a:solidFill>
@@ -4985,7 +4969,7 @@
                         <a:t>, </a:t>
                       </a:r>
                       <a:r>
-                        <a:rPr lang="en-US" altLang="ko-KR" sz="1000" b="0" i="0" kern="1200" dirty="0" err="1" smtClean="0">
+                        <a:rPr lang="en-US" altLang="ko-KR" sz="1000" b="0" i="0" kern="1200" dirty="0" err="1">
                           <a:solidFill>
                             <a:schemeClr val="dk1"/>
                           </a:solidFill>
@@ -4996,7 +4980,7 @@
                         <a:t>Instagram</a:t>
                       </a:r>
                       <a:r>
-                        <a:rPr lang="en-US" altLang="ko-KR" sz="1000" b="0" i="0" kern="1200" dirty="0" smtClean="0">
+                        <a:rPr lang="en-US" altLang="ko-KR" sz="1000" b="0" i="0" kern="1200" dirty="0">
                           <a:solidFill>
                             <a:schemeClr val="dk1"/>
                           </a:solidFill>
@@ -5034,7 +5018,7 @@
                         <a:defRPr/>
                       </a:pPr>
                       <a:r>
-                        <a:rPr lang="en-US" altLang="ko-KR" sz="1000" b="0" i="0" kern="1200" dirty="0" smtClean="0">
+                        <a:rPr lang="en-US" altLang="ko-KR" sz="1000" b="0" i="0" kern="1200" dirty="0">
                           <a:solidFill>
                             <a:schemeClr val="dk1"/>
                           </a:solidFill>
@@ -5045,7 +5029,7 @@
                         <a:t>Netflix, PayPal, </a:t>
                       </a:r>
                       <a:r>
-                        <a:rPr lang="en-US" altLang="ko-KR" sz="1000" b="0" i="0" kern="1200" dirty="0" err="1" smtClean="0">
+                        <a:rPr lang="en-US" altLang="ko-KR" sz="1000" b="0" i="0" kern="1200" dirty="0" err="1">
                           <a:solidFill>
                             <a:schemeClr val="dk1"/>
                           </a:solidFill>
@@ -5056,7 +5040,7 @@
                         <a:t>Uber</a:t>
                       </a:r>
                       <a:r>
-                        <a:rPr lang="en-US" altLang="ko-KR" sz="1000" b="0" i="0" kern="1200" dirty="0" smtClean="0">
+                        <a:rPr lang="en-US" altLang="ko-KR" sz="1000" b="0" i="0" kern="1200" dirty="0">
                           <a:solidFill>
                             <a:schemeClr val="dk1"/>
                           </a:solidFill>
@@ -5067,7 +5051,7 @@
                         <a:t>, Twitter, </a:t>
                       </a:r>
                       <a:r>
-                        <a:rPr lang="en-US" altLang="ko-KR" sz="1000" b="0" i="0" kern="1200" dirty="0" err="1" smtClean="0">
+                        <a:rPr lang="en-US" altLang="ko-KR" sz="1000" b="0" i="0" kern="1200" dirty="0" err="1">
                           <a:solidFill>
                             <a:schemeClr val="dk1"/>
                           </a:solidFill>
@@ -5078,7 +5062,7 @@
                         <a:t>Udemy</a:t>
                       </a:r>
                       <a:r>
-                        <a:rPr lang="en-US" altLang="ko-KR" sz="1000" b="0" i="0" kern="1200" dirty="0" smtClean="0">
+                        <a:rPr lang="en-US" altLang="ko-KR" sz="1000" b="0" i="0" kern="1200" dirty="0">
                           <a:solidFill>
                             <a:schemeClr val="dk1"/>
                           </a:solidFill>
@@ -5089,7 +5073,7 @@
                         <a:t>, </a:t>
                       </a:r>
                       <a:r>
-                        <a:rPr lang="en-US" altLang="ko-KR" sz="1000" b="0" i="0" kern="1200" dirty="0" err="1" smtClean="0">
+                        <a:rPr lang="en-US" altLang="ko-KR" sz="1000" b="0" i="0" kern="1200" dirty="0" err="1">
                           <a:solidFill>
                             <a:schemeClr val="dk1"/>
                           </a:solidFill>
@@ -5100,7 +5084,7 @@
                         <a:t>Reddit</a:t>
                       </a:r>
                       <a:r>
-                        <a:rPr lang="en-US" altLang="ko-KR" sz="1000" b="0" i="0" kern="1200" dirty="0" smtClean="0">
+                        <a:rPr lang="en-US" altLang="ko-KR" sz="1000" b="0" i="0" kern="1200" dirty="0">
                           <a:solidFill>
                             <a:schemeClr val="dk1"/>
                           </a:solidFill>
@@ -5111,7 +5095,7 @@
                         <a:t>, </a:t>
                       </a:r>
                       <a:r>
-                        <a:rPr lang="en-US" altLang="ko-KR" sz="1000" b="0" i="0" kern="1200" dirty="0" err="1" smtClean="0">
+                        <a:rPr lang="en-US" altLang="ko-KR" sz="1000" b="0" i="0" kern="1200" dirty="0" err="1">
                           <a:solidFill>
                             <a:schemeClr val="dk1"/>
                           </a:solidFill>
@@ -5122,7 +5106,7 @@
                         <a:t>Airbnb</a:t>
                       </a:r>
                       <a:r>
-                        <a:rPr lang="en-US" altLang="ko-KR" sz="1000" b="0" i="0" kern="1200" dirty="0" smtClean="0">
+                        <a:rPr lang="en-US" altLang="ko-KR" sz="1000" b="0" i="0" kern="1200" dirty="0">
                           <a:solidFill>
                             <a:schemeClr val="dk1"/>
                           </a:solidFill>
@@ -5133,7 +5117,7 @@
                         <a:t>, </a:t>
                       </a:r>
                       <a:r>
-                        <a:rPr lang="en-US" altLang="ko-KR" sz="1000" b="0" i="0" kern="1200" dirty="0" err="1" smtClean="0">
+                        <a:rPr lang="en-US" altLang="ko-KR" sz="1000" b="0" i="0" kern="1200" dirty="0" err="1">
                           <a:solidFill>
                             <a:schemeClr val="dk1"/>
                           </a:solidFill>
@@ -5143,7 +5127,7 @@
                         </a:rPr>
                         <a:t>Walmart</a:t>
                       </a:r>
-                      <a:endParaRPr lang="ko-KR" altLang="en-US" sz="1000" dirty="0" smtClean="0"/>
+                      <a:endParaRPr lang="ko-KR" altLang="en-US" sz="1000" dirty="0"/>
                     </a:p>
                   </a:txBody>
                   <a:tcPr/>
@@ -5155,7 +5139,7 @@
                     <a:p>
                       <a:pPr latinLnBrk="1"/>
                       <a:r>
-                        <a:rPr lang="en-US" altLang="ko-KR" sz="1000" dirty="0" smtClean="0"/>
+                        <a:rPr lang="en-US" altLang="ko-KR" sz="1000" dirty="0"/>
                         <a:t>??</a:t>
                       </a:r>
                       <a:endParaRPr lang="ko-KR" altLang="en-US" sz="1000" dirty="0"/>
@@ -5163,6 +5147,11 @@
                   </a:txBody>
                   <a:tcPr/>
                 </a:tc>
+                <a:extLst>
+                  <a:ext uri="{0D108BD9-81ED-4DB2-BD59-A6C34878D82A}">
+                    <a16:rowId xmlns:a16="http://schemas.microsoft.com/office/drawing/2014/main" val="10003"/>
+                  </a:ext>
+                </a:extLst>
               </a:tr>
               <a:tr h="370840">
                 <a:tc>
@@ -5172,7 +5161,7 @@
                     <a:p>
                       <a:pPr latinLnBrk="1"/>
                       <a:r>
-                        <a:rPr lang="en-US" altLang="ko-KR" sz="1500" dirty="0" smtClean="0"/>
+                        <a:rPr lang="en-US" altLang="ko-KR" sz="1500" dirty="0"/>
                         <a:t>Site</a:t>
                       </a:r>
                       <a:endParaRPr lang="ko-KR" altLang="en-US" sz="1500" dirty="0"/>
@@ -5187,7 +5176,7 @@
                     <a:p>
                       <a:pPr latinLnBrk="1"/>
                       <a:r>
-                        <a:rPr lang="en-US" altLang="ko-KR" sz="1000" dirty="0" smtClean="0">
+                        <a:rPr lang="en-US" altLang="ko-KR" sz="1000" dirty="0">
                           <a:hlinkClick r:id="rId2"/>
                         </a:rPr>
                         <a:t>https://angular.kr/</a:t>
@@ -5204,7 +5193,7 @@
                     <a:p>
                       <a:pPr latinLnBrk="1"/>
                       <a:r>
-                        <a:rPr lang="en-US" altLang="ko-KR" sz="1000" dirty="0" smtClean="0">
+                        <a:rPr lang="en-US" altLang="ko-KR" sz="1000" dirty="0">
                           <a:hlinkClick r:id="rId3"/>
                         </a:rPr>
                         <a:t>https://ko.reactjs.org/</a:t>
@@ -5221,7 +5210,7 @@
                     <a:p>
                       <a:pPr latinLnBrk="1"/>
                       <a:r>
-                        <a:rPr lang="en-US" altLang="ko-KR" sz="1000" dirty="0" smtClean="0">
+                        <a:rPr lang="en-US" altLang="ko-KR" sz="1000" dirty="0">
                           <a:hlinkClick r:id="rId4"/>
                         </a:rPr>
                         <a:t>https://kr.vuejs.org/v2/guide/index.html</a:t>
@@ -5231,6 +5220,11 @@
                   </a:txBody>
                   <a:tcPr/>
                 </a:tc>
+                <a:extLst>
+                  <a:ext uri="{0D108BD9-81ED-4DB2-BD59-A6C34878D82A}">
+                    <a16:rowId xmlns:a16="http://schemas.microsoft.com/office/drawing/2014/main" val="10004"/>
+                  </a:ext>
+                </a:extLst>
               </a:tr>
               <a:tr h="370840">
                 <a:tc>
@@ -5240,7 +5234,7 @@
                     <a:p>
                       <a:pPr latinLnBrk="1"/>
                       <a:r>
-                        <a:rPr lang="en-US" altLang="ko-KR" sz="1500" dirty="0" smtClean="0"/>
+                        <a:rPr lang="en-US" altLang="ko-KR" sz="1500" dirty="0"/>
                         <a:t>Community</a:t>
                       </a:r>
                       <a:endParaRPr lang="ko-KR" altLang="en-US" sz="1500" dirty="0"/>
@@ -5255,7 +5249,7 @@
                     <a:p>
                       <a:pPr latinLnBrk="1"/>
                       <a:r>
-                        <a:rPr lang="en-US" altLang="ko-KR" sz="1000" dirty="0" smtClean="0"/>
+                        <a:rPr lang="en-US" altLang="ko-KR" sz="1000" dirty="0"/>
                         <a:t>Large</a:t>
                       </a:r>
                       <a:endParaRPr lang="ko-KR" altLang="en-US" sz="1000" dirty="0"/>
@@ -5270,7 +5264,7 @@
                     <a:p>
                       <a:pPr latinLnBrk="1"/>
                       <a:r>
-                        <a:rPr lang="en-US" altLang="ko-KR" sz="1000" dirty="0" smtClean="0"/>
+                        <a:rPr lang="en-US" altLang="ko-KR" sz="1000" dirty="0"/>
                         <a:t>Large</a:t>
                       </a:r>
                       <a:endParaRPr lang="ko-KR" altLang="en-US" sz="1000" dirty="0"/>
@@ -5285,7 +5279,7 @@
                     <a:p>
                       <a:pPr latinLnBrk="1"/>
                       <a:r>
-                        <a:rPr lang="en-US" altLang="ko-KR" sz="1000" dirty="0" smtClean="0"/>
+                        <a:rPr lang="en-US" altLang="ko-KR" sz="1000" dirty="0"/>
                         <a:t>Small</a:t>
                       </a:r>
                       <a:endParaRPr lang="ko-KR" altLang="en-US" sz="1000" dirty="0"/>
@@ -5293,6 +5287,11 @@
                   </a:txBody>
                   <a:tcPr/>
                 </a:tc>
+                <a:extLst>
+                  <a:ext uri="{0D108BD9-81ED-4DB2-BD59-A6C34878D82A}">
+                    <a16:rowId xmlns:a16="http://schemas.microsoft.com/office/drawing/2014/main" val="10005"/>
+                  </a:ext>
+                </a:extLst>
               </a:tr>
               <a:tr h="370840">
                 <a:tc>
@@ -5302,7 +5301,7 @@
                     <a:p>
                       <a:pPr latinLnBrk="1"/>
                       <a:r>
-                        <a:rPr lang="en-US" altLang="ko-KR" sz="1500" dirty="0" smtClean="0"/>
+                        <a:rPr lang="en-US" altLang="ko-KR" sz="1500" dirty="0"/>
                         <a:t>Code</a:t>
                       </a:r>
                       <a:endParaRPr lang="ko-KR" altLang="en-US" sz="1500" dirty="0"/>
@@ -5317,15 +5316,15 @@
                     <a:p>
                       <a:pPr latinLnBrk="1"/>
                       <a:r>
-                        <a:rPr lang="en-US" altLang="ko-KR" sz="1000" dirty="0" smtClean="0"/>
+                        <a:rPr lang="en-US" altLang="ko-KR" sz="1000" dirty="0"/>
                         <a:t>JavaScript,</a:t>
                       </a:r>
                       <a:r>
-                        <a:rPr lang="en-US" altLang="ko-KR" sz="1000" baseline="0" dirty="0" smtClean="0"/>
+                        <a:rPr lang="en-US" altLang="ko-KR" sz="1000" baseline="0" dirty="0"/>
                         <a:t> </a:t>
                       </a:r>
                       <a:r>
-                        <a:rPr lang="en-US" altLang="ko-KR" sz="1000" baseline="0" dirty="0" err="1" smtClean="0"/>
+                        <a:rPr lang="en-US" altLang="ko-KR" sz="1000" baseline="0" dirty="0" err="1"/>
                         <a:t>TypeScript</a:t>
                       </a:r>
                       <a:endParaRPr lang="ko-KR" altLang="en-US" sz="1000" dirty="0"/>
@@ -5356,18 +5355,18 @@
                         <a:defRPr/>
                       </a:pPr>
                       <a:r>
-                        <a:rPr lang="en-US" altLang="ko-KR" sz="1000" dirty="0" err="1" smtClean="0"/>
+                        <a:rPr lang="en-US" altLang="ko-KR" sz="1000" dirty="0" err="1"/>
                         <a:t>Javascript</a:t>
                       </a:r>
                       <a:r>
-                        <a:rPr lang="en-US" altLang="ko-KR" sz="1000" dirty="0" smtClean="0"/>
+                        <a:rPr lang="en-US" altLang="ko-KR" sz="1000" dirty="0"/>
                         <a:t>,</a:t>
                       </a:r>
                       <a:r>
-                        <a:rPr lang="en-US" altLang="ko-KR" sz="1000" baseline="0" dirty="0" smtClean="0"/>
+                        <a:rPr lang="en-US" altLang="ko-KR" sz="1000" baseline="0" dirty="0"/>
                         <a:t> HTML, JSX</a:t>
                       </a:r>
-                      <a:endParaRPr lang="ko-KR" altLang="en-US" sz="1000" dirty="0" smtClean="0"/>
+                      <a:endParaRPr lang="ko-KR" altLang="en-US" sz="1000" dirty="0"/>
                     </a:p>
                   </a:txBody>
                   <a:tcPr/>
@@ -5379,26 +5378,26 @@
                     <a:p>
                       <a:pPr latinLnBrk="1"/>
                       <a:r>
-                        <a:rPr lang="en-US" altLang="ko-KR" sz="1000" dirty="0" err="1" smtClean="0"/>
+                        <a:rPr lang="en-US" altLang="ko-KR" sz="1000" dirty="0" err="1"/>
                         <a:t>javaScript</a:t>
                       </a:r>
-                      <a:endParaRPr lang="en-US" altLang="ko-KR" sz="1000" dirty="0" smtClean="0"/>
+                      <a:endParaRPr lang="en-US" altLang="ko-KR" sz="1000" dirty="0"/>
                     </a:p>
                     <a:p>
                       <a:pPr latinLnBrk="1"/>
                       <a:r>
-                        <a:rPr lang="en-US" altLang="ko-KR" sz="1000" dirty="0" smtClean="0"/>
+                        <a:rPr lang="en-US" altLang="ko-KR" sz="1000" dirty="0"/>
                         <a:t>Typescript</a:t>
                       </a:r>
                       <a:r>
-                        <a:rPr lang="en-US" altLang="ko-KR" sz="1000" baseline="0" dirty="0" smtClean="0"/>
+                        <a:rPr lang="en-US" altLang="ko-KR" sz="1000" baseline="0" dirty="0"/>
                         <a:t> + 2.5 version</a:t>
                       </a:r>
                     </a:p>
                     <a:p>
                       <a:pPr latinLnBrk="1"/>
                       <a:r>
-                        <a:rPr lang="en-US" altLang="ko-KR" sz="1000" baseline="0" dirty="0" smtClean="0"/>
+                        <a:rPr lang="en-US" altLang="ko-KR" sz="1000" baseline="0" dirty="0"/>
                         <a:t>JSX</a:t>
                       </a:r>
                       <a:endParaRPr lang="ko-KR" altLang="en-US" sz="1000" dirty="0"/>
@@ -5406,6 +5405,11 @@
                   </a:txBody>
                   <a:tcPr/>
                 </a:tc>
+                <a:extLst>
+                  <a:ext uri="{0D108BD9-81ED-4DB2-BD59-A6C34878D82A}">
+                    <a16:rowId xmlns:a16="http://schemas.microsoft.com/office/drawing/2014/main" val="10006"/>
+                  </a:ext>
+                </a:extLst>
               </a:tr>
               <a:tr h="370840">
                 <a:tc>
@@ -5415,7 +5419,7 @@
                     <a:p>
                       <a:pPr latinLnBrk="1"/>
                       <a:r>
-                        <a:rPr lang="en-US" altLang="ko-KR" sz="1500" dirty="0" smtClean="0"/>
+                        <a:rPr lang="en-US" altLang="ko-KR" sz="1500" dirty="0"/>
                         <a:t>Dom</a:t>
                       </a:r>
                       <a:endParaRPr lang="ko-KR" altLang="en-US" sz="1500" dirty="0"/>
@@ -5430,7 +5434,7 @@
                     <a:p>
                       <a:pPr latinLnBrk="1"/>
                       <a:r>
-                        <a:rPr lang="en-US" altLang="ko-KR" sz="1000" dirty="0" smtClean="0"/>
+                        <a:rPr lang="en-US" altLang="ko-KR" sz="1000" dirty="0"/>
                         <a:t>Real</a:t>
                       </a:r>
                       <a:endParaRPr lang="ko-KR" altLang="en-US" sz="1000" dirty="0"/>
@@ -5445,7 +5449,7 @@
                     <a:p>
                       <a:pPr latinLnBrk="1"/>
                       <a:r>
-                        <a:rPr lang="en-US" altLang="ko-KR" sz="1000" dirty="0" smtClean="0"/>
+                        <a:rPr lang="en-US" altLang="ko-KR" sz="1000" dirty="0"/>
                         <a:t>Virtual</a:t>
                       </a:r>
                       <a:endParaRPr lang="ko-KR" altLang="en-US" sz="1000" dirty="0"/>
@@ -5460,7 +5464,7 @@
                     <a:p>
                       <a:pPr latinLnBrk="1"/>
                       <a:r>
-                        <a:rPr lang="en-US" altLang="ko-KR" sz="1000" dirty="0" smtClean="0"/>
+                        <a:rPr lang="en-US" altLang="ko-KR" sz="1000" dirty="0"/>
                         <a:t>Virtual</a:t>
                       </a:r>
                       <a:endParaRPr lang="ko-KR" altLang="en-US" sz="1000" dirty="0"/>
@@ -5468,6 +5472,11 @@
                   </a:txBody>
                   <a:tcPr/>
                 </a:tc>
+                <a:extLst>
+                  <a:ext uri="{0D108BD9-81ED-4DB2-BD59-A6C34878D82A}">
+                    <a16:rowId xmlns:a16="http://schemas.microsoft.com/office/drawing/2014/main" val="10007"/>
+                  </a:ext>
+                </a:extLst>
               </a:tr>
               <a:tr h="370840">
                 <a:tc>
@@ -5477,7 +5486,7 @@
                     <a:p>
                       <a:pPr latinLnBrk="1"/>
                       <a:r>
-                        <a:rPr lang="en-US" altLang="ko-KR" sz="1500" dirty="0" smtClean="0"/>
+                        <a:rPr lang="en-US" altLang="ko-KR" sz="1500" dirty="0"/>
                         <a:t>Learning Curve</a:t>
                       </a:r>
                       <a:endParaRPr lang="ko-KR" altLang="en-US" sz="1500" dirty="0"/>
@@ -5508,10 +5517,10 @@
                         <a:defRPr/>
                       </a:pPr>
                       <a:r>
-                        <a:rPr lang="en-US" altLang="ko-KR" sz="1000" dirty="0" smtClean="0"/>
+                        <a:rPr lang="en-US" altLang="ko-KR" sz="1000" dirty="0"/>
                         <a:t>Steep</a:t>
                       </a:r>
-                      <a:endParaRPr lang="ko-KR" altLang="en-US" sz="1000" dirty="0" smtClean="0"/>
+                      <a:endParaRPr lang="ko-KR" altLang="en-US" sz="1000" dirty="0"/>
                     </a:p>
                   </a:txBody>
                   <a:tcPr/>
@@ -5523,7 +5532,7 @@
                     <a:p>
                       <a:pPr latinLnBrk="1"/>
                       <a:r>
-                        <a:rPr lang="en-US" altLang="ko-KR" sz="1000" dirty="0" smtClean="0"/>
+                        <a:rPr lang="en-US" altLang="ko-KR" sz="1000" dirty="0"/>
                         <a:t>Moderate</a:t>
                       </a:r>
                       <a:endParaRPr lang="ko-KR" altLang="en-US" sz="1000" dirty="0"/>
@@ -5538,15 +5547,15 @@
                     <a:p>
                       <a:pPr latinLnBrk="1"/>
                       <a:r>
-                        <a:rPr lang="en-US" altLang="ko-KR" sz="1000" dirty="0" smtClean="0"/>
+                        <a:rPr lang="en-US" altLang="ko-KR" sz="1000" dirty="0"/>
                         <a:t>Easy (</a:t>
                       </a:r>
                       <a:r>
-                        <a:rPr lang="ko-KR" altLang="en-US" sz="1000" dirty="0" err="1" smtClean="0"/>
+                        <a:rPr lang="ko-KR" altLang="en-US" sz="1000" dirty="0" err="1"/>
                         <a:t>제의견</a:t>
                       </a:r>
                       <a:r>
-                        <a:rPr lang="en-US" altLang="ko-KR" sz="1000" dirty="0" smtClean="0"/>
+                        <a:rPr lang="en-US" altLang="ko-KR" sz="1000" dirty="0"/>
                         <a:t>)</a:t>
                       </a:r>
                       <a:endParaRPr lang="ko-KR" altLang="en-US" sz="1000" dirty="0"/>
@@ -5554,6 +5563,11 @@
                   </a:txBody>
                   <a:tcPr/>
                 </a:tc>
+                <a:extLst>
+                  <a:ext uri="{0D108BD9-81ED-4DB2-BD59-A6C34878D82A}">
+                    <a16:rowId xmlns:a16="http://schemas.microsoft.com/office/drawing/2014/main" val="10008"/>
+                  </a:ext>
+                </a:extLst>
               </a:tr>
               <a:tr h="370840">
                 <a:tc>
@@ -5563,7 +5577,7 @@
                     <a:p>
                       <a:pPr latinLnBrk="1"/>
                       <a:r>
-                        <a:rPr lang="en-US" altLang="ko-KR" sz="1500" dirty="0" smtClean="0"/>
+                        <a:rPr lang="en-US" altLang="ko-KR" sz="1500" dirty="0"/>
                         <a:t>Another Keyword</a:t>
                       </a:r>
                       <a:endParaRPr lang="ko-KR" altLang="en-US" sz="1500" dirty="0"/>
@@ -5593,7 +5607,7 @@
                         <a:tabLst/>
                         <a:defRPr/>
                       </a:pPr>
-                      <a:endParaRPr lang="ko-KR" altLang="en-US" sz="1000" dirty="0" smtClean="0"/>
+                      <a:endParaRPr lang="ko-KR" altLang="en-US" sz="1000" dirty="0"/>
                     </a:p>
                   </a:txBody>
                   <a:tcPr/>
@@ -5604,35 +5618,35 @@
                     <a:lstStyle/>
                     <a:p>
                       <a:r>
-                        <a:rPr lang="en-US" altLang="ko-KR" sz="1000" dirty="0" smtClean="0"/>
+                        <a:rPr lang="en-US" altLang="ko-KR" sz="1000" dirty="0"/>
                         <a:t>React -&gt; core</a:t>
                       </a:r>
                     </a:p>
                     <a:p>
                       <a:r>
-                        <a:rPr lang="en-US" altLang="ko-KR" sz="1000" dirty="0" err="1" smtClean="0"/>
+                        <a:rPr lang="en-US" altLang="ko-KR" sz="1000" dirty="0" err="1"/>
                         <a:t>ReactDom</a:t>
                       </a:r>
                       <a:r>
-                        <a:rPr lang="en-US" altLang="ko-KR" sz="1000" dirty="0" smtClean="0"/>
+                        <a:rPr lang="en-US" altLang="ko-KR" sz="1000" dirty="0"/>
                         <a:t> -&gt; for</a:t>
                       </a:r>
                       <a:r>
-                        <a:rPr lang="en-US" altLang="ko-KR" sz="1000" baseline="0" dirty="0" smtClean="0"/>
+                        <a:rPr lang="en-US" altLang="ko-KR" sz="1000" baseline="0" dirty="0"/>
                         <a:t> browser</a:t>
                       </a:r>
-                      <a:endParaRPr lang="en-US" altLang="ko-KR" sz="1000" dirty="0" smtClean="0"/>
-                    </a:p>
-                    <a:p>
-                      <a:r>
-                        <a:rPr lang="en-US" altLang="ko-KR" sz="1000" dirty="0" err="1" smtClean="0"/>
+                      <a:endParaRPr lang="en-US" altLang="ko-KR" sz="1000" dirty="0"/>
+                    </a:p>
+                    <a:p>
+                      <a:r>
+                        <a:rPr lang="en-US" altLang="ko-KR" sz="1000" dirty="0" err="1"/>
                         <a:t>ReactNative</a:t>
                       </a:r>
                       <a:r>
-                        <a:rPr lang="en-US" altLang="ko-KR" sz="1000" dirty="0" smtClean="0"/>
+                        <a:rPr lang="en-US" altLang="ko-KR" sz="1000" dirty="0"/>
                         <a:t> -&gt; for mobile</a:t>
                       </a:r>
-                      <a:endParaRPr lang="ko-KR" altLang="en-US" sz="1000" dirty="0" smtClean="0"/>
+                      <a:endParaRPr lang="ko-KR" altLang="en-US" sz="1000" dirty="0"/>
                     </a:p>
                   </a:txBody>
                   <a:tcPr/>
@@ -5648,6 +5662,11 @@
                   </a:txBody>
                   <a:tcPr/>
                 </a:tc>
+                <a:extLst>
+                  <a:ext uri="{0D108BD9-81ED-4DB2-BD59-A6C34878D82A}">
+                    <a16:rowId xmlns:a16="http://schemas.microsoft.com/office/drawing/2014/main" val="10009"/>
+                  </a:ext>
+                </a:extLst>
               </a:tr>
             </a:tbl>
           </a:graphicData>
@@ -5747,20 +5766,19 @@
           <a:lstStyle/>
           <a:p>
             <a:r>
-              <a:rPr lang="en-US" altLang="ko-KR" dirty="0" smtClean="0">
+              <a:rPr lang="en-US" altLang="ko-KR" dirty="0">
                 <a:hlinkClick r:id="rId7"/>
               </a:rPr>
               <a:t>https://vuejsexamples.com/</a:t>
             </a:r>
             <a:r>
-              <a:rPr lang="en-US" altLang="ko-KR" dirty="0" smtClean="0"/>
+              <a:rPr lang="en-US" altLang="ko-KR" dirty="0"/>
               <a:t> -&gt; VUE </a:t>
             </a:r>
             <a:r>
-              <a:rPr lang="ko-KR" altLang="en-US" dirty="0" smtClean="0"/>
+              <a:rPr lang="ko-KR" altLang="en-US" dirty="0"/>
               <a:t>예제 사이트</a:t>
             </a:r>
-            <a:endParaRPr lang="ko-KR" altLang="en-US" dirty="0"/>
           </a:p>
         </p:txBody>
       </p:sp>
@@ -5786,7 +5804,7 @@
           <a:lstStyle/>
           <a:p>
             <a:r>
-              <a:rPr lang="en-US" altLang="ko-KR" sz="1500" dirty="0" smtClean="0"/>
+              <a:rPr lang="en-US" altLang="ko-KR" sz="1500" dirty="0"/>
               <a:t>Architecture Compare The Front End Framework</a:t>
             </a:r>
             <a:endParaRPr lang="ko-KR" altLang="en-US" sz="1500" dirty="0"/>
@@ -5798,13 +5816,6 @@
   <p:clrMapOvr>
     <a:masterClrMapping/>
   </p:clrMapOvr>
-  <p:timing>
-    <p:tnLst>
-      <p:par>
-        <p:cTn id="1" dur="indefinite" restart="never" nodeType="tmRoot"/>
-      </p:par>
-    </p:tnLst>
-  </p:timing>
 </p:sld>
 </file>
 
@@ -5834,7 +5845,7 @@
           <p:nvPr>
             <p:extLst>
               <p:ext uri="{D42A27DB-BD31-4B8C-83A1-F6EECF244321}">
-                <p14:modId xmlns:p14="http://schemas.microsoft.com/office/powerpoint/2010/main" val="356467597"/>
+                <p14:modId xmlns:p14="http://schemas.microsoft.com/office/powerpoint/2010/main" val="4192631119"/>
               </p:ext>
             </p:extLst>
           </p:nvPr>
@@ -5850,10 +5861,34 @@
                 <a:tableStyleId>{5C22544A-7EE6-4342-B048-85BDC9FD1C3A}</a:tableStyleId>
               </a:tblPr>
               <a:tblGrid>
-                <a:gridCol w="2151974"/>
-                <a:gridCol w="1808466"/>
-                <a:gridCol w="1980220"/>
-                <a:gridCol w="1980220"/>
+                <a:gridCol w="2151974">
+                  <a:extLst>
+                    <a:ext uri="{9D8B030D-6E8A-4147-A177-3AD203B41FA5}">
+                      <a16:colId xmlns:a16="http://schemas.microsoft.com/office/drawing/2014/main" val="20000"/>
+                    </a:ext>
+                  </a:extLst>
+                </a:gridCol>
+                <a:gridCol w="1808466">
+                  <a:extLst>
+                    <a:ext uri="{9D8B030D-6E8A-4147-A177-3AD203B41FA5}">
+                      <a16:colId xmlns:a16="http://schemas.microsoft.com/office/drawing/2014/main" val="20001"/>
+                    </a:ext>
+                  </a:extLst>
+                </a:gridCol>
+                <a:gridCol w="1980220">
+                  <a:extLst>
+                    <a:ext uri="{9D8B030D-6E8A-4147-A177-3AD203B41FA5}">
+                      <a16:colId xmlns:a16="http://schemas.microsoft.com/office/drawing/2014/main" val="20002"/>
+                    </a:ext>
+                  </a:extLst>
+                </a:gridCol>
+                <a:gridCol w="1980220">
+                  <a:extLst>
+                    <a:ext uri="{9D8B030D-6E8A-4147-A177-3AD203B41FA5}">
+                      <a16:colId xmlns:a16="http://schemas.microsoft.com/office/drawing/2014/main" val="20003"/>
+                    </a:ext>
+                  </a:extLst>
+                </a:gridCol>
               </a:tblGrid>
               <a:tr h="370840">
                 <a:tc>
@@ -5874,11 +5909,11 @@
                     <a:p>
                       <a:pPr latinLnBrk="1"/>
                       <a:r>
-                        <a:rPr lang="en-US" altLang="ko-KR" dirty="0" err="1" smtClean="0"/>
+                        <a:rPr lang="en-US" altLang="ko-KR" dirty="0" err="1"/>
                         <a:t>Anguler</a:t>
                       </a:r>
                       <a:r>
-                        <a:rPr lang="en-US" altLang="ko-KR" dirty="0" smtClean="0"/>
+                        <a:rPr lang="en-US" altLang="ko-KR" dirty="0"/>
                         <a:t> JS</a:t>
                       </a:r>
                       <a:endParaRPr lang="ko-KR" altLang="en-US" dirty="0"/>
@@ -5893,7 +5928,7 @@
                     <a:p>
                       <a:pPr latinLnBrk="1"/>
                       <a:r>
-                        <a:rPr lang="en-US" altLang="ko-KR" dirty="0" smtClean="0"/>
+                        <a:rPr lang="en-US" altLang="ko-KR" dirty="0"/>
                         <a:t>React JS</a:t>
                       </a:r>
                       <a:endParaRPr lang="ko-KR" altLang="en-US" dirty="0"/>
@@ -5908,11 +5943,11 @@
                     <a:p>
                       <a:pPr latinLnBrk="1"/>
                       <a:r>
-                        <a:rPr lang="en-US" altLang="ko-KR" dirty="0" err="1" smtClean="0"/>
+                        <a:rPr lang="en-US" altLang="ko-KR" dirty="0" err="1"/>
                         <a:t>Vue</a:t>
                       </a:r>
                       <a:r>
-                        <a:rPr lang="en-US" altLang="ko-KR" dirty="0" smtClean="0"/>
+                        <a:rPr lang="en-US" altLang="ko-KR" dirty="0"/>
                         <a:t> JS</a:t>
                       </a:r>
                       <a:endParaRPr lang="ko-KR" altLang="en-US" dirty="0"/>
@@ -5920,6 +5955,11 @@
                   </a:txBody>
                   <a:tcPr/>
                 </a:tc>
+                <a:extLst>
+                  <a:ext uri="{0D108BD9-81ED-4DB2-BD59-A6C34878D82A}">
+                    <a16:rowId xmlns:a16="http://schemas.microsoft.com/office/drawing/2014/main" val="10000"/>
+                  </a:ext>
+                </a:extLst>
               </a:tr>
               <a:tr h="637272">
                 <a:tc>
@@ -5929,11 +5969,11 @@
                     <a:p>
                       <a:pPr latinLnBrk="1"/>
                       <a:r>
-                        <a:rPr lang="en-US" altLang="ko-KR" sz="1500" dirty="0" smtClean="0"/>
+                        <a:rPr lang="en-US" altLang="ko-KR" sz="1500" dirty="0"/>
                         <a:t>Asynchronous</a:t>
                       </a:r>
                       <a:r>
-                        <a:rPr lang="en-US" altLang="ko-KR" sz="1500" baseline="0" dirty="0" smtClean="0"/>
+                        <a:rPr lang="en-US" altLang="ko-KR" sz="1500" baseline="0" dirty="0"/>
                         <a:t> Program Core</a:t>
                       </a:r>
                       <a:endParaRPr lang="ko-KR" altLang="en-US" sz="1500" dirty="0"/>
@@ -5948,7 +5988,7 @@
                     <a:p>
                       <a:pPr latinLnBrk="1"/>
                       <a:r>
-                        <a:rPr lang="en-US" altLang="ko-KR" sz="1000" dirty="0" err="1" smtClean="0"/>
+                        <a:rPr lang="en-US" altLang="ko-KR" sz="1000" dirty="0" err="1"/>
                         <a:t>RxJS</a:t>
                       </a:r>
                       <a:endParaRPr lang="ko-KR" altLang="en-US" sz="1000" dirty="0"/>
@@ -5963,10 +6003,10 @@
                     <a:p>
                       <a:pPr latinLnBrk="1"/>
                       <a:r>
-                        <a:rPr lang="en-US" altLang="ko-KR" sz="1000" dirty="0" err="1" smtClean="0"/>
+                        <a:rPr lang="en-US" altLang="ko-KR" sz="1000" dirty="0" err="1"/>
                         <a:t>Redux</a:t>
                       </a:r>
-                      <a:endParaRPr lang="en-US" altLang="ko-KR" sz="1000" dirty="0" smtClean="0"/>
+                      <a:endParaRPr lang="en-US" altLang="ko-KR" sz="1000" dirty="0"/>
                     </a:p>
                     <a:p>
                       <a:pPr marL="0" marR="0" indent="0" algn="l" defTabSz="914400" rtl="0" eaLnBrk="1" fontAlgn="auto" latinLnBrk="1" hangingPunct="1">
@@ -5987,7 +6027,7 @@
                         <a:defRPr/>
                       </a:pPr>
                       <a:r>
-                        <a:rPr lang="en-US" altLang="ko-KR" sz="1000" b="0" i="0" kern="1200" dirty="0" smtClean="0">
+                        <a:rPr lang="en-US" altLang="ko-KR" sz="1000" b="0" i="0" kern="1200" dirty="0">
                           <a:solidFill>
                             <a:schemeClr val="dk1"/>
                           </a:solidFill>
@@ -5998,7 +6038,7 @@
                         <a:t> react-</a:t>
                       </a:r>
                       <a:r>
-                        <a:rPr lang="en-US" altLang="ko-KR" sz="1000" b="0" i="0" kern="1200" dirty="0" err="1" smtClean="0">
+                        <a:rPr lang="en-US" altLang="ko-KR" sz="1000" b="0" i="0" kern="1200" dirty="0" err="1">
                           <a:solidFill>
                             <a:schemeClr val="dk1"/>
                           </a:solidFill>
@@ -6008,7 +6048,7 @@
                         </a:rPr>
                         <a:t>redux</a:t>
                       </a:r>
-                      <a:endParaRPr lang="en-US" altLang="ko-KR" sz="1000" b="0" i="0" kern="1200" dirty="0" smtClean="0">
+                      <a:endParaRPr lang="en-US" altLang="ko-KR" sz="1000" b="0" i="0" kern="1200" dirty="0">
                         <a:solidFill>
                           <a:schemeClr val="dk1"/>
                         </a:solidFill>
@@ -6020,14 +6060,14 @@
                     <a:p>
                       <a:pPr latinLnBrk="1"/>
                       <a:r>
-                        <a:rPr lang="en-US" altLang="ko-KR" sz="1000" dirty="0" smtClean="0"/>
+                        <a:rPr lang="en-US" altLang="ko-KR" sz="1000" dirty="0"/>
                         <a:t> react-actions</a:t>
                       </a:r>
                     </a:p>
                     <a:p>
                       <a:pPr latinLnBrk="1"/>
                       <a:r>
-                        <a:rPr lang="en-US" altLang="ko-KR" sz="1000" dirty="0" smtClean="0"/>
+                        <a:rPr lang="en-US" altLang="ko-KR" sz="1000" dirty="0"/>
                         <a:t> immutable</a:t>
                       </a:r>
                       <a:endParaRPr lang="ko-KR" altLang="en-US" sz="1000" dirty="0"/>
@@ -6041,7 +6081,7 @@
                     <a:lstStyle/>
                     <a:p>
                       <a:r>
-                        <a:rPr lang="en-US" altLang="ko-KR" sz="1000" b="0" i="0" kern="1200" dirty="0" err="1" smtClean="0">
+                        <a:rPr lang="en-US" altLang="ko-KR" sz="1000" b="0" i="0" kern="1200" dirty="0" err="1">
                           <a:solidFill>
                             <a:schemeClr val="dk1"/>
                           </a:solidFill>
@@ -6052,7 +6092,7 @@
                         <a:t>Async</a:t>
                       </a:r>
                       <a:r>
-                        <a:rPr lang="en-US" altLang="ko-KR" sz="1000" b="0" i="0" kern="1200" dirty="0" smtClean="0">
+                        <a:rPr lang="en-US" altLang="ko-KR" sz="1000" b="0" i="0" kern="1200" dirty="0">
                           <a:solidFill>
                             <a:schemeClr val="dk1"/>
                           </a:solidFill>
@@ -6069,6 +6109,11 @@
                   </a:txBody>
                   <a:tcPr/>
                 </a:tc>
+                <a:extLst>
+                  <a:ext uri="{0D108BD9-81ED-4DB2-BD59-A6C34878D82A}">
+                    <a16:rowId xmlns:a16="http://schemas.microsoft.com/office/drawing/2014/main" val="10001"/>
+                  </a:ext>
+                </a:extLst>
               </a:tr>
               <a:tr h="370840">
                 <a:tc>
@@ -6078,7 +6123,7 @@
                     <a:p>
                       <a:pPr latinLnBrk="1"/>
                       <a:r>
-                        <a:rPr lang="en-US" altLang="ko-KR" sz="1500" dirty="0" err="1" smtClean="0"/>
+                        <a:rPr lang="en-US" altLang="ko-KR" sz="1500" dirty="0" err="1"/>
                         <a:t>Cli</a:t>
                       </a:r>
                       <a:endParaRPr lang="ko-KR" altLang="en-US" sz="1500" dirty="0"/>
@@ -6093,11 +6138,11 @@
                     <a:p>
                       <a:pPr latinLnBrk="1"/>
                       <a:r>
-                        <a:rPr lang="en-US" altLang="ko-KR" sz="1000" dirty="0" smtClean="0"/>
+                        <a:rPr lang="en-US" altLang="ko-KR" sz="1000" dirty="0"/>
                         <a:t>Angular </a:t>
                       </a:r>
                       <a:r>
-                        <a:rPr lang="en-US" altLang="ko-KR" sz="1000" dirty="0" err="1" smtClean="0"/>
+                        <a:rPr lang="en-US" altLang="ko-KR" sz="1000" dirty="0" err="1"/>
                         <a:t>Cli</a:t>
                       </a:r>
                       <a:endParaRPr lang="ko-KR" altLang="en-US" sz="1000" dirty="0"/>
@@ -6128,18 +6173,18 @@
                         <a:defRPr/>
                       </a:pPr>
                       <a:r>
-                        <a:rPr lang="en-US" altLang="ko-KR" sz="1000" dirty="0" smtClean="0"/>
+                        <a:rPr lang="en-US" altLang="ko-KR" sz="1000" dirty="0"/>
                         <a:t>Node</a:t>
                       </a:r>
                       <a:r>
-                        <a:rPr lang="en-US" altLang="ko-KR" sz="1000" baseline="0" dirty="0" smtClean="0"/>
+                        <a:rPr lang="en-US" altLang="ko-KR" sz="1000" baseline="0" dirty="0"/>
                         <a:t> </a:t>
                       </a:r>
                       <a:r>
-                        <a:rPr lang="en-US" altLang="ko-KR" sz="1000" baseline="0" dirty="0" err="1" smtClean="0"/>
+                        <a:rPr lang="en-US" altLang="ko-KR" sz="1000" baseline="0" dirty="0" err="1"/>
                         <a:t>Cli</a:t>
                       </a:r>
-                      <a:endParaRPr lang="ko-KR" altLang="en-US" sz="1000" dirty="0" smtClean="0"/>
+                      <a:endParaRPr lang="ko-KR" altLang="en-US" sz="1000" dirty="0"/>
                     </a:p>
                   </a:txBody>
                   <a:tcPr/>
@@ -6151,15 +6196,15 @@
                     <a:p>
                       <a:pPr latinLnBrk="1"/>
                       <a:r>
-                        <a:rPr lang="en-US" altLang="ko-KR" sz="1000" dirty="0" err="1" smtClean="0"/>
+                        <a:rPr lang="en-US" altLang="ko-KR" sz="1000" dirty="0" err="1"/>
                         <a:t>Vue</a:t>
                       </a:r>
                       <a:r>
-                        <a:rPr lang="en-US" altLang="ko-KR" sz="1000" dirty="0" smtClean="0"/>
+                        <a:rPr lang="en-US" altLang="ko-KR" sz="1000" dirty="0"/>
                         <a:t> </a:t>
                       </a:r>
                       <a:r>
-                        <a:rPr lang="en-US" altLang="ko-KR" sz="1000" dirty="0" err="1" smtClean="0"/>
+                        <a:rPr lang="en-US" altLang="ko-KR" sz="1000" dirty="0" err="1"/>
                         <a:t>Cli</a:t>
                       </a:r>
                       <a:endParaRPr lang="ko-KR" altLang="en-US" sz="1000" dirty="0"/>
@@ -6167,6 +6212,11 @@
                   </a:txBody>
                   <a:tcPr/>
                 </a:tc>
+                <a:extLst>
+                  <a:ext uri="{0D108BD9-81ED-4DB2-BD59-A6C34878D82A}">
+                    <a16:rowId xmlns:a16="http://schemas.microsoft.com/office/drawing/2014/main" val="10002"/>
+                  </a:ext>
+                </a:extLst>
               </a:tr>
               <a:tr h="370840">
                 <a:tc>
@@ -6176,7 +6226,7 @@
                     <a:p>
                       <a:pPr latinLnBrk="1"/>
                       <a:r>
-                        <a:rPr lang="en-US" altLang="ko-KR" sz="1500" dirty="0" err="1" smtClean="0"/>
+                        <a:rPr lang="en-US" altLang="ko-KR" sz="1500" dirty="0" err="1"/>
                         <a:t>Lendering</a:t>
                       </a:r>
                       <a:endParaRPr lang="ko-KR" altLang="en-US" sz="1500" dirty="0"/>
@@ -6191,11 +6241,11 @@
                     <a:p>
                       <a:pPr latinLnBrk="1"/>
                       <a:r>
-                        <a:rPr lang="en-US" altLang="ko-KR" sz="1000" dirty="0" smtClean="0"/>
+                        <a:rPr lang="en-US" altLang="ko-KR" sz="1000" dirty="0"/>
                         <a:t>Ivy</a:t>
                       </a:r>
                       <a:r>
-                        <a:rPr lang="en-US" altLang="ko-KR" sz="1000" baseline="0" dirty="0" smtClean="0"/>
+                        <a:rPr lang="en-US" altLang="ko-KR" sz="1000" baseline="0" dirty="0"/>
                         <a:t> renderer (for compress)</a:t>
                       </a:r>
                       <a:endParaRPr lang="ko-KR" altLang="en-US" sz="1000" dirty="0"/>
@@ -6226,10 +6276,10 @@
                         <a:defRPr/>
                       </a:pPr>
                       <a:r>
-                        <a:rPr lang="en-US" altLang="ko-KR" sz="1000" dirty="0" err="1" smtClean="0"/>
+                        <a:rPr lang="en-US" altLang="ko-KR" sz="1000" dirty="0" err="1"/>
                         <a:t>WebPack</a:t>
                       </a:r>
-                      <a:endParaRPr lang="ko-KR" altLang="en-US" sz="1000" dirty="0" smtClean="0"/>
+                      <a:endParaRPr lang="ko-KR" altLang="en-US" sz="1000" dirty="0"/>
                     </a:p>
                   </a:txBody>
                   <a:tcPr/>
@@ -6241,7 +6291,7 @@
                     <a:p>
                       <a:pPr latinLnBrk="1"/>
                       <a:r>
-                        <a:rPr lang="en-US" altLang="ko-KR" sz="1000" dirty="0" err="1" smtClean="0"/>
+                        <a:rPr lang="en-US" altLang="ko-KR" sz="1000" dirty="0" err="1"/>
                         <a:t>WebPack</a:t>
                       </a:r>
                       <a:endParaRPr lang="ko-KR" altLang="en-US" sz="1000" dirty="0"/>
@@ -6249,6 +6299,11 @@
                   </a:txBody>
                   <a:tcPr/>
                 </a:tc>
+                <a:extLst>
+                  <a:ext uri="{0D108BD9-81ED-4DB2-BD59-A6C34878D82A}">
+                    <a16:rowId xmlns:a16="http://schemas.microsoft.com/office/drawing/2014/main" val="10003"/>
+                  </a:ext>
+                </a:extLst>
               </a:tr>
               <a:tr h="370840">
                 <a:tc>
@@ -6258,23 +6313,23 @@
                     <a:p>
                       <a:pPr latinLnBrk="1"/>
                       <a:r>
-                        <a:rPr lang="en-US" altLang="ko-KR" sz="1500" dirty="0" smtClean="0"/>
+                        <a:rPr lang="en-US" altLang="ko-KR" sz="1500" dirty="0"/>
                         <a:t>Server</a:t>
                       </a:r>
                       <a:r>
-                        <a:rPr lang="en-US" altLang="ko-KR" sz="1500" baseline="0" dirty="0" smtClean="0"/>
+                        <a:rPr lang="en-US" altLang="ko-KR" sz="1500" baseline="0" dirty="0"/>
                         <a:t> Side </a:t>
                       </a:r>
                       <a:r>
-                        <a:rPr lang="en-US" altLang="ko-KR" sz="1500" baseline="0" dirty="0" err="1" smtClean="0"/>
+                        <a:rPr lang="en-US" altLang="ko-KR" sz="1500" baseline="0" dirty="0" err="1"/>
                         <a:t>Lendering</a:t>
                       </a:r>
-                      <a:endParaRPr lang="en-US" altLang="ko-KR" sz="1500" baseline="0" dirty="0" smtClean="0"/>
+                      <a:endParaRPr lang="en-US" altLang="ko-KR" sz="1500" baseline="0" dirty="0"/>
                     </a:p>
                     <a:p>
                       <a:pPr latinLnBrk="1"/>
                       <a:r>
-                        <a:rPr lang="en-US" altLang="ko-KR" sz="1500" baseline="0" dirty="0" smtClean="0"/>
+                        <a:rPr lang="en-US" altLang="ko-KR" sz="1500" baseline="0" dirty="0"/>
                         <a:t>(SSR)</a:t>
                       </a:r>
                       <a:endParaRPr lang="ko-KR" altLang="en-US" sz="1500" dirty="0"/>
@@ -6289,11 +6344,11 @@
                     <a:p>
                       <a:pPr latinLnBrk="1"/>
                       <a:r>
-                        <a:rPr lang="en-US" altLang="ko-KR" sz="1000" dirty="0" smtClean="0"/>
+                        <a:rPr lang="en-US" altLang="ko-KR" sz="1000" dirty="0"/>
                         <a:t>Angular</a:t>
                       </a:r>
                       <a:r>
-                        <a:rPr lang="en-US" altLang="ko-KR" sz="1000" baseline="0" dirty="0" smtClean="0"/>
+                        <a:rPr lang="en-US" altLang="ko-KR" sz="1000" baseline="0" dirty="0"/>
                         <a:t> Universal</a:t>
                       </a:r>
                       <a:endParaRPr lang="ko-KR" altLang="en-US" sz="1000" dirty="0"/>
@@ -6324,10 +6379,10 @@
                         <a:defRPr/>
                       </a:pPr>
                       <a:r>
-                        <a:rPr lang="en-US" altLang="ko-KR" sz="1000" dirty="0" err="1" smtClean="0"/>
+                        <a:rPr lang="en-US" altLang="ko-KR" sz="1000" dirty="0" err="1"/>
                         <a:t>Redux</a:t>
                       </a:r>
-                      <a:endParaRPr lang="en-US" altLang="ko-KR" sz="1000" dirty="0" smtClean="0"/>
+                      <a:endParaRPr lang="en-US" altLang="ko-KR" sz="1000" dirty="0"/>
                     </a:p>
                     <a:p>
                       <a:pPr marL="0" marR="0" indent="0" algn="l" defTabSz="914400" rtl="0" eaLnBrk="1" fontAlgn="auto" latinLnBrk="1" hangingPunct="1">
@@ -6348,7 +6403,7 @@
                         <a:defRPr/>
                       </a:pPr>
                       <a:r>
-                        <a:rPr lang="en-US" altLang="ko-KR" sz="1000" dirty="0" smtClean="0"/>
+                        <a:rPr lang="en-US" altLang="ko-KR" sz="1000" dirty="0"/>
                         <a:t>React-Router</a:t>
                       </a:r>
                     </a:p>
@@ -6362,7 +6417,7 @@
                     <a:p>
                       <a:pPr latinLnBrk="1"/>
                       <a:r>
-                        <a:rPr lang="en-US" altLang="ko-KR" sz="1000" dirty="0" smtClean="0"/>
+                        <a:rPr lang="en-US" altLang="ko-KR" sz="1000" dirty="0"/>
                         <a:t>Nuxt.js</a:t>
                       </a:r>
                       <a:endParaRPr lang="ko-KR" altLang="en-US" sz="1000" dirty="0"/>
@@ -6370,6 +6425,11 @@
                   </a:txBody>
                   <a:tcPr/>
                 </a:tc>
+                <a:extLst>
+                  <a:ext uri="{0D108BD9-81ED-4DB2-BD59-A6C34878D82A}">
+                    <a16:rowId xmlns:a16="http://schemas.microsoft.com/office/drawing/2014/main" val="10004"/>
+                  </a:ext>
+                </a:extLst>
               </a:tr>
               <a:tr h="370840">
                 <a:tc>
@@ -6379,7 +6439,7 @@
                     <a:p>
                       <a:pPr latinLnBrk="1"/>
                       <a:r>
-                        <a:rPr lang="en-US" altLang="ko-KR" sz="1500" dirty="0" smtClean="0"/>
+                        <a:rPr lang="en-US" altLang="ko-KR" sz="1500" dirty="0"/>
                         <a:t>IDE</a:t>
                       </a:r>
                       <a:endParaRPr lang="ko-KR" altLang="en-US" sz="1500" dirty="0"/>
@@ -6394,31 +6454,31 @@
                     <a:p>
                       <a:pPr latinLnBrk="1"/>
                       <a:r>
-                        <a:rPr lang="en-US" altLang="ko-KR" sz="1000" dirty="0" err="1" smtClean="0"/>
+                        <a:rPr lang="en-US" altLang="ko-KR" sz="1000" dirty="0" err="1"/>
                         <a:t>Aptana</a:t>
                       </a:r>
                       <a:r>
-                        <a:rPr lang="en-US" altLang="ko-KR" sz="1000" dirty="0" smtClean="0"/>
+                        <a:rPr lang="en-US" altLang="ko-KR" sz="1000" dirty="0"/>
                         <a:t>,</a:t>
                       </a:r>
                       <a:r>
-                        <a:rPr lang="en-US" altLang="ko-KR" sz="1000" baseline="0" dirty="0" smtClean="0"/>
+                        <a:rPr lang="en-US" altLang="ko-KR" sz="1000" baseline="0" dirty="0"/>
                         <a:t> </a:t>
                       </a:r>
                       <a:r>
-                        <a:rPr lang="en-US" altLang="ko-KR" sz="1000" baseline="0" dirty="0" err="1" smtClean="0"/>
+                        <a:rPr lang="en-US" altLang="ko-KR" sz="1000" baseline="0" dirty="0" err="1"/>
                         <a:t>WebStorm</a:t>
                       </a:r>
                       <a:r>
-                        <a:rPr lang="en-US" altLang="ko-KR" sz="1000" baseline="0" dirty="0" smtClean="0"/>
+                        <a:rPr lang="en-US" altLang="ko-KR" sz="1000" baseline="0" dirty="0"/>
                         <a:t>, Sublime </a:t>
                       </a:r>
                       <a:r>
-                        <a:rPr lang="en-US" altLang="ko-KR" sz="1000" b="0" baseline="0" dirty="0" smtClean="0"/>
+                        <a:rPr lang="en-US" altLang="ko-KR" sz="1000" b="0" baseline="0" dirty="0"/>
                         <a:t>Text</a:t>
                       </a:r>
                       <a:r>
-                        <a:rPr lang="en-US" altLang="ko-KR" sz="1000" baseline="0" dirty="0" smtClean="0"/>
+                        <a:rPr lang="en-US" altLang="ko-KR" sz="1000" baseline="0" dirty="0"/>
                         <a:t>, Visual Studio Code</a:t>
                       </a:r>
                       <a:endParaRPr lang="ko-KR" altLang="en-US" sz="1000" dirty="0"/>
@@ -6433,18 +6493,18 @@
                     <a:p>
                       <a:pPr latinLnBrk="1"/>
                       <a:r>
-                        <a:rPr lang="en-US" altLang="ko-KR" sz="1000" dirty="0" smtClean="0"/>
+                        <a:rPr lang="en-US" altLang="ko-KR" sz="1000" dirty="0"/>
                         <a:t>Visual</a:t>
                       </a:r>
                       <a:r>
-                        <a:rPr lang="en-US" altLang="ko-KR" sz="1000" baseline="0" dirty="0" smtClean="0"/>
+                        <a:rPr lang="en-US" altLang="ko-KR" sz="1000" baseline="0" dirty="0"/>
                         <a:t> Studio, Atom,</a:t>
                       </a:r>
                     </a:p>
                     <a:p>
                       <a:pPr latinLnBrk="1"/>
                       <a:r>
-                        <a:rPr lang="en-US" altLang="ko-KR" sz="1000" baseline="0" dirty="0" smtClean="0"/>
+                        <a:rPr lang="en-US" altLang="ko-KR" sz="1000" baseline="0" dirty="0"/>
                         <a:t>Sublime Text</a:t>
                       </a:r>
                       <a:endParaRPr lang="ko-KR" altLang="en-US" sz="1000" dirty="0"/>
@@ -6459,11 +6519,11 @@
                     <a:p>
                       <a:pPr latinLnBrk="1"/>
                       <a:r>
-                        <a:rPr lang="en-US" altLang="ko-KR" sz="1000" dirty="0" smtClean="0"/>
+                        <a:rPr lang="en-US" altLang="ko-KR" sz="1000" dirty="0"/>
                         <a:t>Visual</a:t>
                       </a:r>
                       <a:r>
-                        <a:rPr lang="en-US" altLang="ko-KR" sz="1000" baseline="0" dirty="0" smtClean="0"/>
+                        <a:rPr lang="en-US" altLang="ko-KR" sz="1000" baseline="0" dirty="0"/>
                         <a:t> Studio, Atom,</a:t>
                       </a:r>
                     </a:p>
@@ -6486,14 +6546,19 @@
                         <a:defRPr/>
                       </a:pPr>
                       <a:r>
-                        <a:rPr lang="en-US" altLang="ko-KR" sz="1000" baseline="0" dirty="0" smtClean="0"/>
+                        <a:rPr lang="en-US" altLang="ko-KR" sz="1000" baseline="0" dirty="0"/>
                         <a:t>Sublime Text</a:t>
                       </a:r>
-                      <a:endParaRPr lang="ko-KR" altLang="en-US" sz="1000" dirty="0" smtClean="0"/>
+                      <a:endParaRPr lang="ko-KR" altLang="en-US" sz="1000" dirty="0"/>
                     </a:p>
                   </a:txBody>
                   <a:tcPr/>
                 </a:tc>
+                <a:extLst>
+                  <a:ext uri="{0D108BD9-81ED-4DB2-BD59-A6C34878D82A}">
+                    <a16:rowId xmlns:a16="http://schemas.microsoft.com/office/drawing/2014/main" val="10005"/>
+                  </a:ext>
+                </a:extLst>
               </a:tr>
               <a:tr h="370840">
                 <a:tc>
@@ -6503,7 +6568,7 @@
                     <a:p>
                       <a:pPr latinLnBrk="1"/>
                       <a:r>
-                        <a:rPr lang="en-US" altLang="ko-KR" sz="1500" dirty="0" smtClean="0"/>
+                        <a:rPr lang="en-US" altLang="ko-KR" sz="1500" dirty="0"/>
                         <a:t>Testing</a:t>
                       </a:r>
                       <a:endParaRPr lang="ko-KR" altLang="en-US" sz="1500" dirty="0"/>
@@ -6518,11 +6583,11 @@
                     <a:p>
                       <a:pPr latinLnBrk="1"/>
                       <a:r>
-                        <a:rPr lang="en-US" altLang="ko-KR" sz="1000" dirty="0" smtClean="0"/>
+                        <a:rPr lang="en-US" altLang="ko-KR" sz="1000" dirty="0"/>
                         <a:t>Jasmine,</a:t>
                       </a:r>
                       <a:r>
-                        <a:rPr lang="en-US" altLang="ko-KR" sz="1000" baseline="0" dirty="0" smtClean="0"/>
+                        <a:rPr lang="en-US" altLang="ko-KR" sz="1000" baseline="0" dirty="0"/>
                         <a:t> Karma, Protractor</a:t>
                       </a:r>
                       <a:endParaRPr lang="ko-KR" altLang="en-US" sz="1000" dirty="0"/>
@@ -6553,19 +6618,19 @@
                         <a:defRPr/>
                       </a:pPr>
                       <a:r>
-                        <a:rPr lang="en-US" altLang="ko-KR" sz="1000" b="1" dirty="0" smtClean="0"/>
+                        <a:rPr lang="en-US" altLang="ko-KR" sz="1000" b="1" dirty="0"/>
                         <a:t>Enzyme</a:t>
                       </a:r>
                       <a:r>
-                        <a:rPr lang="ko-KR" altLang="en-US" sz="1000" b="1" baseline="0" dirty="0" smtClean="0"/>
+                        <a:rPr lang="ko-KR" altLang="en-US" sz="1000" b="1" baseline="0" dirty="0"/>
                         <a:t> </a:t>
                       </a:r>
                       <a:r>
-                        <a:rPr lang="en-US" altLang="ko-KR" sz="1000" b="1" baseline="0" dirty="0" smtClean="0"/>
+                        <a:rPr lang="en-US" altLang="ko-KR" sz="1000" b="1" baseline="0" dirty="0"/>
                         <a:t>/ Unexpected-react </a:t>
                       </a:r>
                       <a:r>
-                        <a:rPr lang="en-US" altLang="ko-KR" sz="1000" baseline="0" dirty="0" smtClean="0"/>
+                        <a:rPr lang="en-US" altLang="ko-KR" sz="1000" baseline="0" dirty="0"/>
                         <a:t>:  Component Testing</a:t>
                       </a:r>
                     </a:p>
@@ -6588,19 +6653,19 @@
                         <a:defRPr/>
                       </a:pPr>
                       <a:r>
-                        <a:rPr lang="en-US" altLang="ko-KR" sz="1000" b="1" baseline="0" dirty="0" smtClean="0"/>
+                        <a:rPr lang="en-US" altLang="ko-KR" sz="1000" b="1" baseline="0" dirty="0"/>
                         <a:t>Jest</a:t>
                       </a:r>
                       <a:r>
-                        <a:rPr lang="en-US" altLang="ko-KR" sz="1000" baseline="0" dirty="0" smtClean="0"/>
+                        <a:rPr lang="en-US" altLang="ko-KR" sz="1000" baseline="0" dirty="0"/>
                         <a:t> : </a:t>
                       </a:r>
                       <a:r>
-                        <a:rPr lang="en-US" altLang="ko-KR" sz="1000" baseline="0" dirty="0" err="1" smtClean="0"/>
+                        <a:rPr lang="en-US" altLang="ko-KR" sz="1000" baseline="0" dirty="0" err="1"/>
                         <a:t>javascript</a:t>
                       </a:r>
                       <a:r>
-                        <a:rPr lang="en-US" altLang="ko-KR" sz="1000" baseline="0" dirty="0" smtClean="0"/>
+                        <a:rPr lang="en-US" altLang="ko-KR" sz="1000" baseline="0" dirty="0"/>
                         <a:t> code Testing</a:t>
                       </a:r>
                     </a:p>
@@ -6623,15 +6688,15 @@
                         <a:defRPr/>
                       </a:pPr>
                       <a:r>
-                        <a:rPr lang="en-US" altLang="ko-KR" sz="1000" b="1" dirty="0" smtClean="0"/>
+                        <a:rPr lang="en-US" altLang="ko-KR" sz="1000" b="1" dirty="0"/>
                         <a:t>React-testing-library </a:t>
                       </a:r>
                       <a:r>
-                        <a:rPr lang="en-US" altLang="ko-KR" sz="1000" dirty="0" smtClean="0"/>
+                        <a:rPr lang="en-US" altLang="ko-KR" sz="1000" dirty="0"/>
                         <a:t>: React</a:t>
                       </a:r>
                       <a:r>
-                        <a:rPr lang="en-US" altLang="ko-KR" sz="1000" baseline="0" dirty="0" smtClean="0"/>
+                        <a:rPr lang="en-US" altLang="ko-KR" sz="1000" baseline="0" dirty="0"/>
                         <a:t> DOM Testing</a:t>
                       </a:r>
                     </a:p>
@@ -6654,11 +6719,11 @@
                         <a:defRPr/>
                       </a:pPr>
                       <a:r>
-                        <a:rPr lang="en-US" altLang="ko-KR" sz="1000" b="1" dirty="0" smtClean="0"/>
+                        <a:rPr lang="en-US" altLang="ko-KR" sz="1000" b="1" dirty="0"/>
                         <a:t>React-unit</a:t>
                       </a:r>
                       <a:r>
-                        <a:rPr lang="en-US" altLang="ko-KR" sz="1000" baseline="0" dirty="0" smtClean="0"/>
+                        <a:rPr lang="en-US" altLang="ko-KR" sz="1000" baseline="0" dirty="0"/>
                         <a:t> : unit Testing</a:t>
                       </a:r>
                     </a:p>
@@ -6681,18 +6746,18 @@
                         <a:defRPr/>
                       </a:pPr>
                       <a:r>
-                        <a:rPr lang="en-US" altLang="ko-KR" sz="1000" b="1" dirty="0" smtClean="0"/>
+                        <a:rPr lang="en-US" altLang="ko-KR" sz="1000" b="1" dirty="0"/>
                         <a:t>Skin-deep</a:t>
                       </a:r>
                       <a:r>
-                        <a:rPr lang="en-US" altLang="ko-KR" sz="1000" dirty="0" smtClean="0"/>
+                        <a:rPr lang="en-US" altLang="ko-KR" sz="1000" dirty="0"/>
                         <a:t> : Rendering Test </a:t>
                       </a:r>
                       <a:r>
-                        <a:rPr lang="en-US" altLang="ko-KR" sz="1000" dirty="0" err="1" smtClean="0"/>
+                        <a:rPr lang="en-US" altLang="ko-KR" sz="1000" dirty="0" err="1"/>
                         <a:t>utils</a:t>
                       </a:r>
-                      <a:endParaRPr lang="en-US" altLang="ko-KR" sz="1000" dirty="0" smtClean="0"/>
+                      <a:endParaRPr lang="en-US" altLang="ko-KR" sz="1000" dirty="0"/>
                     </a:p>
                   </a:txBody>
                   <a:tcPr/>
@@ -6704,7 +6769,7 @@
                     <a:p>
                       <a:pPr latinLnBrk="1"/>
                       <a:r>
-                        <a:rPr lang="en-US" altLang="ko-KR" sz="1000" dirty="0" smtClean="0"/>
+                        <a:rPr lang="en-US" altLang="ko-KR" sz="1000" dirty="0"/>
                         <a:t>Karma</a:t>
                       </a:r>
                       <a:endParaRPr lang="ko-KR" altLang="en-US" sz="1000" dirty="0"/>
@@ -6712,6 +6777,11 @@
                   </a:txBody>
                   <a:tcPr/>
                 </a:tc>
+                <a:extLst>
+                  <a:ext uri="{0D108BD9-81ED-4DB2-BD59-A6C34878D82A}">
+                    <a16:rowId xmlns:a16="http://schemas.microsoft.com/office/drawing/2014/main" val="10006"/>
+                  </a:ext>
+                </a:extLst>
               </a:tr>
               <a:tr h="370840">
                 <a:tc>
@@ -6721,7 +6791,7 @@
                     <a:p>
                       <a:pPr latinLnBrk="1"/>
                       <a:r>
-                        <a:rPr lang="en-US" altLang="ko-KR" sz="1500" dirty="0" smtClean="0"/>
+                        <a:rPr lang="en-US" altLang="ko-KR" sz="1500" dirty="0"/>
                         <a:t>Routing</a:t>
                       </a:r>
                       <a:endParaRPr lang="ko-KR" altLang="en-US" sz="1500" dirty="0"/>
@@ -6736,7 +6806,7 @@
                     <a:p>
                       <a:pPr latinLnBrk="1"/>
                       <a:r>
-                        <a:rPr lang="en-US" altLang="ko-KR" sz="1000" dirty="0" smtClean="0"/>
+                        <a:rPr lang="en-US" altLang="ko-KR" sz="1000" dirty="0"/>
                         <a:t>-</a:t>
                       </a:r>
                       <a:endParaRPr lang="ko-KR" altLang="en-US" sz="1000" dirty="0"/>
@@ -6751,7 +6821,7 @@
                     <a:p>
                       <a:pPr latinLnBrk="1"/>
                       <a:r>
-                        <a:rPr lang="en-US" altLang="ko-KR" sz="1000" dirty="0" smtClean="0"/>
+                        <a:rPr lang="en-US" altLang="ko-KR" sz="1000" dirty="0"/>
                         <a:t>React Router</a:t>
                       </a:r>
                       <a:endParaRPr lang="ko-KR" altLang="en-US" sz="1000" dirty="0"/>
@@ -6766,11 +6836,11 @@
                     <a:p>
                       <a:pPr latinLnBrk="1"/>
                       <a:r>
-                        <a:rPr lang="en-US" altLang="ko-KR" sz="1000" dirty="0" err="1" smtClean="0"/>
+                        <a:rPr lang="en-US" altLang="ko-KR" sz="1000" dirty="0" err="1"/>
                         <a:t>Vue</a:t>
                       </a:r>
                       <a:r>
-                        <a:rPr lang="en-US" altLang="ko-KR" sz="1000" dirty="0" smtClean="0"/>
+                        <a:rPr lang="en-US" altLang="ko-KR" sz="1000" dirty="0"/>
                         <a:t> Router</a:t>
                       </a:r>
                       <a:endParaRPr lang="ko-KR" altLang="en-US" sz="1000" dirty="0"/>
@@ -6778,6 +6848,11 @@
                   </a:txBody>
                   <a:tcPr/>
                 </a:tc>
+                <a:extLst>
+                  <a:ext uri="{0D108BD9-81ED-4DB2-BD59-A6C34878D82A}">
+                    <a16:rowId xmlns:a16="http://schemas.microsoft.com/office/drawing/2014/main" val="10007"/>
+                  </a:ext>
+                </a:extLst>
               </a:tr>
               <a:tr h="370840">
                 <a:tc>
@@ -6787,11 +6862,11 @@
                     <a:p>
                       <a:pPr latinLnBrk="1"/>
                       <a:r>
-                        <a:rPr lang="en-US" altLang="ko-KR" sz="1500" baseline="0" dirty="0" smtClean="0"/>
+                        <a:rPr lang="en-US" altLang="ko-KR" sz="1500" baseline="0" dirty="0"/>
                         <a:t>JSX </a:t>
                       </a:r>
                       <a:r>
-                        <a:rPr lang="en-US" altLang="ko-KR" sz="1500" dirty="0" smtClean="0"/>
+                        <a:rPr lang="en-US" altLang="ko-KR" sz="1500" dirty="0"/>
                         <a:t>Compiler</a:t>
                       </a:r>
                       <a:endParaRPr lang="ko-KR" altLang="en-US" sz="1500" dirty="0"/>
@@ -6822,10 +6897,10 @@
                         <a:defRPr/>
                       </a:pPr>
                       <a:r>
-                        <a:rPr lang="en-US" altLang="ko-KR" sz="1000" dirty="0" smtClean="0"/>
+                        <a:rPr lang="en-US" altLang="ko-KR" sz="1000" dirty="0"/>
                         <a:t>-</a:t>
                       </a:r>
-                      <a:endParaRPr lang="ko-KR" altLang="en-US" sz="1000" dirty="0" smtClean="0"/>
+                      <a:endParaRPr lang="ko-KR" altLang="en-US" sz="1000" dirty="0"/>
                     </a:p>
                   </a:txBody>
                   <a:tcPr/>
@@ -6837,7 +6912,7 @@
                     <a:p>
                       <a:pPr latinLnBrk="1"/>
                       <a:r>
-                        <a:rPr lang="en-US" altLang="ko-KR" sz="1000" dirty="0" smtClean="0"/>
+                        <a:rPr lang="en-US" altLang="ko-KR" sz="1000" dirty="0"/>
                         <a:t>Babel</a:t>
                       </a:r>
                     </a:p>
@@ -6851,7 +6926,7 @@
                     <a:p>
                       <a:pPr latinLnBrk="1"/>
                       <a:r>
-                        <a:rPr lang="en-US" altLang="ko-KR" sz="1000" dirty="0" smtClean="0"/>
+                        <a:rPr lang="en-US" altLang="ko-KR" sz="1000" dirty="0"/>
                         <a:t>Babel</a:t>
                       </a:r>
                       <a:endParaRPr lang="ko-KR" altLang="en-US" sz="1000" dirty="0"/>
@@ -6859,6 +6934,11 @@
                   </a:txBody>
                   <a:tcPr/>
                 </a:tc>
+                <a:extLst>
+                  <a:ext uri="{0D108BD9-81ED-4DB2-BD59-A6C34878D82A}">
+                    <a16:rowId xmlns:a16="http://schemas.microsoft.com/office/drawing/2014/main" val="10008"/>
+                  </a:ext>
+                </a:extLst>
               </a:tr>
               <a:tr h="370840">
                 <a:tc>
@@ -6868,11 +6948,11 @@
                     <a:p>
                       <a:pPr latinLnBrk="1"/>
                       <a:r>
-                        <a:rPr lang="en-US" altLang="ko-KR" sz="1500" dirty="0" smtClean="0"/>
+                        <a:rPr lang="en-US" altLang="ko-KR" sz="1500" dirty="0"/>
                         <a:t>Compress</a:t>
                       </a:r>
                       <a:r>
-                        <a:rPr lang="en-US" altLang="ko-KR" sz="1500" baseline="0" dirty="0" smtClean="0"/>
+                        <a:rPr lang="en-US" altLang="ko-KR" sz="1500" baseline="0" dirty="0"/>
                         <a:t> &amp; compiler</a:t>
                       </a:r>
                       <a:endParaRPr lang="ko-KR" altLang="en-US" sz="1500" dirty="0"/>
@@ -6903,10 +6983,10 @@
                         <a:defRPr/>
                       </a:pPr>
                       <a:r>
-                        <a:rPr lang="en-US" altLang="ko-KR" sz="1000" dirty="0" smtClean="0"/>
+                        <a:rPr lang="en-US" altLang="ko-KR" sz="1000" dirty="0"/>
                         <a:t>-</a:t>
                       </a:r>
-                      <a:endParaRPr lang="ko-KR" altLang="en-US" sz="1000" dirty="0" smtClean="0"/>
+                      <a:endParaRPr lang="ko-KR" altLang="en-US" sz="1000" dirty="0"/>
                     </a:p>
                   </a:txBody>
                   <a:tcPr/>
@@ -6934,10 +7014,10 @@
                         <a:defRPr/>
                       </a:pPr>
                       <a:r>
-                        <a:rPr lang="en-US" altLang="ko-KR" sz="1000" dirty="0" err="1" smtClean="0"/>
+                        <a:rPr lang="en-US" altLang="ko-KR" sz="1000" dirty="0" err="1"/>
                         <a:t>Webpack</a:t>
                       </a:r>
-                      <a:endParaRPr lang="ko-KR" altLang="en-US" sz="1000" dirty="0" smtClean="0"/>
+                      <a:endParaRPr lang="ko-KR" altLang="en-US" sz="1000" dirty="0"/>
                     </a:p>
                   </a:txBody>
                   <a:tcPr/>
@@ -6949,7 +7029,7 @@
                     <a:p>
                       <a:pPr latinLnBrk="1"/>
                       <a:r>
-                        <a:rPr lang="en-US" altLang="ko-KR" sz="1000" dirty="0" err="1" smtClean="0"/>
+                        <a:rPr lang="en-US" altLang="ko-KR" sz="1000" dirty="0" err="1"/>
                         <a:t>WebPack</a:t>
                       </a:r>
                       <a:endParaRPr lang="ko-KR" altLang="en-US" sz="1000" dirty="0"/>
@@ -6957,6 +7037,11 @@
                   </a:txBody>
                   <a:tcPr/>
                 </a:tc>
+                <a:extLst>
+                  <a:ext uri="{0D108BD9-81ED-4DB2-BD59-A6C34878D82A}">
+                    <a16:rowId xmlns:a16="http://schemas.microsoft.com/office/drawing/2014/main" val="10009"/>
+                  </a:ext>
+                </a:extLst>
               </a:tr>
               <a:tr h="370840">
                 <a:tc>
@@ -6966,11 +7051,11 @@
                     <a:p>
                       <a:pPr latinLnBrk="1"/>
                       <a:r>
-                        <a:rPr lang="en-US" altLang="ko-KR" sz="1500" dirty="0" smtClean="0"/>
+                        <a:rPr lang="en-US" altLang="ko-KR" sz="1500" dirty="0"/>
                         <a:t>Component</a:t>
                       </a:r>
                       <a:r>
-                        <a:rPr lang="en-US" altLang="ko-KR" sz="1500" baseline="0" dirty="0" smtClean="0"/>
+                        <a:rPr lang="en-US" altLang="ko-KR" sz="1500" baseline="0" dirty="0"/>
                         <a:t> Based</a:t>
                       </a:r>
                       <a:endParaRPr lang="ko-KR" altLang="en-US" sz="1500" dirty="0"/>
@@ -7001,10 +7086,10 @@
                         <a:defRPr/>
                       </a:pPr>
                       <a:r>
-                        <a:rPr lang="en-US" altLang="ko-KR" sz="1000" dirty="0" smtClean="0"/>
+                        <a:rPr lang="en-US" altLang="ko-KR" sz="1000" dirty="0"/>
                         <a:t>O</a:t>
                       </a:r>
-                      <a:endParaRPr lang="ko-KR" altLang="en-US" sz="1000" dirty="0" smtClean="0"/>
+                      <a:endParaRPr lang="ko-KR" altLang="en-US" sz="1000" dirty="0"/>
                     </a:p>
                   </a:txBody>
                   <a:tcPr/>
@@ -7032,10 +7117,10 @@
                         <a:defRPr/>
                       </a:pPr>
                       <a:r>
-                        <a:rPr lang="en-US" altLang="ko-KR" sz="1000" dirty="0" smtClean="0"/>
+                        <a:rPr lang="en-US" altLang="ko-KR" sz="1000" dirty="0"/>
                         <a:t>O</a:t>
                       </a:r>
-                      <a:endParaRPr lang="ko-KR" altLang="en-US" sz="1000" dirty="0" smtClean="0"/>
+                      <a:endParaRPr lang="ko-KR" altLang="en-US" sz="1000" dirty="0"/>
                     </a:p>
                   </a:txBody>
                   <a:tcPr/>
@@ -7047,7 +7132,7 @@
                     <a:p>
                       <a:pPr latinLnBrk="1"/>
                       <a:r>
-                        <a:rPr lang="en-US" altLang="ko-KR" sz="1000" dirty="0" smtClean="0"/>
+                        <a:rPr lang="en-US" altLang="ko-KR" sz="1000" dirty="0"/>
                         <a:t>O</a:t>
                       </a:r>
                       <a:endParaRPr lang="ko-KR" altLang="en-US" sz="1000" dirty="0"/>
@@ -7055,6 +7140,11 @@
                   </a:txBody>
                   <a:tcPr/>
                 </a:tc>
+                <a:extLst>
+                  <a:ext uri="{0D108BD9-81ED-4DB2-BD59-A6C34878D82A}">
+                    <a16:rowId xmlns:a16="http://schemas.microsoft.com/office/drawing/2014/main" val="10010"/>
+                  </a:ext>
+                </a:extLst>
               </a:tr>
             </a:tbl>
           </a:graphicData>
@@ -7082,18 +7172,18 @@
           <a:lstStyle/>
           <a:p>
             <a:r>
-              <a:rPr lang="ko-KR" altLang="en-US" sz="1000" dirty="0" smtClean="0">
+              <a:rPr lang="ko-KR" altLang="en-US" sz="1000" dirty="0">
                 <a:hlinkClick r:id="rId2"/>
               </a:rPr>
               <a:t>참고 사이트</a:t>
             </a:r>
-            <a:endParaRPr lang="en-US" altLang="ko-KR" sz="1000" dirty="0" smtClean="0">
+            <a:endParaRPr lang="en-US" altLang="ko-KR" sz="1000" dirty="0">
               <a:hlinkClick r:id="rId2"/>
             </a:endParaRPr>
           </a:p>
           <a:p>
             <a:r>
-              <a:rPr lang="en-US" altLang="ko-KR" sz="1000" dirty="0" smtClean="0">
+              <a:rPr lang="en-US" altLang="ko-KR" sz="1000" dirty="0">
                 <a:hlinkClick r:id="rId2"/>
               </a:rPr>
               <a:t>https://www.popit.kr/%EB%B2%88%EC%97%AD%EA%B8%80-react-vs-angular-%EB%91%98-%EC%A4%91-%EC%96%B4%EB%96%A4-%EA%B2%83%EC%9D%B4-%EB%8B%B9%EC%8B%A0%EC%9D%98-%ED%94%84%EB%A1%9C%EC%A0%9D%ED%8A%B8%EC%97%90-%EC%95%8C%EB%A7%9E/</a:t>
@@ -7124,7 +7214,7 @@
           <a:lstStyle/>
           <a:p>
             <a:r>
-              <a:rPr lang="en-US" altLang="ko-KR" sz="1500" dirty="0" smtClean="0"/>
+              <a:rPr lang="en-US" altLang="ko-KR" sz="1500" dirty="0"/>
               <a:t>Architecture Compare The Front End Framework</a:t>
             </a:r>
             <a:endParaRPr lang="ko-KR" altLang="en-US" sz="1500" dirty="0"/>
@@ -7136,13 +7226,6 @@
   <p:clrMapOvr>
     <a:masterClrMapping/>
   </p:clrMapOvr>
-  <p:timing>
-    <p:tnLst>
-      <p:par>
-        <p:cTn id="1" dur="indefinite" restart="never" nodeType="tmRoot"/>
-      </p:par>
-    </p:tnLst>
-  </p:timing>
 </p:sld>
 </file>
 
@@ -7206,7 +7289,7 @@
               </a:spcAft>
             </a:pPr>
             <a:r>
-              <a:rPr kumimoji="1" lang="en-US" altLang="ko-KR" sz="900" b="0" i="0" u="none" strike="noStrike" cap="none" normalizeH="0" baseline="0" dirty="0" smtClean="0">
+              <a:rPr kumimoji="1" lang="en-US" altLang="ko-KR" sz="900" b="0" i="0" u="none" strike="noStrike" cap="none" normalizeH="0" baseline="0" dirty="0">
                 <a:ln>
                   <a:noFill/>
                 </a:ln>
@@ -7231,7 +7314,7 @@
               </a:spcAft>
             </a:pPr>
             <a:r>
-              <a:rPr kumimoji="1" lang="en-US" altLang="ko-KR" sz="900" b="0" i="0" u="none" strike="noStrike" cap="none" normalizeH="0" baseline="0" dirty="0" smtClean="0">
+              <a:rPr kumimoji="1" lang="en-US" altLang="ko-KR" sz="900" b="0" i="0" u="none" strike="noStrike" cap="none" normalizeH="0" baseline="0" dirty="0">
                 <a:ln>
                   <a:noFill/>
                 </a:ln>
@@ -7246,7 +7329,7 @@
               <a:t>	&lt;</a:t>
             </a:r>
             <a:r>
-              <a:rPr kumimoji="1" lang="en-US" altLang="ko-KR" sz="900" b="0" i="0" u="none" strike="noStrike" cap="none" normalizeH="0" baseline="0" dirty="0" err="1" smtClean="0">
+              <a:rPr kumimoji="1" lang="en-US" altLang="ko-KR" sz="900" b="0" i="0" u="none" strike="noStrike" cap="none" normalizeH="0" baseline="0" dirty="0" err="1">
                 <a:ln>
                   <a:noFill/>
                 </a:ln>
@@ -7261,7 +7344,7 @@
               <a:t>ul</a:t>
             </a:r>
             <a:r>
-              <a:rPr kumimoji="1" lang="en-US" altLang="ko-KR" sz="900" b="0" i="0" u="none" strike="noStrike" cap="none" normalizeH="0" baseline="0" dirty="0" smtClean="0">
+              <a:rPr kumimoji="1" lang="en-US" altLang="ko-KR" sz="900" b="0" i="0" u="none" strike="noStrike" cap="none" normalizeH="0" baseline="0" dirty="0">
                 <a:ln>
                   <a:noFill/>
                 </a:ln>
@@ -7276,7 +7359,7 @@
               <a:t> :id="$</a:t>
             </a:r>
             <a:r>
-              <a:rPr kumimoji="1" lang="en-US" altLang="ko-KR" sz="900" b="0" i="0" u="none" strike="noStrike" cap="none" normalizeH="0" baseline="0" dirty="0" err="1" smtClean="0">
+              <a:rPr kumimoji="1" lang="en-US" altLang="ko-KR" sz="900" b="0" i="0" u="none" strike="noStrike" cap="none" normalizeH="0" baseline="0" dirty="0" err="1">
                 <a:ln>
                   <a:noFill/>
                 </a:ln>
@@ -7291,7 +7374,7 @@
               <a:t>style.userList</a:t>
             </a:r>
             <a:r>
-              <a:rPr kumimoji="1" lang="en-US" altLang="ko-KR" sz="900" b="0" i="0" u="none" strike="noStrike" cap="none" normalizeH="0" baseline="0" dirty="0" smtClean="0">
+              <a:rPr kumimoji="1" lang="en-US" altLang="ko-KR" sz="900" b="0" i="0" u="none" strike="noStrike" cap="none" normalizeH="0" baseline="0" dirty="0">
                 <a:ln>
                   <a:noFill/>
                 </a:ln>
@@ -7316,7 +7399,7 @@
               </a:spcAft>
             </a:pPr>
             <a:r>
-              <a:rPr kumimoji="1" lang="en-US" altLang="ko-KR" sz="900" b="0" i="0" u="none" strike="noStrike" cap="none" normalizeH="0" baseline="0" dirty="0" smtClean="0">
+              <a:rPr kumimoji="1" lang="en-US" altLang="ko-KR" sz="900" b="0" i="0" u="none" strike="noStrike" cap="none" normalizeH="0" baseline="0" dirty="0">
                 <a:ln>
                   <a:noFill/>
                 </a:ln>
@@ -7331,7 +7414,7 @@
               <a:t>		&lt;</a:t>
             </a:r>
             <a:r>
-              <a:rPr kumimoji="1" lang="en-US" altLang="ko-KR" sz="900" b="0" i="0" u="none" strike="noStrike" cap="none" normalizeH="0" baseline="0" dirty="0" err="1" smtClean="0">
+              <a:rPr kumimoji="1" lang="en-US" altLang="ko-KR" sz="900" b="0" i="0" u="none" strike="noStrike" cap="none" normalizeH="0" baseline="0" dirty="0" err="1">
                 <a:ln>
                   <a:noFill/>
                 </a:ln>
@@ -7346,7 +7429,7 @@
               <a:t>li</a:t>
             </a:r>
             <a:r>
-              <a:rPr kumimoji="1" lang="en-US" altLang="ko-KR" sz="900" b="0" i="0" u="none" strike="noStrike" cap="none" normalizeH="0" baseline="0" dirty="0" smtClean="0">
+              <a:rPr kumimoji="1" lang="en-US" altLang="ko-KR" sz="900" b="0" i="0" u="none" strike="noStrike" cap="none" normalizeH="0" baseline="0" dirty="0">
                 <a:ln>
                   <a:noFill/>
                 </a:ln>
@@ -7379,21 +7462,10 @@
                 <a:ea typeface="SFMono-Regular"/>
                 <a:cs typeface="굴림" pitchFamily="50" charset="-127"/>
               </a:rPr>
-              <a:t>	</a:t>
-            </a:r>
-            <a:r>
-              <a:rPr kumimoji="1" lang="en-US" altLang="ko-KR" sz="900" dirty="0" smtClean="0">
-                <a:solidFill>
-                  <a:srgbClr val="586E75"/>
-                </a:solidFill>
-                <a:latin typeface="Arial Unicode MS" pitchFamily="50" charset="-127"/>
-                <a:ea typeface="SFMono-Regular"/>
-                <a:cs typeface="굴림" pitchFamily="50" charset="-127"/>
-              </a:rPr>
-              <a:t>	</a:t>
-            </a:r>
-            <a:r>
-              <a:rPr kumimoji="1" lang="en-US" altLang="ko-KR" sz="900" b="0" i="0" u="none" strike="noStrike" cap="none" normalizeH="0" baseline="0" dirty="0" smtClean="0">
+              <a:t>		</a:t>
+            </a:r>
+            <a:r>
+              <a:rPr kumimoji="1" lang="en-US" altLang="ko-KR" sz="900" b="0" i="0" u="none" strike="noStrike" cap="none" normalizeH="0" baseline="0" dirty="0">
                 <a:ln>
                   <a:noFill/>
                 </a:ln>
@@ -7426,21 +7498,10 @@
                 <a:ea typeface="SFMono-Regular"/>
                 <a:cs typeface="굴림" pitchFamily="50" charset="-127"/>
               </a:rPr>
-              <a:t>	</a:t>
-            </a:r>
-            <a:r>
-              <a:rPr kumimoji="1" lang="en-US" altLang="ko-KR" sz="900" dirty="0" smtClean="0">
-                <a:solidFill>
-                  <a:srgbClr val="586E75"/>
-                </a:solidFill>
-                <a:latin typeface="Arial Unicode MS" pitchFamily="50" charset="-127"/>
-                <a:ea typeface="SFMono-Regular"/>
-                <a:cs typeface="굴림" pitchFamily="50" charset="-127"/>
-              </a:rPr>
-              <a:t>	</a:t>
-            </a:r>
-            <a:r>
-              <a:rPr kumimoji="1" lang="en-US" altLang="ko-KR" sz="900" b="0" i="0" u="none" strike="noStrike" cap="none" normalizeH="0" baseline="0" dirty="0" smtClean="0">
+              <a:t>		</a:t>
+            </a:r>
+            <a:r>
+              <a:rPr kumimoji="1" lang="en-US" altLang="ko-KR" sz="900" b="0" i="0" u="none" strike="noStrike" cap="none" normalizeH="0" baseline="0" dirty="0">
                 <a:ln>
                   <a:noFill/>
                 </a:ln>
@@ -7473,21 +7534,10 @@
                 <a:ea typeface="SFMono-Regular"/>
                 <a:cs typeface="굴림" pitchFamily="50" charset="-127"/>
               </a:rPr>
-              <a:t>	</a:t>
-            </a:r>
-            <a:r>
-              <a:rPr kumimoji="1" lang="en-US" altLang="ko-KR" sz="900" dirty="0" smtClean="0">
-                <a:solidFill>
-                  <a:srgbClr val="586E75"/>
-                </a:solidFill>
-                <a:latin typeface="Arial Unicode MS" pitchFamily="50" charset="-127"/>
-                <a:ea typeface="SFMono-Regular"/>
-                <a:cs typeface="굴림" pitchFamily="50" charset="-127"/>
-              </a:rPr>
-              <a:t>	</a:t>
-            </a:r>
-            <a:r>
-              <a:rPr kumimoji="1" lang="en-US" altLang="ko-KR" sz="900" b="0" i="0" u="none" strike="noStrike" cap="none" normalizeH="0" baseline="0" dirty="0" smtClean="0">
+              <a:t>		</a:t>
+            </a:r>
+            <a:r>
+              <a:rPr kumimoji="1" lang="en-US" altLang="ko-KR" sz="900" b="0" i="0" u="none" strike="noStrike" cap="none" normalizeH="0" baseline="0" dirty="0">
                 <a:ln>
                   <a:noFill/>
                 </a:ln>
@@ -7502,7 +7552,7 @@
               <a:t>:class="{ [$</a:t>
             </a:r>
             <a:r>
-              <a:rPr kumimoji="1" lang="en-US" altLang="ko-KR" sz="900" b="0" i="0" u="none" strike="noStrike" cap="none" normalizeH="0" baseline="0" dirty="0" err="1" smtClean="0">
+              <a:rPr kumimoji="1" lang="en-US" altLang="ko-KR" sz="900" b="0" i="0" u="none" strike="noStrike" cap="none" normalizeH="0" baseline="0" dirty="0" err="1">
                 <a:ln>
                   <a:noFill/>
                 </a:ln>
@@ -7517,7 +7567,7 @@
               <a:t>style.userItem</a:t>
             </a:r>
             <a:r>
-              <a:rPr kumimoji="1" lang="en-US" altLang="ko-KR" sz="900" b="0" i="0" u="none" strike="noStrike" cap="none" normalizeH="0" baseline="0" dirty="0" smtClean="0">
+              <a:rPr kumimoji="1" lang="en-US" altLang="ko-KR" sz="900" b="0" i="0" u="none" strike="noStrike" cap="none" normalizeH="0" baseline="0" dirty="0">
                 <a:ln>
                   <a:noFill/>
                 </a:ln>
@@ -7532,7 +7582,7 @@
               <a:t>]: true, [$</a:t>
             </a:r>
             <a:r>
-              <a:rPr kumimoji="1" lang="en-US" altLang="ko-KR" sz="900" b="0" i="0" u="none" strike="noStrike" cap="none" normalizeH="0" baseline="0" dirty="0" err="1" smtClean="0">
+              <a:rPr kumimoji="1" lang="en-US" altLang="ko-KR" sz="900" b="0" i="0" u="none" strike="noStrike" cap="none" normalizeH="0" baseline="0" dirty="0" err="1">
                 <a:ln>
                   <a:noFill/>
                 </a:ln>
@@ -7547,7 +7597,7 @@
               <a:t>style.selected</a:t>
             </a:r>
             <a:r>
-              <a:rPr kumimoji="1" lang="en-US" altLang="ko-KR" sz="900" b="0" i="0" u="none" strike="noStrike" cap="none" normalizeH="0" baseline="0" dirty="0" smtClean="0">
+              <a:rPr kumimoji="1" lang="en-US" altLang="ko-KR" sz="900" b="0" i="0" u="none" strike="noStrike" cap="none" normalizeH="0" baseline="0" dirty="0">
                 <a:ln>
                   <a:noFill/>
                 </a:ln>
@@ -7562,7 +7612,7 @@
               <a:t>]: user.id===</a:t>
             </a:r>
             <a:r>
-              <a:rPr kumimoji="1" lang="en-US" altLang="ko-KR" sz="900" b="0" i="0" u="none" strike="noStrike" cap="none" normalizeH="0" baseline="0" dirty="0" err="1" smtClean="0">
+              <a:rPr kumimoji="1" lang="en-US" altLang="ko-KR" sz="900" b="0" i="0" u="none" strike="noStrike" cap="none" normalizeH="0" baseline="0" dirty="0" err="1">
                 <a:ln>
                   <a:noFill/>
                 </a:ln>
@@ -7577,7 +7627,7 @@
               <a:t>selectedUserId</a:t>
             </a:r>
             <a:r>
-              <a:rPr kumimoji="1" lang="en-US" altLang="ko-KR" sz="900" b="0" i="0" u="none" strike="noStrike" cap="none" normalizeH="0" baseline="0" dirty="0" smtClean="0">
+              <a:rPr kumimoji="1" lang="en-US" altLang="ko-KR" sz="900" b="0" i="0" u="none" strike="noStrike" cap="none" normalizeH="0" baseline="0" dirty="0">
                 <a:ln>
                   <a:noFill/>
                 </a:ln>
@@ -7592,7 +7642,7 @@
               <a:t> }"&gt; {{ user.name }} &lt;/</a:t>
             </a:r>
             <a:r>
-              <a:rPr kumimoji="1" lang="en-US" altLang="ko-KR" sz="900" b="0" i="0" u="none" strike="noStrike" cap="none" normalizeH="0" baseline="0" dirty="0" err="1" smtClean="0">
+              <a:rPr kumimoji="1" lang="en-US" altLang="ko-KR" sz="900" b="0" i="0" u="none" strike="noStrike" cap="none" normalizeH="0" baseline="0" dirty="0" err="1">
                 <a:ln>
                   <a:noFill/>
                 </a:ln>
@@ -7607,7 +7657,7 @@
               <a:t>li</a:t>
             </a:r>
             <a:r>
-              <a:rPr kumimoji="1" lang="en-US" altLang="ko-KR" sz="900" b="0" i="0" u="none" strike="noStrike" cap="none" normalizeH="0" baseline="0" dirty="0" smtClean="0">
+              <a:rPr kumimoji="1" lang="en-US" altLang="ko-KR" sz="900" b="0" i="0" u="none" strike="noStrike" cap="none" normalizeH="0" baseline="0" dirty="0">
                 <a:ln>
                   <a:noFill/>
                 </a:ln>
@@ -7632,7 +7682,7 @@
               </a:spcAft>
             </a:pPr>
             <a:r>
-              <a:rPr kumimoji="1" lang="en-US" altLang="ko-KR" sz="900" b="0" i="0" u="none" strike="noStrike" cap="none" normalizeH="0" baseline="0" dirty="0" smtClean="0">
+              <a:rPr kumimoji="1" lang="en-US" altLang="ko-KR" sz="900" b="0" i="0" u="none" strike="noStrike" cap="none" normalizeH="0" baseline="0" dirty="0">
                 <a:ln>
                   <a:noFill/>
                 </a:ln>
@@ -7647,7 +7697,7 @@
               <a:t>	&lt;/</a:t>
             </a:r>
             <a:r>
-              <a:rPr kumimoji="1" lang="en-US" altLang="ko-KR" sz="900" b="0" i="0" u="none" strike="noStrike" cap="none" normalizeH="0" baseline="0" dirty="0" err="1" smtClean="0">
+              <a:rPr kumimoji="1" lang="en-US" altLang="ko-KR" sz="900" b="0" i="0" u="none" strike="noStrike" cap="none" normalizeH="0" baseline="0" dirty="0" err="1">
                 <a:ln>
                   <a:noFill/>
                 </a:ln>
@@ -7662,7 +7712,7 @@
               <a:t>ul</a:t>
             </a:r>
             <a:r>
-              <a:rPr kumimoji="1" lang="en-US" altLang="ko-KR" sz="900" b="0" i="0" u="none" strike="noStrike" cap="none" normalizeH="0" baseline="0" dirty="0" smtClean="0">
+              <a:rPr kumimoji="1" lang="en-US" altLang="ko-KR" sz="900" b="0" i="0" u="none" strike="noStrike" cap="none" normalizeH="0" baseline="0" dirty="0">
                 <a:ln>
                   <a:noFill/>
                 </a:ln>
@@ -7687,7 +7737,7 @@
               </a:spcAft>
             </a:pPr>
             <a:r>
-              <a:rPr kumimoji="1" lang="en-US" altLang="ko-KR" sz="900" b="0" i="0" u="none" strike="noStrike" cap="none" normalizeH="0" baseline="0" dirty="0" smtClean="0">
+              <a:rPr kumimoji="1" lang="en-US" altLang="ko-KR" sz="900" b="0" i="0" u="none" strike="noStrike" cap="none" normalizeH="0" baseline="0" dirty="0">
                 <a:ln>
                   <a:noFill/>
                 </a:ln>
@@ -7712,7 +7762,7 @@
               </a:spcAft>
             </a:pPr>
             <a:r>
-              <a:rPr kumimoji="1" lang="en-US" altLang="ko-KR" sz="900" b="0" i="0" u="none" strike="noStrike" cap="none" normalizeH="0" baseline="0" dirty="0" smtClean="0">
+              <a:rPr kumimoji="1" lang="en-US" altLang="ko-KR" sz="900" b="0" i="0" u="none" strike="noStrike" cap="none" normalizeH="0" baseline="0" dirty="0">
                 <a:ln>
                   <a:noFill/>
                 </a:ln>
@@ -7727,7 +7777,7 @@
               <a:t>&lt;script&gt; export default { data() { return { </a:t>
             </a:r>
             <a:r>
-              <a:rPr kumimoji="1" lang="en-US" altLang="ko-KR" sz="900" b="0" i="0" u="none" strike="noStrike" cap="none" normalizeH="0" baseline="0" dirty="0" err="1" smtClean="0">
+              <a:rPr kumimoji="1" lang="en-US" altLang="ko-KR" sz="900" b="0" i="0" u="none" strike="noStrike" cap="none" normalizeH="0" baseline="0" dirty="0" err="1">
                 <a:ln>
                   <a:noFill/>
                 </a:ln>
@@ -7742,7 +7792,7 @@
               <a:t>selectedUserId</a:t>
             </a:r>
             <a:r>
-              <a:rPr kumimoji="1" lang="en-US" altLang="ko-KR" sz="900" b="0" i="0" u="none" strike="noStrike" cap="none" normalizeH="0" baseline="0" dirty="0" smtClean="0">
+              <a:rPr kumimoji="1" lang="en-US" altLang="ko-KR" sz="900" b="0" i="0" u="none" strike="noStrike" cap="none" normalizeH="0" baseline="0" dirty="0">
                 <a:ln>
                   <a:noFill/>
                 </a:ln>
@@ -7767,7 +7817,7 @@
               </a:spcAft>
             </a:pPr>
             <a:r>
-              <a:rPr kumimoji="1" lang="en-US" altLang="ko-KR" sz="900" b="0" i="0" u="none" strike="noStrike" cap="none" normalizeH="0" baseline="0" dirty="0" smtClean="0">
+              <a:rPr kumimoji="1" lang="en-US" altLang="ko-KR" sz="900" b="0" i="0" u="none" strike="noStrike" cap="none" normalizeH="0" baseline="0" dirty="0">
                 <a:ln>
                   <a:noFill/>
                 </a:ln>
@@ -7792,7 +7842,7 @@
               </a:spcAft>
             </a:pPr>
             <a:r>
-              <a:rPr kumimoji="1" lang="en-US" altLang="ko-KR" sz="900" b="0" i="0" u="none" strike="noStrike" cap="none" normalizeH="0" baseline="0" dirty="0" smtClean="0">
+              <a:rPr kumimoji="1" lang="en-US" altLang="ko-KR" sz="900" b="0" i="0" u="none" strike="noStrike" cap="none" normalizeH="0" baseline="0" dirty="0">
                 <a:ln>
                   <a:noFill/>
                 </a:ln>
@@ -7817,7 +7867,7 @@
               </a:spcAft>
             </a:pPr>
             <a:r>
-              <a:rPr kumimoji="1" lang="en-US" altLang="ko-KR" sz="900" b="0" i="0" u="none" strike="noStrike" cap="none" normalizeH="0" baseline="0" dirty="0" smtClean="0">
+              <a:rPr kumimoji="1" lang="en-US" altLang="ko-KR" sz="900" b="0" i="0" u="none" strike="noStrike" cap="none" normalizeH="0" baseline="0" dirty="0">
                 <a:ln>
                   <a:noFill/>
                 </a:ln>
@@ -7841,7 +7891,7 @@
                 <a:spcPct val="0"/>
               </a:spcAft>
             </a:pPr>
-            <a:endParaRPr kumimoji="1" lang="en-US" altLang="ko-KR" sz="1800" b="0" i="0" u="none" strike="noStrike" cap="none" normalizeH="0" baseline="0" dirty="0" smtClean="0">
+            <a:endParaRPr kumimoji="1" lang="en-US" altLang="ko-KR" sz="1800" b="0" i="0" u="none" strike="noStrike" cap="none" normalizeH="0" baseline="0" dirty="0">
               <a:ln>
                 <a:noFill/>
               </a:ln>
@@ -7864,7 +7914,7 @@
               </a:spcAft>
             </a:pPr>
             <a:r>
-              <a:rPr kumimoji="1" lang="ko-KR" altLang="ko-KR" sz="1800" b="0" i="0" u="none" strike="noStrike" cap="none" normalizeH="0" baseline="0" dirty="0" smtClean="0">
+              <a:rPr kumimoji="1" lang="ko-KR" altLang="ko-KR" sz="1800" b="0" i="0" u="none" strike="noStrike" cap="none" normalizeH="0" baseline="0" dirty="0">
                 <a:ln>
                   <a:noFill/>
                 </a:ln>
@@ -7879,7 +7929,7 @@
               <a:t>React</a:t>
             </a:r>
             <a:r>
-              <a:rPr kumimoji="1" lang="ko-KR" sz="1800" b="0" i="0" u="none" strike="noStrike" cap="none" normalizeH="0" baseline="0" dirty="0" smtClean="0">
+              <a:rPr kumimoji="1" lang="ko-KR" sz="1800" b="0" i="0" u="none" strike="noStrike" cap="none" normalizeH="0" baseline="0" dirty="0">
                 <a:ln>
                   <a:noFill/>
                 </a:ln>
@@ -7894,7 +7944,7 @@
               <a:t>를 사용한다면 이 컴포넌트를 대략 아래와 같이 작성할 것이다</a:t>
             </a:r>
             <a:r>
-              <a:rPr kumimoji="1" lang="ko-KR" altLang="ko-KR" sz="1800" b="0" i="0" u="none" strike="noStrike" cap="none" normalizeH="0" baseline="0" dirty="0" smtClean="0">
+              <a:rPr kumimoji="1" lang="ko-KR" altLang="ko-KR" sz="1800" b="0" i="0" u="none" strike="noStrike" cap="none" normalizeH="0" baseline="0" dirty="0">
                 <a:ln>
                   <a:noFill/>
                 </a:ln>
@@ -7908,7 +7958,7 @@
               </a:rPr>
               <a:t>.</a:t>
             </a:r>
-            <a:endParaRPr kumimoji="1" lang="en-US" altLang="ko-KR" sz="1800" b="0" i="0" u="none" strike="noStrike" cap="none" normalizeH="0" baseline="0" dirty="0" smtClean="0">
+            <a:endParaRPr kumimoji="1" lang="en-US" altLang="ko-KR" sz="1800" b="0" i="0" u="none" strike="noStrike" cap="none" normalizeH="0" baseline="0" dirty="0">
               <a:ln>
                 <a:noFill/>
               </a:ln>
@@ -7930,7 +7980,7 @@
                 <a:spcPct val="0"/>
               </a:spcAft>
             </a:pPr>
-            <a:endParaRPr kumimoji="1" lang="ko-KR" altLang="ko-KR" sz="1800" b="0" i="0" u="none" strike="noStrike" cap="none" normalizeH="0" baseline="0" dirty="0" smtClean="0">
+            <a:endParaRPr kumimoji="1" lang="ko-KR" altLang="ko-KR" sz="1800" b="0" i="0" u="none" strike="noStrike" cap="none" normalizeH="0" baseline="0" dirty="0">
               <a:ln>
                 <a:noFill/>
               </a:ln>
@@ -7953,7 +8003,7 @@
               </a:spcAft>
             </a:pPr>
             <a:r>
-              <a:rPr kumimoji="1" lang="en-US" altLang="ko-KR" sz="900" b="0" i="0" u="none" strike="noStrike" cap="none" normalizeH="0" baseline="0" dirty="0" smtClean="0">
+              <a:rPr kumimoji="1" lang="en-US" altLang="ko-KR" sz="900" b="0" i="0" u="none" strike="noStrike" cap="none" normalizeH="0" baseline="0" dirty="0">
                 <a:ln>
                   <a:noFill/>
                 </a:ln>
@@ -7968,7 +8018,7 @@
               <a:t>import React, { Component } from 'react' import </a:t>
             </a:r>
             <a:r>
-              <a:rPr kumimoji="1" lang="en-US" altLang="ko-KR" sz="900" b="0" i="0" u="none" strike="noStrike" cap="none" normalizeH="0" baseline="0" dirty="0" err="1" smtClean="0">
+              <a:rPr kumimoji="1" lang="en-US" altLang="ko-KR" sz="900" b="0" i="0" u="none" strike="noStrike" cap="none" normalizeH="0" baseline="0" dirty="0" err="1">
                 <a:ln>
                   <a:noFill/>
                 </a:ln>
@@ -7983,7 +8033,7 @@
               <a:t>classNames</a:t>
             </a:r>
             <a:r>
-              <a:rPr kumimoji="1" lang="en-US" altLang="ko-KR" sz="900" b="0" i="0" u="none" strike="noStrike" cap="none" normalizeH="0" baseline="0" dirty="0" smtClean="0">
+              <a:rPr kumimoji="1" lang="en-US" altLang="ko-KR" sz="900" b="0" i="0" u="none" strike="noStrike" cap="none" normalizeH="0" baseline="0" dirty="0">
                 <a:ln>
                   <a:noFill/>
                 </a:ln>
@@ -7998,7 +8048,7 @@
               <a:t> from '</a:t>
             </a:r>
             <a:r>
-              <a:rPr kumimoji="1" lang="en-US" altLang="ko-KR" sz="900" b="0" i="0" u="none" strike="noStrike" cap="none" normalizeH="0" baseline="0" dirty="0" err="1" smtClean="0">
+              <a:rPr kumimoji="1" lang="en-US" altLang="ko-KR" sz="900" b="0" i="0" u="none" strike="noStrike" cap="none" normalizeH="0" baseline="0" dirty="0" err="1">
                 <a:ln>
                   <a:noFill/>
                 </a:ln>
@@ -8013,7 +8063,7 @@
               <a:t>classnames</a:t>
             </a:r>
             <a:r>
-              <a:rPr kumimoji="1" lang="en-US" altLang="ko-KR" sz="900" b="0" i="0" u="none" strike="noStrike" cap="none" normalizeH="0" baseline="0" dirty="0" smtClean="0">
+              <a:rPr kumimoji="1" lang="en-US" altLang="ko-KR" sz="900" b="0" i="0" u="none" strike="noStrike" cap="none" normalizeH="0" baseline="0" dirty="0">
                 <a:ln>
                   <a:noFill/>
                 </a:ln>
@@ -8028,7 +8078,7 @@
               <a:t>' import * as styles from './UserList.css' const </a:t>
             </a:r>
             <a:r>
-              <a:rPr kumimoji="1" lang="en-US" altLang="ko-KR" sz="900" b="0" i="0" u="none" strike="noStrike" cap="none" normalizeH="0" baseline="0" dirty="0" err="1" smtClean="0">
+              <a:rPr kumimoji="1" lang="en-US" altLang="ko-KR" sz="900" b="0" i="0" u="none" strike="noStrike" cap="none" normalizeH="0" baseline="0" dirty="0" err="1">
                 <a:ln>
                   <a:noFill/>
                 </a:ln>
@@ -8043,7 +8093,7 @@
               <a:t>UserItem</a:t>
             </a:r>
             <a:r>
-              <a:rPr kumimoji="1" lang="en-US" altLang="ko-KR" sz="900" b="0" i="0" u="none" strike="noStrike" cap="none" normalizeH="0" baseline="0" dirty="0" smtClean="0">
+              <a:rPr kumimoji="1" lang="en-US" altLang="ko-KR" sz="900" b="0" i="0" u="none" strike="noStrike" cap="none" normalizeH="0" baseline="0" dirty="0">
                 <a:ln>
                   <a:noFill/>
                 </a:ln>
@@ -8068,7 +8118,7 @@
               </a:spcAft>
             </a:pPr>
             <a:r>
-              <a:rPr kumimoji="1" lang="en-US" altLang="ko-KR" sz="900" b="0" i="0" u="none" strike="noStrike" cap="none" normalizeH="0" baseline="0" dirty="0" smtClean="0">
+              <a:rPr kumimoji="1" lang="en-US" altLang="ko-KR" sz="900" b="0" i="0" u="none" strike="noStrike" cap="none" normalizeH="0" baseline="0" dirty="0">
                 <a:ln>
                   <a:noFill/>
                 </a:ln>
@@ -8083,7 +8133,7 @@
               <a:t>&lt;</a:t>
             </a:r>
             <a:r>
-              <a:rPr kumimoji="1" lang="en-US" altLang="ko-KR" sz="900" b="0" i="0" u="none" strike="noStrike" cap="none" normalizeH="0" baseline="0" dirty="0" err="1" smtClean="0">
+              <a:rPr kumimoji="1" lang="en-US" altLang="ko-KR" sz="900" b="0" i="0" u="none" strike="noStrike" cap="none" normalizeH="0" baseline="0" dirty="0" err="1">
                 <a:ln>
                   <a:noFill/>
                 </a:ln>
@@ -8098,7 +8148,7 @@
               <a:t>li</a:t>
             </a:r>
             <a:r>
-              <a:rPr kumimoji="1" lang="en-US" altLang="ko-KR" sz="900" b="0" i="0" u="none" strike="noStrike" cap="none" normalizeH="0" baseline="0" dirty="0" smtClean="0">
+              <a:rPr kumimoji="1" lang="en-US" altLang="ko-KR" sz="900" b="0" i="0" u="none" strike="noStrike" cap="none" normalizeH="0" baseline="0" dirty="0">
                 <a:ln>
                   <a:noFill/>
                 </a:ln>
@@ -8113,7 +8163,7 @@
               <a:t> </a:t>
             </a:r>
             <a:r>
-              <a:rPr kumimoji="1" lang="en-US" altLang="ko-KR" sz="900" b="0" i="0" u="none" strike="noStrike" cap="none" normalizeH="0" baseline="0" dirty="0" err="1" smtClean="0">
+              <a:rPr kumimoji="1" lang="en-US" altLang="ko-KR" sz="900" b="0" i="0" u="none" strike="noStrike" cap="none" normalizeH="0" baseline="0" dirty="0" err="1">
                 <a:ln>
                   <a:noFill/>
                 </a:ln>
@@ -8128,7 +8178,7 @@
               <a:t>classname</a:t>
             </a:r>
             <a:r>
-              <a:rPr kumimoji="1" lang="en-US" altLang="ko-KR" sz="900" b="0" i="0" u="none" strike="noStrike" cap="none" normalizeH="0" baseline="0" dirty="0" smtClean="0">
+              <a:rPr kumimoji="1" lang="en-US" altLang="ko-KR" sz="900" b="0" i="0" u="none" strike="noStrike" cap="none" normalizeH="0" baseline="0" dirty="0">
                 <a:ln>
                   <a:noFill/>
                 </a:ln>
@@ -8143,7 +8193,7 @@
               <a:t>={</a:t>
             </a:r>
             <a:r>
-              <a:rPr kumimoji="1" lang="en-US" altLang="ko-KR" sz="900" b="0" i="0" u="none" strike="noStrike" cap="none" normalizeH="0" baseline="0" dirty="0" err="1" smtClean="0">
+              <a:rPr kumimoji="1" lang="en-US" altLang="ko-KR" sz="900" b="0" i="0" u="none" strike="noStrike" cap="none" normalizeH="0" baseline="0" dirty="0" err="1">
                 <a:ln>
                   <a:noFill/>
                 </a:ln>
@@ -8158,7 +8208,7 @@
               <a:t>classNames</a:t>
             </a:r>
             <a:r>
-              <a:rPr kumimoji="1" lang="en-US" altLang="ko-KR" sz="900" b="0" i="0" u="none" strike="noStrike" cap="none" normalizeH="0" baseline="0" dirty="0" smtClean="0">
+              <a:rPr kumimoji="1" lang="en-US" altLang="ko-KR" sz="900" b="0" i="0" u="none" strike="noStrike" cap="none" normalizeH="0" baseline="0" dirty="0">
                 <a:ln>
                   <a:noFill/>
                 </a:ln>
@@ -8173,7 +8223,7 @@
               <a:t>(</a:t>
             </a:r>
             <a:r>
-              <a:rPr kumimoji="1" lang="en-US" altLang="ko-KR" sz="900" b="0" i="0" u="none" strike="noStrike" cap="none" normalizeH="0" baseline="0" dirty="0" err="1" smtClean="0">
+              <a:rPr kumimoji="1" lang="en-US" altLang="ko-KR" sz="900" b="0" i="0" u="none" strike="noStrike" cap="none" normalizeH="0" baseline="0" dirty="0" err="1">
                 <a:ln>
                   <a:noFill/>
                 </a:ln>
@@ -8188,7 +8238,7 @@
               <a:t>style.userItem</a:t>
             </a:r>
             <a:r>
-              <a:rPr kumimoji="1" lang="en-US" altLang="ko-KR" sz="900" b="0" i="0" u="none" strike="noStrike" cap="none" normalizeH="0" baseline="0" dirty="0" smtClean="0">
+              <a:rPr kumimoji="1" lang="en-US" altLang="ko-KR" sz="900" b="0" i="0" u="none" strike="noStrike" cap="none" normalizeH="0" baseline="0" dirty="0">
                 <a:ln>
                   <a:noFill/>
                 </a:ln>
@@ -8203,7 +8253,7 @@
               <a:t>, { [</a:t>
             </a:r>
             <a:r>
-              <a:rPr kumimoji="1" lang="en-US" altLang="ko-KR" sz="900" b="0" i="0" u="none" strike="noStrike" cap="none" normalizeH="0" baseline="0" dirty="0" err="1" smtClean="0">
+              <a:rPr kumimoji="1" lang="en-US" altLang="ko-KR" sz="900" b="0" i="0" u="none" strike="noStrike" cap="none" normalizeH="0" baseline="0" dirty="0" err="1">
                 <a:ln>
                   <a:noFill/>
                 </a:ln>
@@ -8218,7 +8268,7 @@
               <a:t>style.selected</a:t>
             </a:r>
             <a:r>
-              <a:rPr kumimoji="1" lang="en-US" altLang="ko-KR" sz="900" b="0" i="0" u="none" strike="noStrike" cap="none" normalizeH="0" baseline="0" dirty="0" smtClean="0">
+              <a:rPr kumimoji="1" lang="en-US" altLang="ko-KR" sz="900" b="0" i="0" u="none" strike="noStrike" cap="none" normalizeH="0" baseline="0" dirty="0">
                 <a:ln>
                   <a:noFill/>
                 </a:ln>
@@ -8233,7 +8283,7 @@
               <a:t>]: selected })}&gt; { user.name } &lt;/</a:t>
             </a:r>
             <a:r>
-              <a:rPr kumimoji="1" lang="en-US" altLang="ko-KR" sz="900" b="0" i="0" u="none" strike="noStrike" cap="none" normalizeH="0" baseline="0" dirty="0" err="1" smtClean="0">
+              <a:rPr kumimoji="1" lang="en-US" altLang="ko-KR" sz="900" b="0" i="0" u="none" strike="noStrike" cap="none" normalizeH="0" baseline="0" dirty="0" err="1">
                 <a:ln>
                   <a:noFill/>
                 </a:ln>
@@ -8248,7 +8298,7 @@
               <a:t>li</a:t>
             </a:r>
             <a:r>
-              <a:rPr kumimoji="1" lang="en-US" altLang="ko-KR" sz="900" b="0" i="0" u="none" strike="noStrike" cap="none" normalizeH="0" baseline="0" dirty="0" smtClean="0">
+              <a:rPr kumimoji="1" lang="en-US" altLang="ko-KR" sz="900" b="0" i="0" u="none" strike="noStrike" cap="none" normalizeH="0" baseline="0" dirty="0">
                 <a:ln>
                   <a:noFill/>
                 </a:ln>
@@ -8273,7 +8323,7 @@
               </a:spcAft>
             </a:pPr>
             <a:r>
-              <a:rPr kumimoji="1" lang="en-US" altLang="ko-KR" sz="900" b="0" i="0" u="none" strike="noStrike" cap="none" normalizeH="0" baseline="0" dirty="0" smtClean="0">
+              <a:rPr kumimoji="1" lang="en-US" altLang="ko-KR" sz="900" b="0" i="0" u="none" strike="noStrike" cap="none" normalizeH="0" baseline="0" dirty="0">
                 <a:ln>
                   <a:noFill/>
                 </a:ln>
@@ -8288,7 +8338,7 @@
               <a:t> ) export default class </a:t>
             </a:r>
             <a:r>
-              <a:rPr kumimoji="1" lang="en-US" altLang="ko-KR" sz="900" b="0" i="0" u="none" strike="noStrike" cap="none" normalizeH="0" baseline="0" dirty="0" err="1" smtClean="0">
+              <a:rPr kumimoji="1" lang="en-US" altLang="ko-KR" sz="900" b="0" i="0" u="none" strike="noStrike" cap="none" normalizeH="0" baseline="0" dirty="0" err="1">
                 <a:ln>
                   <a:noFill/>
                 </a:ln>
@@ -8303,7 +8353,7 @@
               <a:t>UserList</a:t>
             </a:r>
             <a:r>
-              <a:rPr kumimoji="1" lang="en-US" altLang="ko-KR" sz="900" b="0" i="0" u="none" strike="noStrike" cap="none" normalizeH="0" baseline="0" dirty="0" smtClean="0">
+              <a:rPr kumimoji="1" lang="en-US" altLang="ko-KR" sz="900" b="0" i="0" u="none" strike="noStrike" cap="none" normalizeH="0" baseline="0" dirty="0">
                 <a:ln>
                   <a:noFill/>
                 </a:ln>
@@ -8318,7 +8368,7 @@
               <a:t> extends Component { constructor(props) { super(props) </a:t>
             </a:r>
             <a:r>
-              <a:rPr kumimoji="1" lang="en-US" altLang="ko-KR" sz="900" b="0" i="0" u="none" strike="noStrike" cap="none" normalizeH="0" baseline="0" dirty="0" err="1" smtClean="0">
+              <a:rPr kumimoji="1" lang="en-US" altLang="ko-KR" sz="900" b="0" i="0" u="none" strike="noStrike" cap="none" normalizeH="0" baseline="0" dirty="0" err="1">
                 <a:ln>
                   <a:noFill/>
                 </a:ln>
@@ -8333,7 +8383,7 @@
               <a:t>this.state</a:t>
             </a:r>
             <a:r>
-              <a:rPr kumimoji="1" lang="en-US" altLang="ko-KR" sz="900" b="0" i="0" u="none" strike="noStrike" cap="none" normalizeH="0" baseline="0" dirty="0" smtClean="0">
+              <a:rPr kumimoji="1" lang="en-US" altLang="ko-KR" sz="900" b="0" i="0" u="none" strike="noStrike" cap="none" normalizeH="0" baseline="0" dirty="0">
                 <a:ln>
                   <a:noFill/>
                 </a:ln>
@@ -8348,7 +8398,7 @@
               <a:t> = { </a:t>
             </a:r>
             <a:r>
-              <a:rPr kumimoji="1" lang="en-US" altLang="ko-KR" sz="900" b="0" i="0" u="none" strike="noStrike" cap="none" normalizeH="0" baseline="0" dirty="0" err="1" smtClean="0">
+              <a:rPr kumimoji="1" lang="en-US" altLang="ko-KR" sz="900" b="0" i="0" u="none" strike="noStrike" cap="none" normalizeH="0" baseline="0" dirty="0" err="1">
                 <a:ln>
                   <a:noFill/>
                 </a:ln>
@@ -8363,7 +8413,7 @@
               <a:t>selectedUserId</a:t>
             </a:r>
             <a:r>
-              <a:rPr kumimoji="1" lang="en-US" altLang="ko-KR" sz="900" b="0" i="0" u="none" strike="noStrike" cap="none" normalizeH="0" baseline="0" dirty="0" smtClean="0">
+              <a:rPr kumimoji="1" lang="en-US" altLang="ko-KR" sz="900" b="0" i="0" u="none" strike="noStrike" cap="none" normalizeH="0" baseline="0" dirty="0">
                 <a:ln>
                   <a:noFill/>
                 </a:ln>
@@ -8378,7 +8428,7 @@
               <a:t>: undefined } } render() { const { users } = </a:t>
             </a:r>
             <a:r>
-              <a:rPr kumimoji="1" lang="en-US" altLang="ko-KR" sz="900" b="0" i="0" u="none" strike="noStrike" cap="none" normalizeH="0" baseline="0" dirty="0" err="1" smtClean="0">
+              <a:rPr kumimoji="1" lang="en-US" altLang="ko-KR" sz="900" b="0" i="0" u="none" strike="noStrike" cap="none" normalizeH="0" baseline="0" dirty="0" err="1">
                 <a:ln>
                   <a:noFill/>
                 </a:ln>
@@ -8393,7 +8443,7 @@
               <a:t>this.props</a:t>
             </a:r>
             <a:r>
-              <a:rPr kumimoji="1" lang="en-US" altLang="ko-KR" sz="900" b="0" i="0" u="none" strike="noStrike" cap="none" normalizeH="0" baseline="0" dirty="0" smtClean="0">
+              <a:rPr kumimoji="1" lang="en-US" altLang="ko-KR" sz="900" b="0" i="0" u="none" strike="noStrike" cap="none" normalizeH="0" baseline="0" dirty="0">
                 <a:ln>
                   <a:noFill/>
                 </a:ln>
@@ -8408,7 +8458,7 @@
               <a:t> const { </a:t>
             </a:r>
             <a:r>
-              <a:rPr kumimoji="1" lang="en-US" altLang="ko-KR" sz="900" b="0" i="0" u="none" strike="noStrike" cap="none" normalizeH="0" baseline="0" dirty="0" err="1" smtClean="0">
+              <a:rPr kumimoji="1" lang="en-US" altLang="ko-KR" sz="900" b="0" i="0" u="none" strike="noStrike" cap="none" normalizeH="0" baseline="0" dirty="0" err="1">
                 <a:ln>
                   <a:noFill/>
                 </a:ln>
@@ -8423,7 +8473,7 @@
               <a:t>selectedUserId</a:t>
             </a:r>
             <a:r>
-              <a:rPr kumimoji="1" lang="en-US" altLang="ko-KR" sz="900" b="0" i="0" u="none" strike="noStrike" cap="none" normalizeH="0" baseline="0" dirty="0" smtClean="0">
+              <a:rPr kumimoji="1" lang="en-US" altLang="ko-KR" sz="900" b="0" i="0" u="none" strike="noStrike" cap="none" normalizeH="0" baseline="0" dirty="0">
                 <a:ln>
                   <a:noFill/>
                 </a:ln>
@@ -8438,7 +8488,7 @@
               <a:t> } = </a:t>
             </a:r>
             <a:r>
-              <a:rPr kumimoji="1" lang="en-US" altLang="ko-KR" sz="900" b="0" i="0" u="none" strike="noStrike" cap="none" normalizeH="0" baseline="0" dirty="0" err="1" smtClean="0">
+              <a:rPr kumimoji="1" lang="en-US" altLang="ko-KR" sz="900" b="0" i="0" u="none" strike="noStrike" cap="none" normalizeH="0" baseline="0" dirty="0" err="1">
                 <a:ln>
                   <a:noFill/>
                 </a:ln>
@@ -8453,7 +8503,7 @@
               <a:t>this.state</a:t>
             </a:r>
             <a:r>
-              <a:rPr kumimoji="1" lang="en-US" altLang="ko-KR" sz="900" b="0" i="0" u="none" strike="noStrike" cap="none" normalizeH="0" baseline="0" dirty="0" smtClean="0">
+              <a:rPr kumimoji="1" lang="en-US" altLang="ko-KR" sz="900" b="0" i="0" u="none" strike="noStrike" cap="none" normalizeH="0" baseline="0" dirty="0">
                 <a:ln>
                   <a:noFill/>
                 </a:ln>
@@ -8478,7 +8528,7 @@
               </a:spcAft>
             </a:pPr>
             <a:r>
-              <a:rPr kumimoji="1" lang="en-US" altLang="ko-KR" sz="900" b="0" i="0" u="none" strike="noStrike" cap="none" normalizeH="0" baseline="0" dirty="0" smtClean="0">
+              <a:rPr kumimoji="1" lang="en-US" altLang="ko-KR" sz="900" b="0" i="0" u="none" strike="noStrike" cap="none" normalizeH="0" baseline="0" dirty="0">
                 <a:ln>
                   <a:noFill/>
                 </a:ln>
@@ -8493,7 +8543,7 @@
               <a:t>&lt;</a:t>
             </a:r>
             <a:r>
-              <a:rPr kumimoji="1" lang="en-US" altLang="ko-KR" sz="900" b="0" i="0" u="none" strike="noStrike" cap="none" normalizeH="0" baseline="0" dirty="0" err="1" smtClean="0">
+              <a:rPr kumimoji="1" lang="en-US" altLang="ko-KR" sz="900" b="0" i="0" u="none" strike="noStrike" cap="none" normalizeH="0" baseline="0" dirty="0" err="1">
                 <a:ln>
                   <a:noFill/>
                 </a:ln>
@@ -8508,7 +8558,7 @@
               <a:t>ul</a:t>
             </a:r>
             <a:r>
-              <a:rPr kumimoji="1" lang="en-US" altLang="ko-KR" sz="900" b="0" i="0" u="none" strike="noStrike" cap="none" normalizeH="0" baseline="0" dirty="0" smtClean="0">
+              <a:rPr kumimoji="1" lang="en-US" altLang="ko-KR" sz="900" b="0" i="0" u="none" strike="noStrike" cap="none" normalizeH="0" baseline="0" dirty="0">
                 <a:ln>
                   <a:noFill/>
                 </a:ln>
@@ -8523,7 +8573,7 @@
               <a:t> </a:t>
             </a:r>
             <a:r>
-              <a:rPr kumimoji="1" lang="en-US" altLang="ko-KR" sz="900" b="0" i="0" u="none" strike="noStrike" cap="none" normalizeH="0" baseline="0" dirty="0" err="1" smtClean="0">
+              <a:rPr kumimoji="1" lang="en-US" altLang="ko-KR" sz="900" b="0" i="0" u="none" strike="noStrike" cap="none" normalizeH="0" baseline="0" dirty="0" err="1">
                 <a:ln>
                   <a:noFill/>
                 </a:ln>
@@ -8538,7 +8588,7 @@
               <a:t>classname</a:t>
             </a:r>
             <a:r>
-              <a:rPr kumimoji="1" lang="en-US" altLang="ko-KR" sz="900" b="0" i="0" u="none" strike="noStrike" cap="none" normalizeH="0" baseline="0" dirty="0" smtClean="0">
+              <a:rPr kumimoji="1" lang="en-US" altLang="ko-KR" sz="900" b="0" i="0" u="none" strike="noStrike" cap="none" normalizeH="0" baseline="0" dirty="0">
                 <a:ln>
                   <a:noFill/>
                 </a:ln>
@@ -8553,7 +8603,7 @@
               <a:t>={</a:t>
             </a:r>
             <a:r>
-              <a:rPr kumimoji="1" lang="en-US" altLang="ko-KR" sz="900" b="0" i="0" u="none" strike="noStrike" cap="none" normalizeH="0" baseline="0" dirty="0" err="1" smtClean="0">
+              <a:rPr kumimoji="1" lang="en-US" altLang="ko-KR" sz="900" b="0" i="0" u="none" strike="noStrike" cap="none" normalizeH="0" baseline="0" dirty="0" err="1">
                 <a:ln>
                   <a:noFill/>
                 </a:ln>
@@ -8568,7 +8618,7 @@
               <a:t>styles.userList</a:t>
             </a:r>
             <a:r>
-              <a:rPr kumimoji="1" lang="en-US" altLang="ko-KR" sz="900" b="0" i="0" u="none" strike="noStrike" cap="none" normalizeH="0" baseline="0" dirty="0" smtClean="0">
+              <a:rPr kumimoji="1" lang="en-US" altLang="ko-KR" sz="900" b="0" i="0" u="none" strike="noStrike" cap="none" normalizeH="0" baseline="0" dirty="0">
                 <a:ln>
                   <a:noFill/>
                 </a:ln>
@@ -8593,7 +8643,7 @@
               </a:spcAft>
             </a:pPr>
             <a:r>
-              <a:rPr kumimoji="1" lang="en-US" altLang="ko-KR" sz="900" b="0" i="0" u="none" strike="noStrike" cap="none" normalizeH="0" baseline="0" dirty="0" smtClean="0">
+              <a:rPr kumimoji="1" lang="en-US" altLang="ko-KR" sz="900" b="0" i="0" u="none" strike="noStrike" cap="none" normalizeH="0" baseline="0" dirty="0">
                 <a:ln>
                   <a:noFill/>
                 </a:ln>
@@ -8618,7 +8668,7 @@
               </a:spcAft>
             </a:pPr>
             <a:r>
-              <a:rPr kumimoji="1" lang="en-US" altLang="ko-KR" sz="900" b="0" i="0" u="none" strike="noStrike" cap="none" normalizeH="0" baseline="0" dirty="0" smtClean="0">
+              <a:rPr kumimoji="1" lang="en-US" altLang="ko-KR" sz="900" b="0" i="0" u="none" strike="noStrike" cap="none" normalizeH="0" baseline="0" dirty="0">
                 <a:ln>
                   <a:noFill/>
                 </a:ln>
@@ -8633,7 +8683,7 @@
               <a:t>	&lt;</a:t>
             </a:r>
             <a:r>
-              <a:rPr kumimoji="1" lang="en-US" altLang="ko-KR" sz="900" b="0" i="0" u="none" strike="noStrike" cap="none" normalizeH="0" baseline="0" dirty="0" err="1" smtClean="0">
+              <a:rPr kumimoji="1" lang="en-US" altLang="ko-KR" sz="900" b="0" i="0" u="none" strike="noStrike" cap="none" normalizeH="0" baseline="0" dirty="0" err="1">
                 <a:ln>
                   <a:noFill/>
                 </a:ln>
@@ -8648,7 +8698,7 @@
               <a:t>li</a:t>
             </a:r>
             <a:r>
-              <a:rPr kumimoji="1" lang="en-US" altLang="ko-KR" sz="900" b="0" i="0" u="none" strike="noStrike" cap="none" normalizeH="0" baseline="0" dirty="0" smtClean="0">
+              <a:rPr kumimoji="1" lang="en-US" altLang="ko-KR" sz="900" b="0" i="0" u="none" strike="noStrike" cap="none" normalizeH="0" baseline="0" dirty="0">
                 <a:ln>
                   <a:noFill/>
                 </a:ln>
@@ -8663,7 +8713,7 @@
               <a:t> </a:t>
             </a:r>
             <a:r>
-              <a:rPr kumimoji="1" lang="en-US" altLang="ko-KR" sz="900" b="0" i="0" u="none" strike="noStrike" cap="none" normalizeH="0" baseline="0" dirty="0" err="1" smtClean="0">
+              <a:rPr kumimoji="1" lang="en-US" altLang="ko-KR" sz="900" b="0" i="0" u="none" strike="noStrike" cap="none" normalizeH="0" baseline="0" dirty="0" err="1">
                 <a:ln>
                   <a:noFill/>
                 </a:ln>
@@ -8678,7 +8728,7 @@
               <a:t>classname</a:t>
             </a:r>
             <a:r>
-              <a:rPr kumimoji="1" lang="en-US" altLang="ko-KR" sz="900" b="0" i="0" u="none" strike="noStrike" cap="none" normalizeH="0" baseline="0" dirty="0" smtClean="0">
+              <a:rPr kumimoji="1" lang="en-US" altLang="ko-KR" sz="900" b="0" i="0" u="none" strike="noStrike" cap="none" normalizeH="0" baseline="0" dirty="0">
                 <a:ln>
                   <a:noFill/>
                 </a:ln>
@@ -8693,7 +8743,7 @@
               <a:t>={</a:t>
             </a:r>
             <a:r>
-              <a:rPr kumimoji="1" lang="en-US" altLang="ko-KR" sz="900" b="0" i="0" u="none" strike="noStrike" cap="none" normalizeH="0" baseline="0" dirty="0" err="1" smtClean="0">
+              <a:rPr kumimoji="1" lang="en-US" altLang="ko-KR" sz="900" b="0" i="0" u="none" strike="noStrike" cap="none" normalizeH="0" baseline="0" dirty="0" err="1">
                 <a:ln>
                   <a:noFill/>
                 </a:ln>
@@ -8708,7 +8758,7 @@
               <a:t>classNames</a:t>
             </a:r>
             <a:r>
-              <a:rPr kumimoji="1" lang="en-US" altLang="ko-KR" sz="900" b="0" i="0" u="none" strike="noStrike" cap="none" normalizeH="0" baseline="0" dirty="0" smtClean="0">
+              <a:rPr kumimoji="1" lang="en-US" altLang="ko-KR" sz="900" b="0" i="0" u="none" strike="noStrike" cap="none" normalizeH="0" baseline="0" dirty="0">
                 <a:ln>
                   <a:noFill/>
                 </a:ln>
@@ -8723,7 +8773,7 @@
               <a:t>(</a:t>
             </a:r>
             <a:r>
-              <a:rPr kumimoji="1" lang="en-US" altLang="ko-KR" sz="900" b="0" i="0" u="none" strike="noStrike" cap="none" normalizeH="0" baseline="0" dirty="0" err="1" smtClean="0">
+              <a:rPr kumimoji="1" lang="en-US" altLang="ko-KR" sz="900" b="0" i="0" u="none" strike="noStrike" cap="none" normalizeH="0" baseline="0" dirty="0" err="1">
                 <a:ln>
                   <a:noFill/>
                 </a:ln>
@@ -8738,7 +8788,7 @@
               <a:t>styles.userItem</a:t>
             </a:r>
             <a:r>
-              <a:rPr kumimoji="1" lang="en-US" altLang="ko-KR" sz="900" b="0" i="0" u="none" strike="noStrike" cap="none" normalizeH="0" baseline="0" dirty="0" smtClean="0">
+              <a:rPr kumimoji="1" lang="en-US" altLang="ko-KR" sz="900" b="0" i="0" u="none" strike="noStrike" cap="none" normalizeH="0" baseline="0" dirty="0">
                 <a:ln>
                   <a:noFill/>
                 </a:ln>
@@ -8753,7 +8803,7 @@
               <a:t>, { [</a:t>
             </a:r>
             <a:r>
-              <a:rPr kumimoji="1" lang="en-US" altLang="ko-KR" sz="900" b="0" i="0" u="none" strike="noStrike" cap="none" normalizeH="0" baseline="0" dirty="0" err="1" smtClean="0">
+              <a:rPr kumimoji="1" lang="en-US" altLang="ko-KR" sz="900" b="0" i="0" u="none" strike="noStrike" cap="none" normalizeH="0" baseline="0" dirty="0" err="1">
                 <a:ln>
                   <a:noFill/>
                 </a:ln>
@@ -8768,7 +8818,7 @@
               <a:t>styles.selected</a:t>
             </a:r>
             <a:r>
-              <a:rPr kumimoji="1" lang="en-US" altLang="ko-KR" sz="900" b="0" i="0" u="none" strike="noStrike" cap="none" normalizeH="0" baseline="0" dirty="0" smtClean="0">
+              <a:rPr kumimoji="1" lang="en-US" altLang="ko-KR" sz="900" b="0" i="0" u="none" strike="noStrike" cap="none" normalizeH="0" baseline="0" dirty="0">
                 <a:ln>
                   <a:noFill/>
                 </a:ln>
@@ -8783,7 +8833,7 @@
               <a:t>]: user.id===</a:t>
             </a:r>
             <a:r>
-              <a:rPr kumimoji="1" lang="en-US" altLang="ko-KR" sz="900" b="0" i="0" u="none" strike="noStrike" cap="none" normalizeH="0" baseline="0" dirty="0" err="1" smtClean="0">
+              <a:rPr kumimoji="1" lang="en-US" altLang="ko-KR" sz="900" b="0" i="0" u="none" strike="noStrike" cap="none" normalizeH="0" baseline="0" dirty="0" err="1">
                 <a:ln>
                   <a:noFill/>
                 </a:ln>
@@ -8798,7 +8848,7 @@
               <a:t>selectedUserId</a:t>
             </a:r>
             <a:r>
-              <a:rPr kumimoji="1" lang="en-US" altLang="ko-KR" sz="900" b="0" i="0" u="none" strike="noStrike" cap="none" normalizeH="0" baseline="0" dirty="0" smtClean="0">
+              <a:rPr kumimoji="1" lang="en-US" altLang="ko-KR" sz="900" b="0" i="0" u="none" strike="noStrike" cap="none" normalizeH="0" baseline="0" dirty="0">
                 <a:ln>
                   <a:noFill/>
                 </a:ln>
@@ -8813,7 +8863,7 @@
               <a:t> })}&gt; { user.name } &lt;/</a:t>
             </a:r>
             <a:r>
-              <a:rPr kumimoji="1" lang="en-US" altLang="ko-KR" sz="900" b="0" i="0" u="none" strike="noStrike" cap="none" normalizeH="0" baseline="0" dirty="0" err="1" smtClean="0">
+              <a:rPr kumimoji="1" lang="en-US" altLang="ko-KR" sz="900" b="0" i="0" u="none" strike="noStrike" cap="none" normalizeH="0" baseline="0" dirty="0" err="1">
                 <a:ln>
                   <a:noFill/>
                 </a:ln>
@@ -8828,7 +8878,7 @@
               <a:t>li</a:t>
             </a:r>
             <a:r>
-              <a:rPr kumimoji="1" lang="en-US" altLang="ko-KR" sz="900" b="0" i="0" u="none" strike="noStrike" cap="none" normalizeH="0" baseline="0" dirty="0" smtClean="0">
+              <a:rPr kumimoji="1" lang="en-US" altLang="ko-KR" sz="900" b="0" i="0" u="none" strike="noStrike" cap="none" normalizeH="0" baseline="0" dirty="0">
                 <a:ln>
                   <a:noFill/>
                 </a:ln>
@@ -8853,7 +8903,7 @@
               </a:spcAft>
             </a:pPr>
             <a:r>
-              <a:rPr kumimoji="1" lang="en-US" altLang="ko-KR" sz="900" b="0" i="0" u="none" strike="noStrike" cap="none" normalizeH="0" baseline="0" dirty="0" smtClean="0">
+              <a:rPr kumimoji="1" lang="en-US" altLang="ko-KR" sz="900" b="0" i="0" u="none" strike="noStrike" cap="none" normalizeH="0" baseline="0" dirty="0">
                 <a:ln>
                   <a:noFill/>
                 </a:ln>
@@ -8878,7 +8928,7 @@
               </a:spcAft>
             </a:pPr>
             <a:r>
-              <a:rPr kumimoji="1" lang="en-US" altLang="ko-KR" sz="900" b="0" i="0" u="none" strike="noStrike" cap="none" normalizeH="0" baseline="0" dirty="0" smtClean="0">
+              <a:rPr kumimoji="1" lang="en-US" altLang="ko-KR" sz="900" b="0" i="0" u="none" strike="noStrike" cap="none" normalizeH="0" baseline="0" dirty="0">
                 <a:ln>
                   <a:noFill/>
                 </a:ln>
@@ -8893,7 +8943,7 @@
               <a:t>&lt;/</a:t>
             </a:r>
             <a:r>
-              <a:rPr kumimoji="1" lang="en-US" altLang="ko-KR" sz="900" b="0" i="0" u="none" strike="noStrike" cap="none" normalizeH="0" baseline="0" dirty="0" err="1" smtClean="0">
+              <a:rPr kumimoji="1" lang="en-US" altLang="ko-KR" sz="900" b="0" i="0" u="none" strike="noStrike" cap="none" normalizeH="0" baseline="0" dirty="0" err="1">
                 <a:ln>
                   <a:noFill/>
                 </a:ln>
@@ -8908,7 +8958,7 @@
               <a:t>ul</a:t>
             </a:r>
             <a:r>
-              <a:rPr kumimoji="1" lang="en-US" altLang="ko-KR" sz="900" b="0" i="0" u="none" strike="noStrike" cap="none" normalizeH="0" baseline="0" dirty="0" smtClean="0">
+              <a:rPr kumimoji="1" lang="en-US" altLang="ko-KR" sz="900" b="0" i="0" u="none" strike="noStrike" cap="none" normalizeH="0" baseline="0" dirty="0">
                 <a:ln>
                   <a:noFill/>
                 </a:ln>
@@ -8933,7 +8983,7 @@
               </a:spcAft>
             </a:pPr>
             <a:r>
-              <a:rPr kumimoji="1" lang="en-US" altLang="ko-KR" sz="900" b="0" i="0" u="none" strike="noStrike" cap="none" normalizeH="0" baseline="0" dirty="0" smtClean="0">
+              <a:rPr kumimoji="1" lang="en-US" altLang="ko-KR" sz="900" b="0" i="0" u="none" strike="noStrike" cap="none" normalizeH="0" baseline="0" dirty="0">
                 <a:ln>
                   <a:noFill/>
                 </a:ln>
@@ -8947,7 +8997,7 @@
               </a:rPr>
               <a:t> ) } }</a:t>
             </a:r>
-            <a:endParaRPr kumimoji="1" lang="ko-KR" altLang="ko-KR" sz="1800" b="0" i="0" u="none" strike="noStrike" cap="none" normalizeH="0" baseline="0" dirty="0" smtClean="0">
+            <a:endParaRPr kumimoji="1" lang="ko-KR" altLang="ko-KR" sz="1800" b="0" i="0" u="none" strike="noStrike" cap="none" normalizeH="0" baseline="0" dirty="0">
               <a:ln>
                 <a:noFill/>
               </a:ln>
@@ -8984,34 +9034,34 @@
           <a:lstStyle/>
           <a:p>
             <a:r>
-              <a:rPr lang="en-US" altLang="ko-KR" dirty="0" smtClean="0">
+              <a:rPr lang="en-US" altLang="ko-KR" dirty="0">
                 <a:hlinkClick r:id="rId2"/>
               </a:rPr>
               <a:t>https://github.com/facebook/create-react-app</a:t>
             </a:r>
-            <a:endParaRPr lang="en-US" altLang="ko-KR" dirty="0" smtClean="0"/>
-          </a:p>
-          <a:p>
             <a:endParaRPr lang="en-US" altLang="ko-KR" dirty="0"/>
           </a:p>
           <a:p>
-            <a:r>
-              <a:rPr lang="en-US" altLang="ko-KR" dirty="0" smtClean="0"/>
+            <a:endParaRPr lang="en-US" altLang="ko-KR" dirty="0"/>
+          </a:p>
+          <a:p>
+            <a:r>
+              <a:rPr lang="en-US" altLang="ko-KR" dirty="0"/>
               <a:t>Node </a:t>
             </a:r>
             <a:r>
-              <a:rPr lang="ko-KR" altLang="en-US" dirty="0" smtClean="0"/>
+              <a:rPr lang="ko-KR" altLang="en-US" dirty="0"/>
               <a:t>설치</a:t>
             </a:r>
-            <a:endParaRPr lang="en-US" altLang="ko-KR" dirty="0" smtClean="0"/>
-          </a:p>
-          <a:p>
-            <a:r>
-              <a:rPr lang="en-US" altLang="ko-KR" dirty="0" err="1" smtClean="0"/>
+            <a:endParaRPr lang="en-US" altLang="ko-KR" dirty="0"/>
+          </a:p>
+          <a:p>
+            <a:r>
+              <a:rPr lang="en-US" altLang="ko-KR" dirty="0" err="1"/>
               <a:t>Npm</a:t>
             </a:r>
             <a:r>
-              <a:rPr lang="en-US" altLang="ko-KR" dirty="0" smtClean="0"/>
+              <a:rPr lang="en-US" altLang="ko-KR" dirty="0"/>
               <a:t> install or yarn start</a:t>
             </a:r>
           </a:p>
@@ -9019,11 +9069,11 @@
             <a:endParaRPr lang="en-US" altLang="ko-KR" dirty="0"/>
           </a:p>
           <a:p>
-            <a:endParaRPr lang="en-US" altLang="ko-KR" dirty="0" smtClean="0"/>
-          </a:p>
-          <a:p>
-            <a:r>
-              <a:rPr lang="en-US" altLang="ko-KR" dirty="0" smtClean="0">
+            <a:endParaRPr lang="en-US" altLang="ko-KR" dirty="0"/>
+          </a:p>
+          <a:p>
+            <a:r>
+              <a:rPr lang="en-US" altLang="ko-KR" dirty="0">
                 <a:hlinkClick r:id="rId3"/>
               </a:rPr>
               <a:t>https://www.inflearn.com/course/reactjs-web/lecture/8278</a:t>
@@ -9054,11 +9104,11 @@
           <a:lstStyle/>
           <a:p>
             <a:r>
-              <a:rPr lang="en-US" altLang="ko-KR" sz="1500" smtClean="0"/>
+              <a:rPr lang="en-US" altLang="ko-KR" sz="1500"/>
               <a:t>Front </a:t>
             </a:r>
             <a:r>
-              <a:rPr lang="en-US" altLang="ko-KR" sz="1500" dirty="0" smtClean="0"/>
+              <a:rPr lang="en-US" altLang="ko-KR" sz="1500" dirty="0"/>
               <a:t>End Framework Source Line Compare</a:t>
             </a:r>
             <a:endParaRPr lang="ko-KR" altLang="en-US" sz="1500" dirty="0"/>
@@ -9070,13 +9120,6 @@
   <p:clrMapOvr>
     <a:masterClrMapping/>
   </p:clrMapOvr>
-  <p:timing>
-    <p:tnLst>
-      <p:par>
-        <p:cTn id="1" dur="indefinite" restart="never" nodeType="tmRoot"/>
-      </p:par>
-    </p:tnLst>
-  </p:timing>
 </p:sld>
 </file>
 
@@ -9512,7 +9555,7 @@
           <a:lstStyle/>
           <a:p>
             <a:r>
-              <a:rPr lang="en-US" altLang="ko-KR" dirty="0" smtClean="0">
+              <a:rPr lang="en-US" altLang="ko-KR" dirty="0">
                 <a:hlinkClick r:id="rId7"/>
               </a:rPr>
               <a:t>https://github.com/facebook/create-react-app</a:t>
